--- a/YusufEmreBayrakcıStajSunum.pptx
+++ b/YusufEmreBayrakcıStajSunum.pptx
@@ -2,39 +2,55 @@
 <file path=ppt/presentation.xml><?xml version="1.0" encoding="utf-8"?>
 <p:presentation xmlns:a="http://schemas.openxmlformats.org/drawingml/2006/main" xmlns:r="http://schemas.openxmlformats.org/officeDocument/2006/relationships" xmlns:p="http://schemas.openxmlformats.org/presentationml/2006/main" showSpecialPlsOnTitleSld="0" saveSubsetFonts="1">
   <p:sldMasterIdLst>
-    <p:sldMasterId id="2147483671" r:id="rId5"/>
+    <p:sldMasterId id="2147483671" r:id="rId4"/>
   </p:sldMasterIdLst>
   <p:notesMasterIdLst>
-    <p:notesMasterId r:id="rId30"/>
+    <p:notesMasterId r:id="rId45"/>
   </p:notesMasterIdLst>
   <p:handoutMasterIdLst>
-    <p:handoutMasterId r:id="rId31"/>
+    <p:handoutMasterId r:id="rId46"/>
   </p:handoutMasterIdLst>
   <p:sldIdLst>
-    <p:sldId id="581" r:id="rId6"/>
-    <p:sldId id="583" r:id="rId7"/>
-    <p:sldId id="584" r:id="rId8"/>
-    <p:sldId id="585" r:id="rId9"/>
-    <p:sldId id="586" r:id="rId10"/>
-    <p:sldId id="587" r:id="rId11"/>
-    <p:sldId id="603" r:id="rId12"/>
-    <p:sldId id="591" r:id="rId13"/>
-    <p:sldId id="604" r:id="rId14"/>
-    <p:sldId id="595" r:id="rId15"/>
-    <p:sldId id="605" r:id="rId16"/>
-    <p:sldId id="592" r:id="rId17"/>
-    <p:sldId id="606" r:id="rId18"/>
-    <p:sldId id="593" r:id="rId19"/>
-    <p:sldId id="594" r:id="rId20"/>
-    <p:sldId id="596" r:id="rId21"/>
-    <p:sldId id="597" r:id="rId22"/>
-    <p:sldId id="598" r:id="rId23"/>
-    <p:sldId id="588" r:id="rId24"/>
-    <p:sldId id="599" r:id="rId25"/>
-    <p:sldId id="600" r:id="rId26"/>
-    <p:sldId id="601" r:id="rId27"/>
-    <p:sldId id="602" r:id="rId28"/>
-    <p:sldId id="589" r:id="rId29"/>
+    <p:sldId id="581" r:id="rId5"/>
+    <p:sldId id="583" r:id="rId6"/>
+    <p:sldId id="584" r:id="rId7"/>
+    <p:sldId id="585" r:id="rId8"/>
+    <p:sldId id="586" r:id="rId9"/>
+    <p:sldId id="587" r:id="rId10"/>
+    <p:sldId id="603" r:id="rId11"/>
+    <p:sldId id="591" r:id="rId12"/>
+    <p:sldId id="604" r:id="rId13"/>
+    <p:sldId id="595" r:id="rId14"/>
+    <p:sldId id="605" r:id="rId15"/>
+    <p:sldId id="592" r:id="rId16"/>
+    <p:sldId id="606" r:id="rId17"/>
+    <p:sldId id="593" r:id="rId18"/>
+    <p:sldId id="594" r:id="rId19"/>
+    <p:sldId id="596" r:id="rId20"/>
+    <p:sldId id="597" r:id="rId21"/>
+    <p:sldId id="598" r:id="rId22"/>
+    <p:sldId id="588" r:id="rId23"/>
+    <p:sldId id="599" r:id="rId24"/>
+    <p:sldId id="600" r:id="rId25"/>
+    <p:sldId id="601" r:id="rId26"/>
+    <p:sldId id="607" r:id="rId27"/>
+    <p:sldId id="589" r:id="rId28"/>
+    <p:sldId id="609" r:id="rId29"/>
+    <p:sldId id="610" r:id="rId30"/>
+    <p:sldId id="611" r:id="rId31"/>
+    <p:sldId id="612" r:id="rId32"/>
+    <p:sldId id="613" r:id="rId33"/>
+    <p:sldId id="621" r:id="rId34"/>
+    <p:sldId id="614" r:id="rId35"/>
+    <p:sldId id="615" r:id="rId36"/>
+    <p:sldId id="616" r:id="rId37"/>
+    <p:sldId id="622" r:id="rId38"/>
+    <p:sldId id="617" r:id="rId39"/>
+    <p:sldId id="618" r:id="rId40"/>
+    <p:sldId id="619" r:id="rId41"/>
+    <p:sldId id="623" r:id="rId42"/>
+    <p:sldId id="620" r:id="rId43"/>
+    <p:sldId id="608" r:id="rId44"/>
   </p:sldIdLst>
   <p:sldSz cx="9144000" cy="6858000" type="screen4x3"/>
   <p:notesSz cx="6797675" cy="9928225"/>
@@ -183,6 +199,14 @@
     </p:ext>
   </p:extLst>
 </p:presentation>
+</file>
+
+<file path=ppt/revisionInfo.xml><?xml version="1.0" encoding="utf-8"?>
+<p1510:revInfo xmlns:a="http://schemas.openxmlformats.org/drawingml/2006/main" xmlns:r="http://schemas.openxmlformats.org/officeDocument/2006/relationships" xmlns:p1510="http://schemas.microsoft.com/office/powerpoint/2015/10/main">
+  <p1510:revLst>
+    <p1510:client id="{7057BA1E-225D-4E0F-8BE4-7B92A437EA01}" v="124" dt="2025-07-09T20:16:05.824"/>
+  </p1510:revLst>
+</p1510:revInfo>
 </file>
 
 <file path=ppt/handoutMasters/handoutMaster1.xml><?xml version="1.0" encoding="utf-8"?>
@@ -6806,8 +6830,8 @@
         </p:blipFill>
         <p:spPr bwMode="auto">
           <a:xfrm>
-            <a:off x="6156960" y="1828800"/>
-            <a:ext cx="2638697" cy="2638697"/>
+            <a:off x="5899356" y="1828800"/>
+            <a:ext cx="2896302" cy="2896302"/>
           </a:xfrm>
           <a:prstGeom prst="rect">
             <a:avLst/>
@@ -6838,7 +6862,7 @@
         </p:nvSpPr>
         <p:spPr>
           <a:xfrm>
-            <a:off x="7994468" y="4252053"/>
+            <a:off x="7916091" y="4509658"/>
             <a:ext cx="879566" cy="215444"/>
           </a:xfrm>
           <a:prstGeom prst="rect">
@@ -6969,15 +6993,7 @@
             </a:r>
             <a:r>
               <a:rPr lang="tr-TR" sz="1400" b="1" dirty="0"/>
-              <a:t>geleneksel </a:t>
-            </a:r>
-            <a:r>
-              <a:rPr lang="tr-TR" sz="1400" b="1" dirty="0" err="1"/>
-              <a:t>veritabanları</a:t>
-            </a:r>
-            <a:r>
-              <a:rPr lang="tr-TR" sz="1400" b="1" dirty="0"/>
-              <a:t> yetersiz</a:t>
+              <a:t>geleneksel veri tabanları yetersiz</a:t>
             </a:r>
             <a:r>
               <a:rPr lang="tr-TR" sz="1400" dirty="0"/>
@@ -7740,46 +7756,168 @@
           <a:chExt cx="0" cy="0"/>
         </a:xfrm>
       </p:grpSpPr>
-      <p:pic>
-        <p:nvPicPr>
-          <p:cNvPr id="4" name="Picture 3">
+      <p:sp>
+        <p:nvSpPr>
+          <p:cNvPr id="2" name="Metin kutusu 1">
             <a:extLst>
               <a:ext uri="{FF2B5EF4-FFF2-40B4-BE49-F238E27FC236}">
-                <a16:creationId xmlns:a16="http://schemas.microsoft.com/office/drawing/2014/main" id="{E36F6D48-C088-428D-9444-967F62684CC1}"/>
+                <a16:creationId xmlns:a16="http://schemas.microsoft.com/office/drawing/2014/main" id="{C4DD24EF-3CA8-7C74-BAB0-F845020E00A1}"/>
               </a:ext>
             </a:extLst>
           </p:cNvPr>
-          <p:cNvPicPr>
-            <a:picLocks noChangeAspect="1"/>
-          </p:cNvPicPr>
+          <p:cNvSpPr txBox="1"/>
           <p:nvPr/>
-        </p:nvPicPr>
-        <p:blipFill>
-          <a:blip r:embed="rId2">
-            <a:extLst>
-              <a:ext uri="{28A0092B-C50C-407E-A947-70E740481C1C}">
-                <a14:useLocalDpi xmlns:a14="http://schemas.microsoft.com/office/drawing/2010/main" val="0"/>
-              </a:ext>
-            </a:extLst>
-          </a:blip>
-          <a:stretch>
-            <a:fillRect/>
-          </a:stretch>
-        </p:blipFill>
+        </p:nvSpPr>
         <p:spPr>
           <a:xfrm>
-            <a:off x="5049520" y="989355"/>
-            <a:ext cx="3874111" cy="5590489"/>
+            <a:off x="236220" y="1303020"/>
+            <a:ext cx="6774180" cy="338554"/>
           </a:xfrm>
           <a:prstGeom prst="rect">
             <a:avLst/>
           </a:prstGeom>
+          <a:noFill/>
         </p:spPr>
-      </p:pic>
+        <p:txBody>
+          <a:bodyPr wrap="square" rtlCol="0">
+            <a:spAutoFit/>
+          </a:bodyPr>
+          <a:lstStyle/>
+          <a:p>
+            <a:r>
+              <a:rPr lang="tr-TR" sz="1600" b="1" dirty="0" err="1"/>
+              <a:t>Repository</a:t>
+            </a:r>
+            <a:r>
+              <a:rPr lang="tr-TR" sz="1600" b="1" dirty="0"/>
+              <a:t> Gerçekleştirimlerinde Lider tablosu veri yapıları</a:t>
+            </a:r>
+          </a:p>
+        </p:txBody>
+      </p:sp>
+      <p:sp>
+        <p:nvSpPr>
+          <p:cNvPr id="3" name="Metin kutusu 2">
+            <a:extLst>
+              <a:ext uri="{FF2B5EF4-FFF2-40B4-BE49-F238E27FC236}">
+                <a16:creationId xmlns:a16="http://schemas.microsoft.com/office/drawing/2014/main" id="{E8B23CD2-4B91-C0FA-5BE8-7CC8F5BF00F1}"/>
+              </a:ext>
+            </a:extLst>
+          </p:cNvPr>
+          <p:cNvSpPr txBox="1"/>
+          <p:nvPr/>
+        </p:nvSpPr>
+        <p:spPr>
+          <a:xfrm>
+            <a:off x="746760" y="2141220"/>
+            <a:ext cx="4953000" cy="3330399"/>
+          </a:xfrm>
+          <a:prstGeom prst="rect">
+            <a:avLst/>
+          </a:prstGeom>
+          <a:noFill/>
+        </p:spPr>
+        <p:txBody>
+          <a:bodyPr wrap="square" rtlCol="0">
+            <a:spAutoFit/>
+          </a:bodyPr>
+          <a:lstStyle/>
+          <a:p>
+            <a:pPr marL="285750" indent="-285750">
+              <a:lnSpc>
+                <a:spcPct val="200000"/>
+              </a:lnSpc>
+              <a:buFont typeface="Wingdings" panose="05000000000000000000" pitchFamily="2" charset="2"/>
+              <a:buChar char="v"/>
+            </a:pPr>
+            <a:r>
+              <a:rPr lang="tr-TR" b="1" dirty="0"/>
+              <a:t>Java</a:t>
+            </a:r>
+            <a:br>
+              <a:rPr lang="tr-TR" dirty="0"/>
+            </a:br>
+            <a:r>
+              <a:rPr lang="tr-TR" dirty="0" err="1"/>
+              <a:t>HashMap</a:t>
+            </a:r>
+            <a:endParaRPr lang="tr-TR" dirty="0"/>
+          </a:p>
+          <a:p>
+            <a:pPr marL="285750" indent="-285750">
+              <a:lnSpc>
+                <a:spcPct val="200000"/>
+              </a:lnSpc>
+              <a:buFont typeface="Wingdings" panose="05000000000000000000" pitchFamily="2" charset="2"/>
+              <a:buChar char="v"/>
+            </a:pPr>
+            <a:r>
+              <a:rPr lang="tr-TR" b="1" dirty="0" err="1"/>
+              <a:t>Caffeine</a:t>
+            </a:r>
+            <a:br>
+              <a:rPr lang="tr-TR" dirty="0"/>
+            </a:br>
+            <a:r>
+              <a:rPr lang="tr-TR" dirty="0" err="1"/>
+              <a:t>Cache</a:t>
+            </a:r>
+            <a:r>
+              <a:rPr lang="tr-TR" dirty="0"/>
+              <a:t>(</a:t>
+            </a:r>
+            <a:r>
+              <a:rPr lang="tr-TR" dirty="0" err="1"/>
+              <a:t>Concurrent</a:t>
+            </a:r>
+            <a:r>
+              <a:rPr lang="tr-TR" dirty="0"/>
+              <a:t> </a:t>
+            </a:r>
+            <a:r>
+              <a:rPr lang="tr-TR" dirty="0" err="1"/>
+              <a:t>Hashmap</a:t>
+            </a:r>
+            <a:r>
+              <a:rPr lang="tr-TR" dirty="0"/>
+              <a:t>)</a:t>
+            </a:r>
+          </a:p>
+          <a:p>
+            <a:pPr marL="285750" indent="-285750">
+              <a:lnSpc>
+                <a:spcPct val="200000"/>
+              </a:lnSpc>
+              <a:buFont typeface="Wingdings" panose="05000000000000000000" pitchFamily="2" charset="2"/>
+              <a:buChar char="v"/>
+            </a:pPr>
+            <a:r>
+              <a:rPr lang="tr-TR" b="1" dirty="0" err="1"/>
+              <a:t>Redis</a:t>
+            </a:r>
+            <a:br>
+              <a:rPr lang="tr-TR" dirty="0"/>
+            </a:br>
+            <a:r>
+              <a:rPr lang="tr-TR" dirty="0" err="1"/>
+              <a:t>Sorted</a:t>
+            </a:r>
+            <a:r>
+              <a:rPr lang="tr-TR" dirty="0"/>
+              <a:t> Set + </a:t>
+            </a:r>
+            <a:r>
+              <a:rPr lang="tr-TR" dirty="0" err="1"/>
+              <a:t>Hash</a:t>
+            </a:r>
+            <a:endParaRPr lang="tr-TR" dirty="0"/>
+          </a:p>
+        </p:txBody>
+      </p:sp>
     </p:spTree>
     <p:extLst>
       <p:ext uri="{BB962C8B-B14F-4D97-AF65-F5344CB8AC3E}">
-        <p14:creationId xmlns:p14="http://schemas.microsoft.com/office/powerpoint/2010/main" val="3225215585"/>
+        <p14:creationId xmlns:p14="http://schemas.microsoft.com/office/powerpoint/2010/main" val="4028410403"/>
       </p:ext>
     </p:extLst>
   </p:cSld>
@@ -7821,8 +7959,8 @@
         </p:nvSpPr>
         <p:spPr>
           <a:xfrm>
-            <a:off x="466919" y="511112"/>
-            <a:ext cx="1415772" cy="369332"/>
+            <a:off x="761873" y="511112"/>
+            <a:ext cx="825867" cy="369332"/>
           </a:xfrm>
           <a:prstGeom prst="rect">
             <a:avLst/>
@@ -7854,7 +7992,7 @@
                   </a:outerShdw>
                 </a:effectLst>
               </a:rPr>
-              <a:t>Kazanımlar</a:t>
+              <a:t>Demo</a:t>
             </a:r>
             <a:endParaRPr lang="en-US" b="1" dirty="0">
               <a:ln w="10160">
@@ -7877,10 +8015,1203 @@
           </a:p>
         </p:txBody>
       </p:sp>
+      <p:pic>
+        <p:nvPicPr>
+          <p:cNvPr id="1036" name="Picture 12">
+            <a:extLst>
+              <a:ext uri="{FF2B5EF4-FFF2-40B4-BE49-F238E27FC236}">
+                <a16:creationId xmlns:a16="http://schemas.microsoft.com/office/drawing/2014/main" id="{1A4E4629-AD50-F6E8-0CD6-742E2C00BF95}"/>
+              </a:ext>
+            </a:extLst>
+          </p:cNvPr>
+          <p:cNvPicPr>
+            <a:picLocks noChangeAspect="1" noChangeArrowheads="1"/>
+          </p:cNvPicPr>
+          <p:nvPr/>
+        </p:nvPicPr>
+        <p:blipFill>
+          <a:blip r:embed="rId2" cstate="print">
+            <a:extLst>
+              <a:ext uri="{28A0092B-C50C-407E-A947-70E740481C1C}">
+                <a14:useLocalDpi xmlns:a14="http://schemas.microsoft.com/office/drawing/2010/main" val="0"/>
+              </a:ext>
+            </a:extLst>
+          </a:blip>
+          <a:srcRect/>
+          <a:stretch>
+            <a:fillRect/>
+          </a:stretch>
+        </p:blipFill>
+        <p:spPr bwMode="auto">
+          <a:xfrm>
+            <a:off x="559171" y="1127925"/>
+            <a:ext cx="3636538" cy="2762180"/>
+          </a:xfrm>
+          <a:prstGeom prst="rect">
+            <a:avLst/>
+          </a:prstGeom>
+          <a:noFill/>
+          <a:extLst>
+            <a:ext uri="{909E8E84-426E-40DD-AFC4-6F175D3DCCD1}">
+              <a14:hiddenFill xmlns:a14="http://schemas.microsoft.com/office/drawing/2010/main">
+                <a:solidFill>
+                  <a:srgbClr val="FFFFFF"/>
+                </a:solidFill>
+              </a14:hiddenFill>
+            </a:ext>
+          </a:extLst>
+        </p:spPr>
+      </p:pic>
+      <p:pic>
+        <p:nvPicPr>
+          <p:cNvPr id="1038" name="Picture 14">
+            <a:extLst>
+              <a:ext uri="{FF2B5EF4-FFF2-40B4-BE49-F238E27FC236}">
+                <a16:creationId xmlns:a16="http://schemas.microsoft.com/office/drawing/2014/main" id="{5076D7CA-22EA-F99C-827E-F82A21315268}"/>
+              </a:ext>
+            </a:extLst>
+          </p:cNvPr>
+          <p:cNvPicPr>
+            <a:picLocks noChangeAspect="1" noChangeArrowheads="1"/>
+          </p:cNvPicPr>
+          <p:nvPr/>
+        </p:nvPicPr>
+        <p:blipFill>
+          <a:blip r:embed="rId3" cstate="print">
+            <a:extLst>
+              <a:ext uri="{28A0092B-C50C-407E-A947-70E740481C1C}">
+                <a14:useLocalDpi xmlns:a14="http://schemas.microsoft.com/office/drawing/2010/main" val="0"/>
+              </a:ext>
+            </a:extLst>
+          </a:blip>
+          <a:srcRect/>
+          <a:stretch>
+            <a:fillRect/>
+          </a:stretch>
+        </p:blipFill>
+        <p:spPr bwMode="auto">
+          <a:xfrm>
+            <a:off x="4948291" y="1127925"/>
+            <a:ext cx="3636538" cy="2762179"/>
+          </a:xfrm>
+          <a:prstGeom prst="rect">
+            <a:avLst/>
+          </a:prstGeom>
+          <a:noFill/>
+          <a:extLst>
+            <a:ext uri="{909E8E84-426E-40DD-AFC4-6F175D3DCCD1}">
+              <a14:hiddenFill xmlns:a14="http://schemas.microsoft.com/office/drawing/2010/main">
+                <a:solidFill>
+                  <a:srgbClr val="FFFFFF"/>
+                </a:solidFill>
+              </a14:hiddenFill>
+            </a:ext>
+          </a:extLst>
+        </p:spPr>
+      </p:pic>
+      <p:pic>
+        <p:nvPicPr>
+          <p:cNvPr id="1046" name="Picture 22">
+            <a:extLst>
+              <a:ext uri="{FF2B5EF4-FFF2-40B4-BE49-F238E27FC236}">
+                <a16:creationId xmlns:a16="http://schemas.microsoft.com/office/drawing/2014/main" id="{0463D8A3-F05B-0504-9D8C-AED6BD3C894F}"/>
+              </a:ext>
+            </a:extLst>
+          </p:cNvPr>
+          <p:cNvPicPr>
+            <a:picLocks noChangeAspect="1" noChangeArrowheads="1"/>
+          </p:cNvPicPr>
+          <p:nvPr/>
+        </p:nvPicPr>
+        <p:blipFill>
+          <a:blip r:embed="rId4" cstate="print">
+            <a:extLst>
+              <a:ext uri="{28A0092B-C50C-407E-A947-70E740481C1C}">
+                <a14:useLocalDpi xmlns:a14="http://schemas.microsoft.com/office/drawing/2010/main" val="0"/>
+              </a:ext>
+            </a:extLst>
+          </a:blip>
+          <a:srcRect/>
+          <a:stretch>
+            <a:fillRect/>
+          </a:stretch>
+        </p:blipFill>
+        <p:spPr bwMode="auto">
+          <a:xfrm>
+            <a:off x="2438195" y="3760564"/>
+            <a:ext cx="4267611" cy="2696621"/>
+          </a:xfrm>
+          <a:prstGeom prst="rect">
+            <a:avLst/>
+          </a:prstGeom>
+          <a:noFill/>
+          <a:extLst>
+            <a:ext uri="{909E8E84-426E-40DD-AFC4-6F175D3DCCD1}">
+              <a14:hiddenFill xmlns:a14="http://schemas.microsoft.com/office/drawing/2010/main">
+                <a:solidFill>
+                  <a:srgbClr val="FFFFFF"/>
+                </a:solidFill>
+              </a14:hiddenFill>
+            </a:ext>
+          </a:extLst>
+        </p:spPr>
+      </p:pic>
     </p:spTree>
     <p:extLst>
       <p:ext uri="{BB962C8B-B14F-4D97-AF65-F5344CB8AC3E}">
         <p14:creationId xmlns:p14="http://schemas.microsoft.com/office/powerpoint/2010/main" val="2565632405"/>
+      </p:ext>
+    </p:extLst>
+  </p:cSld>
+  <p:clrMapOvr>
+    <a:masterClrMapping/>
+  </p:clrMapOvr>
+  <p:transition advClick="0"/>
+</p:sld>
+</file>
+
+<file path=ppt/slides/slide25.xml><?xml version="1.0" encoding="utf-8"?>
+<p:sld xmlns:a="http://schemas.openxmlformats.org/drawingml/2006/main" xmlns:r="http://schemas.openxmlformats.org/officeDocument/2006/relationships" xmlns:p="http://schemas.openxmlformats.org/presentationml/2006/main">
+  <p:cSld>
+    <p:spTree>
+      <p:nvGrpSpPr>
+        <p:cNvPr id="1" name=""/>
+        <p:cNvGrpSpPr/>
+        <p:nvPr/>
+      </p:nvGrpSpPr>
+      <p:grpSpPr>
+        <a:xfrm>
+          <a:off x="0" y="0"/>
+          <a:ext cx="0" cy="0"/>
+          <a:chOff x="0" y="0"/>
+          <a:chExt cx="0" cy="0"/>
+        </a:xfrm>
+      </p:grpSpPr>
+      <p:sp>
+        <p:nvSpPr>
+          <p:cNvPr id="2" name="Rectangle 1">
+            <a:extLst>
+              <a:ext uri="{FF2B5EF4-FFF2-40B4-BE49-F238E27FC236}">
+                <a16:creationId xmlns:a16="http://schemas.microsoft.com/office/drawing/2014/main" id="{418E9320-75FC-A153-67FA-495845983CC8}"/>
+              </a:ext>
+            </a:extLst>
+          </p:cNvPr>
+          <p:cNvSpPr/>
+          <p:nvPr/>
+        </p:nvSpPr>
+        <p:spPr>
+          <a:xfrm>
+            <a:off x="761873" y="511112"/>
+            <a:ext cx="825867" cy="369332"/>
+          </a:xfrm>
+          <a:prstGeom prst="rect">
+            <a:avLst/>
+          </a:prstGeom>
+        </p:spPr>
+        <p:txBody>
+          <a:bodyPr wrap="none">
+            <a:spAutoFit/>
+          </a:bodyPr>
+          <a:lstStyle/>
+          <a:p>
+            <a:pPr algn="ctr"/>
+            <a:r>
+              <a:rPr lang="tr-TR" b="1" dirty="0">
+                <a:ln w="10160">
+                  <a:solidFill>
+                    <a:schemeClr val="accent5"/>
+                  </a:solidFill>
+                  <a:prstDash val="solid"/>
+                </a:ln>
+                <a:solidFill>
+                  <a:srgbClr val="FFFFFF"/>
+                </a:solidFill>
+                <a:effectLst>
+                  <a:outerShdw blurRad="38100" dist="22860" dir="5400000" algn="tl" rotWithShape="0">
+                    <a:srgbClr val="000000">
+                      <a:alpha val="30000"/>
+                    </a:srgbClr>
+                  </a:outerShdw>
+                </a:effectLst>
+              </a:rPr>
+              <a:t>Demo</a:t>
+            </a:r>
+            <a:endParaRPr lang="en-US" b="1" dirty="0">
+              <a:ln w="10160">
+                <a:solidFill>
+                  <a:schemeClr val="accent5"/>
+                </a:solidFill>
+                <a:prstDash val="solid"/>
+              </a:ln>
+              <a:solidFill>
+                <a:srgbClr val="FFFFFF"/>
+              </a:solidFill>
+              <a:effectLst>
+                <a:outerShdw blurRad="38100" dist="22860" dir="5400000" algn="tl" rotWithShape="0">
+                  <a:srgbClr val="000000">
+                    <a:alpha val="30000"/>
+                  </a:srgbClr>
+                </a:outerShdw>
+              </a:effectLst>
+            </a:endParaRPr>
+          </a:p>
+        </p:txBody>
+      </p:sp>
+      <p:sp>
+        <p:nvSpPr>
+          <p:cNvPr id="3" name="Metin kutusu 2">
+            <a:extLst>
+              <a:ext uri="{FF2B5EF4-FFF2-40B4-BE49-F238E27FC236}">
+                <a16:creationId xmlns:a16="http://schemas.microsoft.com/office/drawing/2014/main" id="{D778830E-17EB-8099-C44A-EAEE1FE6A45D}"/>
+              </a:ext>
+            </a:extLst>
+          </p:cNvPr>
+          <p:cNvSpPr txBox="1"/>
+          <p:nvPr/>
+        </p:nvSpPr>
+        <p:spPr>
+          <a:xfrm>
+            <a:off x="312420" y="1318260"/>
+            <a:ext cx="6659880" cy="5546390"/>
+          </a:xfrm>
+          <a:prstGeom prst="rect">
+            <a:avLst/>
+          </a:prstGeom>
+          <a:noFill/>
+        </p:spPr>
+        <p:txBody>
+          <a:bodyPr wrap="square" rtlCol="0">
+            <a:spAutoFit/>
+          </a:bodyPr>
+          <a:lstStyle/>
+          <a:p>
+            <a:pPr>
+              <a:lnSpc>
+                <a:spcPct val="200000"/>
+              </a:lnSpc>
+            </a:pPr>
+            <a:r>
+              <a:rPr lang="tr-TR" b="1" dirty="0"/>
+              <a:t>Test</a:t>
+            </a:r>
+          </a:p>
+          <a:p>
+            <a:pPr marL="285750" indent="-285750">
+              <a:lnSpc>
+                <a:spcPct val="200000"/>
+              </a:lnSpc>
+              <a:buFont typeface="Wingdings" panose="05000000000000000000" pitchFamily="2" charset="2"/>
+              <a:buChar char="v"/>
+            </a:pPr>
+            <a:r>
+              <a:rPr lang="tr-TR" dirty="0"/>
+              <a:t>K6 ile yükleme testi gerçekleştirdik</a:t>
+            </a:r>
+          </a:p>
+          <a:p>
+            <a:pPr marL="285750" indent="-285750">
+              <a:lnSpc>
+                <a:spcPct val="200000"/>
+              </a:lnSpc>
+              <a:buFont typeface="Wingdings" panose="05000000000000000000" pitchFamily="2" charset="2"/>
+              <a:buChar char="v"/>
+            </a:pPr>
+            <a:r>
+              <a:rPr lang="tr-TR" dirty="0"/>
+              <a:t>Testte iki adet metot ölçümü yaptık</a:t>
+            </a:r>
+            <a:br>
+              <a:rPr lang="tr-TR" dirty="0"/>
+            </a:br>
+            <a:r>
+              <a:rPr lang="tr-TR" dirty="0"/>
+              <a:t>Tabloya yazma (Skor artırma)</a:t>
+            </a:r>
+            <a:br>
+              <a:rPr lang="tr-TR" dirty="0"/>
+            </a:br>
+            <a:r>
+              <a:rPr lang="tr-TR" dirty="0"/>
+              <a:t>Tablodan okuma (İlk 100 oyuncu)</a:t>
+            </a:r>
+          </a:p>
+          <a:p>
+            <a:pPr>
+              <a:lnSpc>
+                <a:spcPct val="200000"/>
+              </a:lnSpc>
+            </a:pPr>
+            <a:r>
+              <a:rPr lang="tr-TR" b="1" dirty="0"/>
+              <a:t>Ölçülen Metrikler</a:t>
+            </a:r>
+          </a:p>
+          <a:p>
+            <a:pPr marL="285750" indent="-285750">
+              <a:lnSpc>
+                <a:spcPct val="200000"/>
+              </a:lnSpc>
+              <a:buFont typeface="Wingdings" panose="05000000000000000000" pitchFamily="2" charset="2"/>
+              <a:buChar char="v"/>
+            </a:pPr>
+            <a:r>
+              <a:rPr lang="tr-TR" dirty="0"/>
+              <a:t>p50 , p95 , p99 , </a:t>
+            </a:r>
+            <a:r>
+              <a:rPr lang="tr-TR" dirty="0" err="1"/>
+              <a:t>Throughput</a:t>
+            </a:r>
+            <a:r>
+              <a:rPr lang="tr-TR" dirty="0"/>
+              <a:t>(</a:t>
+            </a:r>
+            <a:r>
+              <a:rPr lang="tr-TR" dirty="0" err="1"/>
+              <a:t>ops</a:t>
+            </a:r>
+            <a:r>
+              <a:rPr lang="tr-TR" dirty="0"/>
+              <a:t>/s)</a:t>
+            </a:r>
+          </a:p>
+          <a:p>
+            <a:pPr marL="285750" indent="-285750">
+              <a:lnSpc>
+                <a:spcPct val="200000"/>
+              </a:lnSpc>
+              <a:buFont typeface="Wingdings" panose="05000000000000000000" pitchFamily="2" charset="2"/>
+              <a:buChar char="v"/>
+            </a:pPr>
+            <a:r>
+              <a:rPr lang="tr-TR" dirty="0"/>
+              <a:t>Ortalama , minimum ve maksimum değerleri</a:t>
+            </a:r>
+            <a:br>
+              <a:rPr lang="tr-TR" dirty="0"/>
+            </a:br>
+            <a:endParaRPr lang="tr-TR" dirty="0"/>
+          </a:p>
+          <a:p>
+            <a:pPr marL="742950" lvl="1" indent="-285750">
+              <a:lnSpc>
+                <a:spcPct val="200000"/>
+              </a:lnSpc>
+              <a:buFont typeface="Wingdings" panose="05000000000000000000" pitchFamily="2" charset="2"/>
+              <a:buChar char="v"/>
+            </a:pPr>
+            <a:endParaRPr lang="tr-TR" dirty="0"/>
+          </a:p>
+        </p:txBody>
+      </p:sp>
+    </p:spTree>
+    <p:extLst>
+      <p:ext uri="{BB962C8B-B14F-4D97-AF65-F5344CB8AC3E}">
+        <p14:creationId xmlns:p14="http://schemas.microsoft.com/office/powerpoint/2010/main" val="1487753185"/>
+      </p:ext>
+    </p:extLst>
+  </p:cSld>
+  <p:clrMapOvr>
+    <a:masterClrMapping/>
+  </p:clrMapOvr>
+  <p:transition advClick="0"/>
+</p:sld>
+</file>
+
+<file path=ppt/slides/slide26.xml><?xml version="1.0" encoding="utf-8"?>
+<p:sld xmlns:a="http://schemas.openxmlformats.org/drawingml/2006/main" xmlns:r="http://schemas.openxmlformats.org/officeDocument/2006/relationships" xmlns:p="http://schemas.openxmlformats.org/presentationml/2006/main">
+  <p:cSld>
+    <p:spTree>
+      <p:nvGrpSpPr>
+        <p:cNvPr id="1" name="">
+          <a:extLst>
+            <a:ext uri="{FF2B5EF4-FFF2-40B4-BE49-F238E27FC236}">
+              <a16:creationId xmlns:a16="http://schemas.microsoft.com/office/drawing/2014/main" id="{B45EE9E0-76E7-7CE8-5BB2-6386DD695E77}"/>
+            </a:ext>
+          </a:extLst>
+        </p:cNvPr>
+        <p:cNvGrpSpPr/>
+        <p:nvPr/>
+      </p:nvGrpSpPr>
+      <p:grpSpPr>
+        <a:xfrm>
+          <a:off x="0" y="0"/>
+          <a:ext cx="0" cy="0"/>
+          <a:chOff x="0" y="0"/>
+          <a:chExt cx="0" cy="0"/>
+        </a:xfrm>
+      </p:grpSpPr>
+      <p:sp>
+        <p:nvSpPr>
+          <p:cNvPr id="2" name="Rectangle 1">
+            <a:extLst>
+              <a:ext uri="{FF2B5EF4-FFF2-40B4-BE49-F238E27FC236}">
+                <a16:creationId xmlns:a16="http://schemas.microsoft.com/office/drawing/2014/main" id="{F8C15EC3-014C-A910-6508-D458EAF0DD57}"/>
+              </a:ext>
+            </a:extLst>
+          </p:cNvPr>
+          <p:cNvSpPr/>
+          <p:nvPr/>
+        </p:nvSpPr>
+        <p:spPr>
+          <a:xfrm>
+            <a:off x="761873" y="511112"/>
+            <a:ext cx="825867" cy="369332"/>
+          </a:xfrm>
+          <a:prstGeom prst="rect">
+            <a:avLst/>
+          </a:prstGeom>
+        </p:spPr>
+        <p:txBody>
+          <a:bodyPr wrap="none">
+            <a:spAutoFit/>
+          </a:bodyPr>
+          <a:lstStyle/>
+          <a:p>
+            <a:pPr algn="ctr"/>
+            <a:r>
+              <a:rPr lang="tr-TR" b="1" dirty="0">
+                <a:ln w="10160">
+                  <a:solidFill>
+                    <a:schemeClr val="accent5"/>
+                  </a:solidFill>
+                  <a:prstDash val="solid"/>
+                </a:ln>
+                <a:solidFill>
+                  <a:srgbClr val="FFFFFF"/>
+                </a:solidFill>
+                <a:effectLst>
+                  <a:outerShdw blurRad="38100" dist="22860" dir="5400000" algn="tl" rotWithShape="0">
+                    <a:srgbClr val="000000">
+                      <a:alpha val="30000"/>
+                    </a:srgbClr>
+                  </a:outerShdw>
+                </a:effectLst>
+              </a:rPr>
+              <a:t>Demo</a:t>
+            </a:r>
+            <a:endParaRPr lang="en-US" b="1" dirty="0">
+              <a:ln w="10160">
+                <a:solidFill>
+                  <a:schemeClr val="accent5"/>
+                </a:solidFill>
+                <a:prstDash val="solid"/>
+              </a:ln>
+              <a:solidFill>
+                <a:srgbClr val="FFFFFF"/>
+              </a:solidFill>
+              <a:effectLst>
+                <a:outerShdw blurRad="38100" dist="22860" dir="5400000" algn="tl" rotWithShape="0">
+                  <a:srgbClr val="000000">
+                    <a:alpha val="30000"/>
+                  </a:srgbClr>
+                </a:outerShdw>
+              </a:effectLst>
+            </a:endParaRPr>
+          </a:p>
+        </p:txBody>
+      </p:sp>
+      <p:sp>
+        <p:nvSpPr>
+          <p:cNvPr id="3" name="Metin kutusu 2">
+            <a:extLst>
+              <a:ext uri="{FF2B5EF4-FFF2-40B4-BE49-F238E27FC236}">
+                <a16:creationId xmlns:a16="http://schemas.microsoft.com/office/drawing/2014/main" id="{D553E4EF-7557-44DC-5440-85F4A5E7D4C9}"/>
+              </a:ext>
+            </a:extLst>
+          </p:cNvPr>
+          <p:cNvSpPr txBox="1"/>
+          <p:nvPr/>
+        </p:nvSpPr>
+        <p:spPr>
+          <a:xfrm>
+            <a:off x="312420" y="1318260"/>
+            <a:ext cx="8039100" cy="3434273"/>
+          </a:xfrm>
+          <a:prstGeom prst="rect">
+            <a:avLst/>
+          </a:prstGeom>
+          <a:noFill/>
+        </p:spPr>
+        <p:txBody>
+          <a:bodyPr wrap="square" rtlCol="0">
+            <a:spAutoFit/>
+          </a:bodyPr>
+          <a:lstStyle/>
+          <a:p>
+            <a:pPr>
+              <a:lnSpc>
+                <a:spcPct val="250000"/>
+              </a:lnSpc>
+            </a:pPr>
+            <a:r>
+              <a:rPr lang="tr-TR" b="1" dirty="0"/>
+              <a:t>Test Senaryoları</a:t>
+            </a:r>
+          </a:p>
+          <a:p>
+            <a:pPr marL="285750" indent="-285750">
+              <a:lnSpc>
+                <a:spcPct val="250000"/>
+              </a:lnSpc>
+              <a:buFont typeface="Wingdings" panose="05000000000000000000" pitchFamily="2" charset="2"/>
+              <a:buChar char="v"/>
+            </a:pPr>
+            <a:r>
+              <a:rPr lang="tr-TR" dirty="0"/>
+              <a:t>0.5k </a:t>
+            </a:r>
+            <a:r>
+              <a:rPr lang="tr-TR" dirty="0" err="1"/>
+              <a:t>ops</a:t>
+            </a:r>
+            <a:r>
+              <a:rPr lang="tr-TR" dirty="0"/>
+              <a:t>/s Yazma Kayıpsız işlenirken Maksimum Okuma</a:t>
+            </a:r>
+          </a:p>
+          <a:p>
+            <a:pPr marL="285750" indent="-285750">
+              <a:lnSpc>
+                <a:spcPct val="250000"/>
+              </a:lnSpc>
+              <a:buFont typeface="Wingdings" panose="05000000000000000000" pitchFamily="2" charset="2"/>
+              <a:buChar char="v"/>
+            </a:pPr>
+            <a:r>
+              <a:rPr lang="tr-TR" dirty="0"/>
+              <a:t>1k </a:t>
+            </a:r>
+            <a:r>
+              <a:rPr lang="tr-TR" dirty="0" err="1"/>
+              <a:t>ops</a:t>
+            </a:r>
+            <a:r>
+              <a:rPr lang="tr-TR" dirty="0"/>
+              <a:t>/s Yazma Kayıpsız işlenirken Maksimum Okuma</a:t>
+            </a:r>
+          </a:p>
+          <a:p>
+            <a:pPr marL="285750" indent="-285750">
+              <a:lnSpc>
+                <a:spcPct val="250000"/>
+              </a:lnSpc>
+              <a:buFont typeface="Wingdings" panose="05000000000000000000" pitchFamily="2" charset="2"/>
+              <a:buChar char="v"/>
+            </a:pPr>
+            <a:r>
+              <a:rPr lang="tr-TR" dirty="0"/>
+              <a:t>2k </a:t>
+            </a:r>
+            <a:r>
+              <a:rPr lang="tr-TR" dirty="0" err="1"/>
+              <a:t>ops</a:t>
+            </a:r>
+            <a:r>
+              <a:rPr lang="tr-TR" dirty="0"/>
+              <a:t>/s Yazma ve 10k </a:t>
+            </a:r>
+            <a:r>
+              <a:rPr lang="tr-TR" dirty="0" err="1"/>
+              <a:t>ops</a:t>
+            </a:r>
+            <a:r>
+              <a:rPr lang="tr-TR" dirty="0"/>
+              <a:t>/s Okuma isteğinin ne kadarı işlenebildi ?</a:t>
+            </a:r>
+            <a:br>
+              <a:rPr lang="tr-TR" dirty="0"/>
+            </a:br>
+            <a:endParaRPr lang="tr-TR" dirty="0"/>
+          </a:p>
+        </p:txBody>
+      </p:sp>
+    </p:spTree>
+    <p:extLst>
+      <p:ext uri="{BB962C8B-B14F-4D97-AF65-F5344CB8AC3E}">
+        <p14:creationId xmlns:p14="http://schemas.microsoft.com/office/powerpoint/2010/main" val="2476079623"/>
+      </p:ext>
+    </p:extLst>
+  </p:cSld>
+  <p:clrMapOvr>
+    <a:masterClrMapping/>
+  </p:clrMapOvr>
+  <p:transition advClick="0"/>
+</p:sld>
+</file>
+
+<file path=ppt/slides/slide27.xml><?xml version="1.0" encoding="utf-8"?>
+<p:sld xmlns:a="http://schemas.openxmlformats.org/drawingml/2006/main" xmlns:r="http://schemas.openxmlformats.org/officeDocument/2006/relationships" xmlns:p="http://schemas.openxmlformats.org/presentationml/2006/main">
+  <p:cSld>
+    <p:spTree>
+      <p:nvGrpSpPr>
+        <p:cNvPr id="1" name=""/>
+        <p:cNvGrpSpPr/>
+        <p:nvPr/>
+      </p:nvGrpSpPr>
+      <p:grpSpPr>
+        <a:xfrm>
+          <a:off x="0" y="0"/>
+          <a:ext cx="0" cy="0"/>
+          <a:chOff x="0" y="0"/>
+          <a:chExt cx="0" cy="0"/>
+        </a:xfrm>
+      </p:grpSpPr>
+      <p:sp>
+        <p:nvSpPr>
+          <p:cNvPr id="2" name="Rectangle 1">
+            <a:extLst>
+              <a:ext uri="{FF2B5EF4-FFF2-40B4-BE49-F238E27FC236}">
+                <a16:creationId xmlns:a16="http://schemas.microsoft.com/office/drawing/2014/main" id="{066FEFAA-06B9-B2EA-39EB-A80C159FD7D9}"/>
+              </a:ext>
+            </a:extLst>
+          </p:cNvPr>
+          <p:cNvSpPr/>
+          <p:nvPr/>
+        </p:nvSpPr>
+        <p:spPr>
+          <a:xfrm>
+            <a:off x="761873" y="511112"/>
+            <a:ext cx="825867" cy="369332"/>
+          </a:xfrm>
+          <a:prstGeom prst="rect">
+            <a:avLst/>
+          </a:prstGeom>
+        </p:spPr>
+        <p:txBody>
+          <a:bodyPr wrap="none">
+            <a:spAutoFit/>
+          </a:bodyPr>
+          <a:lstStyle/>
+          <a:p>
+            <a:pPr algn="ctr"/>
+            <a:r>
+              <a:rPr lang="tr-TR" b="1" dirty="0">
+                <a:ln w="10160">
+                  <a:solidFill>
+                    <a:schemeClr val="accent5"/>
+                  </a:solidFill>
+                  <a:prstDash val="solid"/>
+                </a:ln>
+                <a:solidFill>
+                  <a:srgbClr val="FFFFFF"/>
+                </a:solidFill>
+                <a:effectLst>
+                  <a:outerShdw blurRad="38100" dist="22860" dir="5400000" algn="tl" rotWithShape="0">
+                    <a:srgbClr val="000000">
+                      <a:alpha val="30000"/>
+                    </a:srgbClr>
+                  </a:outerShdw>
+                </a:effectLst>
+              </a:rPr>
+              <a:t>Demo</a:t>
+            </a:r>
+            <a:endParaRPr lang="en-US" b="1" dirty="0">
+              <a:ln w="10160">
+                <a:solidFill>
+                  <a:schemeClr val="accent5"/>
+                </a:solidFill>
+                <a:prstDash val="solid"/>
+              </a:ln>
+              <a:solidFill>
+                <a:srgbClr val="FFFFFF"/>
+              </a:solidFill>
+              <a:effectLst>
+                <a:outerShdw blurRad="38100" dist="22860" dir="5400000" algn="tl" rotWithShape="0">
+                  <a:srgbClr val="000000">
+                    <a:alpha val="30000"/>
+                  </a:srgbClr>
+                </a:outerShdw>
+              </a:effectLst>
+            </a:endParaRPr>
+          </a:p>
+        </p:txBody>
+      </p:sp>
+      <p:sp>
+        <p:nvSpPr>
+          <p:cNvPr id="4" name="Metin kutusu 3">
+            <a:extLst>
+              <a:ext uri="{FF2B5EF4-FFF2-40B4-BE49-F238E27FC236}">
+                <a16:creationId xmlns:a16="http://schemas.microsoft.com/office/drawing/2014/main" id="{BC4C9450-37EF-35A5-70E0-8515A6BF7575}"/>
+              </a:ext>
+            </a:extLst>
+          </p:cNvPr>
+          <p:cNvSpPr txBox="1"/>
+          <p:nvPr/>
+        </p:nvSpPr>
+        <p:spPr>
+          <a:xfrm>
+            <a:off x="190500" y="880444"/>
+            <a:ext cx="7482840" cy="664284"/>
+          </a:xfrm>
+          <a:prstGeom prst="rect">
+            <a:avLst/>
+          </a:prstGeom>
+          <a:noFill/>
+        </p:spPr>
+        <p:txBody>
+          <a:bodyPr wrap="square">
+            <a:spAutoFit/>
+          </a:bodyPr>
+          <a:lstStyle/>
+          <a:p>
+            <a:pPr>
+              <a:lnSpc>
+                <a:spcPct val="250000"/>
+              </a:lnSpc>
+            </a:pPr>
+            <a:r>
+              <a:rPr lang="tr-TR" dirty="0"/>
+              <a:t>0.5k </a:t>
+            </a:r>
+            <a:r>
+              <a:rPr lang="tr-TR" dirty="0" err="1"/>
+              <a:t>ops</a:t>
+            </a:r>
+            <a:r>
+              <a:rPr lang="tr-TR" dirty="0"/>
+              <a:t>/s Yazma Kayıpsız işlenirken Maksimum Okuma : </a:t>
+            </a:r>
+            <a:r>
+              <a:rPr lang="tr-TR" b="1" dirty="0"/>
+              <a:t>JAVA</a:t>
+            </a:r>
+            <a:endParaRPr lang="tr-TR" dirty="0"/>
+          </a:p>
+        </p:txBody>
+      </p:sp>
+      <p:pic>
+        <p:nvPicPr>
+          <p:cNvPr id="6" name="Resim 5" descr="ekran görüntüsü, diyagram, grafik yazılımı, multimedya yazılımı içeren bir resim&#10;&#10;Yapay zeka tarafından oluşturulmuş içerik yanlış olabilir.">
+            <a:extLst>
+              <a:ext uri="{FF2B5EF4-FFF2-40B4-BE49-F238E27FC236}">
+                <a16:creationId xmlns:a16="http://schemas.microsoft.com/office/drawing/2014/main" id="{A06C65DD-3696-DE3F-2439-D974193F1821}"/>
+              </a:ext>
+            </a:extLst>
+          </p:cNvPr>
+          <p:cNvPicPr>
+            <a:picLocks noChangeAspect="1"/>
+          </p:cNvPicPr>
+          <p:nvPr/>
+        </p:nvPicPr>
+        <p:blipFill>
+          <a:blip r:embed="rId2">
+            <a:extLst>
+              <a:ext uri="{28A0092B-C50C-407E-A947-70E740481C1C}">
+                <a14:useLocalDpi xmlns:a14="http://schemas.microsoft.com/office/drawing/2010/main" val="0"/>
+              </a:ext>
+            </a:extLst>
+          </a:blip>
+          <a:stretch>
+            <a:fillRect/>
+          </a:stretch>
+        </p:blipFill>
+        <p:spPr>
+          <a:xfrm>
+            <a:off x="0" y="1746750"/>
+            <a:ext cx="9144000" cy="4230806"/>
+          </a:xfrm>
+          <a:prstGeom prst="rect">
+            <a:avLst/>
+          </a:prstGeom>
+        </p:spPr>
+      </p:pic>
+    </p:spTree>
+    <p:extLst>
+      <p:ext uri="{BB962C8B-B14F-4D97-AF65-F5344CB8AC3E}">
+        <p14:creationId xmlns:p14="http://schemas.microsoft.com/office/powerpoint/2010/main" val="1382546250"/>
+      </p:ext>
+    </p:extLst>
+  </p:cSld>
+  <p:clrMapOvr>
+    <a:masterClrMapping/>
+  </p:clrMapOvr>
+  <p:transition advClick="0"/>
+</p:sld>
+</file>
+
+<file path=ppt/slides/slide28.xml><?xml version="1.0" encoding="utf-8"?>
+<p:sld xmlns:a="http://schemas.openxmlformats.org/drawingml/2006/main" xmlns:r="http://schemas.openxmlformats.org/officeDocument/2006/relationships" xmlns:p="http://schemas.openxmlformats.org/presentationml/2006/main">
+  <p:cSld>
+    <p:spTree>
+      <p:nvGrpSpPr>
+        <p:cNvPr id="1" name="">
+          <a:extLst>
+            <a:ext uri="{FF2B5EF4-FFF2-40B4-BE49-F238E27FC236}">
+              <a16:creationId xmlns:a16="http://schemas.microsoft.com/office/drawing/2014/main" id="{B6BE524D-07EC-DFB4-4F75-E3632CE245E8}"/>
+            </a:ext>
+          </a:extLst>
+        </p:cNvPr>
+        <p:cNvGrpSpPr/>
+        <p:nvPr/>
+      </p:nvGrpSpPr>
+      <p:grpSpPr>
+        <a:xfrm>
+          <a:off x="0" y="0"/>
+          <a:ext cx="0" cy="0"/>
+          <a:chOff x="0" y="0"/>
+          <a:chExt cx="0" cy="0"/>
+        </a:xfrm>
+      </p:grpSpPr>
+      <p:sp>
+        <p:nvSpPr>
+          <p:cNvPr id="2" name="Rectangle 1">
+            <a:extLst>
+              <a:ext uri="{FF2B5EF4-FFF2-40B4-BE49-F238E27FC236}">
+                <a16:creationId xmlns:a16="http://schemas.microsoft.com/office/drawing/2014/main" id="{83F6CC7C-A8A6-1602-ECB1-6FAE900B370E}"/>
+              </a:ext>
+            </a:extLst>
+          </p:cNvPr>
+          <p:cNvSpPr/>
+          <p:nvPr/>
+        </p:nvSpPr>
+        <p:spPr>
+          <a:xfrm>
+            <a:off x="761873" y="511112"/>
+            <a:ext cx="825867" cy="369332"/>
+          </a:xfrm>
+          <a:prstGeom prst="rect">
+            <a:avLst/>
+          </a:prstGeom>
+        </p:spPr>
+        <p:txBody>
+          <a:bodyPr wrap="none">
+            <a:spAutoFit/>
+          </a:bodyPr>
+          <a:lstStyle/>
+          <a:p>
+            <a:pPr algn="ctr"/>
+            <a:r>
+              <a:rPr lang="tr-TR" b="1" dirty="0">
+                <a:ln w="10160">
+                  <a:solidFill>
+                    <a:schemeClr val="accent5"/>
+                  </a:solidFill>
+                  <a:prstDash val="solid"/>
+                </a:ln>
+                <a:solidFill>
+                  <a:srgbClr val="FFFFFF"/>
+                </a:solidFill>
+                <a:effectLst>
+                  <a:outerShdw blurRad="38100" dist="22860" dir="5400000" algn="tl" rotWithShape="0">
+                    <a:srgbClr val="000000">
+                      <a:alpha val="30000"/>
+                    </a:srgbClr>
+                  </a:outerShdw>
+                </a:effectLst>
+              </a:rPr>
+              <a:t>Demo</a:t>
+            </a:r>
+            <a:endParaRPr lang="en-US" b="1" dirty="0">
+              <a:ln w="10160">
+                <a:solidFill>
+                  <a:schemeClr val="accent5"/>
+                </a:solidFill>
+                <a:prstDash val="solid"/>
+              </a:ln>
+              <a:solidFill>
+                <a:srgbClr val="FFFFFF"/>
+              </a:solidFill>
+              <a:effectLst>
+                <a:outerShdw blurRad="38100" dist="22860" dir="5400000" algn="tl" rotWithShape="0">
+                  <a:srgbClr val="000000">
+                    <a:alpha val="30000"/>
+                  </a:srgbClr>
+                </a:outerShdw>
+              </a:effectLst>
+            </a:endParaRPr>
+          </a:p>
+        </p:txBody>
+      </p:sp>
+      <p:sp>
+        <p:nvSpPr>
+          <p:cNvPr id="4" name="Metin kutusu 3">
+            <a:extLst>
+              <a:ext uri="{FF2B5EF4-FFF2-40B4-BE49-F238E27FC236}">
+                <a16:creationId xmlns:a16="http://schemas.microsoft.com/office/drawing/2014/main" id="{BADFACFD-6702-63C1-41B7-23B1AD8955CE}"/>
+              </a:ext>
+            </a:extLst>
+          </p:cNvPr>
+          <p:cNvSpPr txBox="1"/>
+          <p:nvPr/>
+        </p:nvSpPr>
+        <p:spPr>
+          <a:xfrm>
+            <a:off x="190500" y="880444"/>
+            <a:ext cx="7437120" cy="664284"/>
+          </a:xfrm>
+          <a:prstGeom prst="rect">
+            <a:avLst/>
+          </a:prstGeom>
+          <a:noFill/>
+        </p:spPr>
+        <p:txBody>
+          <a:bodyPr wrap="square">
+            <a:spAutoFit/>
+          </a:bodyPr>
+          <a:lstStyle/>
+          <a:p>
+            <a:pPr>
+              <a:lnSpc>
+                <a:spcPct val="250000"/>
+              </a:lnSpc>
+            </a:pPr>
+            <a:r>
+              <a:rPr lang="tr-TR" dirty="0"/>
+              <a:t>0.5k </a:t>
+            </a:r>
+            <a:r>
+              <a:rPr lang="tr-TR" dirty="0" err="1"/>
+              <a:t>ops</a:t>
+            </a:r>
+            <a:r>
+              <a:rPr lang="tr-TR" dirty="0"/>
+              <a:t>/s Yazma Kayıpsız işlenirken Maksimum Okuma : </a:t>
+            </a:r>
+            <a:r>
+              <a:rPr lang="tr-TR" b="1" dirty="0"/>
+              <a:t>CAFFEINE</a:t>
+            </a:r>
+            <a:endParaRPr lang="tr-TR" dirty="0"/>
+          </a:p>
+        </p:txBody>
+      </p:sp>
+      <p:pic>
+        <p:nvPicPr>
+          <p:cNvPr id="5" name="Resim 4" descr="ekran görüntüsü, metin, yazılım, multimedya yazılımı içeren bir resim&#10;&#10;Yapay zeka tarafından oluşturulmuş içerik yanlış olabilir.">
+            <a:extLst>
+              <a:ext uri="{FF2B5EF4-FFF2-40B4-BE49-F238E27FC236}">
+                <a16:creationId xmlns:a16="http://schemas.microsoft.com/office/drawing/2014/main" id="{5F59E082-667B-300B-94AB-67B5336324D8}"/>
+              </a:ext>
+            </a:extLst>
+          </p:cNvPr>
+          <p:cNvPicPr>
+            <a:picLocks noChangeAspect="1"/>
+          </p:cNvPicPr>
+          <p:nvPr/>
+        </p:nvPicPr>
+        <p:blipFill>
+          <a:blip r:embed="rId2">
+            <a:extLst>
+              <a:ext uri="{28A0092B-C50C-407E-A947-70E740481C1C}">
+                <a14:useLocalDpi xmlns:a14="http://schemas.microsoft.com/office/drawing/2010/main" val="0"/>
+              </a:ext>
+            </a:extLst>
+          </a:blip>
+          <a:stretch>
+            <a:fillRect/>
+          </a:stretch>
+        </p:blipFill>
+        <p:spPr>
+          <a:xfrm>
+            <a:off x="0" y="1801327"/>
+            <a:ext cx="9144000" cy="4176229"/>
+          </a:xfrm>
+          <a:prstGeom prst="rect">
+            <a:avLst/>
+          </a:prstGeom>
+        </p:spPr>
+      </p:pic>
+    </p:spTree>
+    <p:extLst>
+      <p:ext uri="{BB962C8B-B14F-4D97-AF65-F5344CB8AC3E}">
+        <p14:creationId xmlns:p14="http://schemas.microsoft.com/office/powerpoint/2010/main" val="1991401251"/>
+      </p:ext>
+    </p:extLst>
+  </p:cSld>
+  <p:clrMapOvr>
+    <a:masterClrMapping/>
+  </p:clrMapOvr>
+  <p:transition advClick="0"/>
+</p:sld>
+</file>
+
+<file path=ppt/slides/slide29.xml><?xml version="1.0" encoding="utf-8"?>
+<p:sld xmlns:a="http://schemas.openxmlformats.org/drawingml/2006/main" xmlns:r="http://schemas.openxmlformats.org/officeDocument/2006/relationships" xmlns:p="http://schemas.openxmlformats.org/presentationml/2006/main">
+  <p:cSld>
+    <p:spTree>
+      <p:nvGrpSpPr>
+        <p:cNvPr id="1" name="">
+          <a:extLst>
+            <a:ext uri="{FF2B5EF4-FFF2-40B4-BE49-F238E27FC236}">
+              <a16:creationId xmlns:a16="http://schemas.microsoft.com/office/drawing/2014/main" id="{EA81441D-A042-35A8-32D9-49E41CC0B865}"/>
+            </a:ext>
+          </a:extLst>
+        </p:cNvPr>
+        <p:cNvGrpSpPr/>
+        <p:nvPr/>
+      </p:nvGrpSpPr>
+      <p:grpSpPr>
+        <a:xfrm>
+          <a:off x="0" y="0"/>
+          <a:ext cx="0" cy="0"/>
+          <a:chOff x="0" y="0"/>
+          <a:chExt cx="0" cy="0"/>
+        </a:xfrm>
+      </p:grpSpPr>
+      <p:sp>
+        <p:nvSpPr>
+          <p:cNvPr id="2" name="Rectangle 1">
+            <a:extLst>
+              <a:ext uri="{FF2B5EF4-FFF2-40B4-BE49-F238E27FC236}">
+                <a16:creationId xmlns:a16="http://schemas.microsoft.com/office/drawing/2014/main" id="{845DE212-E090-2998-8CC7-F237C131B9D2}"/>
+              </a:ext>
+            </a:extLst>
+          </p:cNvPr>
+          <p:cNvSpPr/>
+          <p:nvPr/>
+        </p:nvSpPr>
+        <p:spPr>
+          <a:xfrm>
+            <a:off x="761873" y="511112"/>
+            <a:ext cx="825867" cy="369332"/>
+          </a:xfrm>
+          <a:prstGeom prst="rect">
+            <a:avLst/>
+          </a:prstGeom>
+        </p:spPr>
+        <p:txBody>
+          <a:bodyPr wrap="none">
+            <a:spAutoFit/>
+          </a:bodyPr>
+          <a:lstStyle/>
+          <a:p>
+            <a:pPr algn="ctr"/>
+            <a:r>
+              <a:rPr lang="tr-TR" b="1" dirty="0">
+                <a:ln w="10160">
+                  <a:solidFill>
+                    <a:schemeClr val="accent5"/>
+                  </a:solidFill>
+                  <a:prstDash val="solid"/>
+                </a:ln>
+                <a:solidFill>
+                  <a:srgbClr val="FFFFFF"/>
+                </a:solidFill>
+                <a:effectLst>
+                  <a:outerShdw blurRad="38100" dist="22860" dir="5400000" algn="tl" rotWithShape="0">
+                    <a:srgbClr val="000000">
+                      <a:alpha val="30000"/>
+                    </a:srgbClr>
+                  </a:outerShdw>
+                </a:effectLst>
+              </a:rPr>
+              <a:t>Demo</a:t>
+            </a:r>
+            <a:endParaRPr lang="en-US" b="1" dirty="0">
+              <a:ln w="10160">
+                <a:solidFill>
+                  <a:schemeClr val="accent5"/>
+                </a:solidFill>
+                <a:prstDash val="solid"/>
+              </a:ln>
+              <a:solidFill>
+                <a:srgbClr val="FFFFFF"/>
+              </a:solidFill>
+              <a:effectLst>
+                <a:outerShdw blurRad="38100" dist="22860" dir="5400000" algn="tl" rotWithShape="0">
+                  <a:srgbClr val="000000">
+                    <a:alpha val="30000"/>
+                  </a:srgbClr>
+                </a:outerShdw>
+              </a:effectLst>
+            </a:endParaRPr>
+          </a:p>
+        </p:txBody>
+      </p:sp>
+      <p:sp>
+        <p:nvSpPr>
+          <p:cNvPr id="4" name="Metin kutusu 3">
+            <a:extLst>
+              <a:ext uri="{FF2B5EF4-FFF2-40B4-BE49-F238E27FC236}">
+                <a16:creationId xmlns:a16="http://schemas.microsoft.com/office/drawing/2014/main" id="{6146BCE4-1AEE-4A0F-B25F-BEC57DCE10C5}"/>
+              </a:ext>
+            </a:extLst>
+          </p:cNvPr>
+          <p:cNvSpPr txBox="1"/>
+          <p:nvPr/>
+        </p:nvSpPr>
+        <p:spPr>
+          <a:xfrm>
+            <a:off x="190500" y="880444"/>
+            <a:ext cx="7437120" cy="664284"/>
+          </a:xfrm>
+          <a:prstGeom prst="rect">
+            <a:avLst/>
+          </a:prstGeom>
+          <a:noFill/>
+        </p:spPr>
+        <p:txBody>
+          <a:bodyPr wrap="square">
+            <a:spAutoFit/>
+          </a:bodyPr>
+          <a:lstStyle/>
+          <a:p>
+            <a:pPr>
+              <a:lnSpc>
+                <a:spcPct val="250000"/>
+              </a:lnSpc>
+            </a:pPr>
+            <a:r>
+              <a:rPr lang="tr-TR" dirty="0"/>
+              <a:t>0.5k </a:t>
+            </a:r>
+            <a:r>
+              <a:rPr lang="tr-TR" dirty="0" err="1"/>
+              <a:t>ops</a:t>
+            </a:r>
+            <a:r>
+              <a:rPr lang="tr-TR" dirty="0"/>
+              <a:t>/s Yazma Kayıpsız işlenirken Maksimum Okuma : </a:t>
+            </a:r>
+            <a:r>
+              <a:rPr lang="tr-TR" b="1" dirty="0"/>
+              <a:t>REDIS</a:t>
+            </a:r>
+            <a:endParaRPr lang="tr-TR" dirty="0"/>
+          </a:p>
+        </p:txBody>
+      </p:sp>
+      <p:pic>
+        <p:nvPicPr>
+          <p:cNvPr id="6" name="Resim 5" descr="ekran görüntüsü, metin, grafik yazılımı, multimedya yazılımı içeren bir resim&#10;&#10;Yapay zeka tarafından oluşturulmuş içerik yanlış olabilir.">
+            <a:extLst>
+              <a:ext uri="{FF2B5EF4-FFF2-40B4-BE49-F238E27FC236}">
+                <a16:creationId xmlns:a16="http://schemas.microsoft.com/office/drawing/2014/main" id="{A5E5CFB5-32D7-9E91-E906-86F9A56E9848}"/>
+              </a:ext>
+            </a:extLst>
+          </p:cNvPr>
+          <p:cNvPicPr>
+            <a:picLocks noChangeAspect="1"/>
+          </p:cNvPicPr>
+          <p:nvPr/>
+        </p:nvPicPr>
+        <p:blipFill>
+          <a:blip r:embed="rId2">
+            <a:extLst>
+              <a:ext uri="{28A0092B-C50C-407E-A947-70E740481C1C}">
+                <a14:useLocalDpi xmlns:a14="http://schemas.microsoft.com/office/drawing/2010/main" val="0"/>
+              </a:ext>
+            </a:extLst>
+          </a:blip>
+          <a:stretch>
+            <a:fillRect/>
+          </a:stretch>
+        </p:blipFill>
+        <p:spPr>
+          <a:xfrm>
+            <a:off x="0" y="1761373"/>
+            <a:ext cx="9144000" cy="4216183"/>
+          </a:xfrm>
+          <a:prstGeom prst="rect">
+            <a:avLst/>
+          </a:prstGeom>
+        </p:spPr>
+      </p:pic>
+    </p:spTree>
+    <p:extLst>
+      <p:ext uri="{BB962C8B-B14F-4D97-AF65-F5344CB8AC3E}">
+        <p14:creationId xmlns:p14="http://schemas.microsoft.com/office/powerpoint/2010/main" val="428694152"/>
       </p:ext>
     </p:extLst>
   </p:cSld>
@@ -8043,6 +9374,4787 @@
 </p:sld>
 </file>
 
+<file path=ppt/slides/slide30.xml><?xml version="1.0" encoding="utf-8"?>
+<p:sld xmlns:a="http://schemas.openxmlformats.org/drawingml/2006/main" xmlns:r="http://schemas.openxmlformats.org/officeDocument/2006/relationships" xmlns:p="http://schemas.openxmlformats.org/presentationml/2006/main">
+  <p:cSld>
+    <p:spTree>
+      <p:nvGrpSpPr>
+        <p:cNvPr id="1" name="">
+          <a:extLst>
+            <a:ext uri="{FF2B5EF4-FFF2-40B4-BE49-F238E27FC236}">
+              <a16:creationId xmlns:a16="http://schemas.microsoft.com/office/drawing/2014/main" id="{860DF42F-D6B8-840F-58C0-1CB708C31574}"/>
+            </a:ext>
+          </a:extLst>
+        </p:cNvPr>
+        <p:cNvGrpSpPr/>
+        <p:nvPr/>
+      </p:nvGrpSpPr>
+      <p:grpSpPr>
+        <a:xfrm>
+          <a:off x="0" y="0"/>
+          <a:ext cx="0" cy="0"/>
+          <a:chOff x="0" y="0"/>
+          <a:chExt cx="0" cy="0"/>
+        </a:xfrm>
+      </p:grpSpPr>
+      <p:sp>
+        <p:nvSpPr>
+          <p:cNvPr id="2" name="Rectangle 1">
+            <a:extLst>
+              <a:ext uri="{FF2B5EF4-FFF2-40B4-BE49-F238E27FC236}">
+                <a16:creationId xmlns:a16="http://schemas.microsoft.com/office/drawing/2014/main" id="{E5E8C490-2473-834E-6CC7-466FBBA330E9}"/>
+              </a:ext>
+            </a:extLst>
+          </p:cNvPr>
+          <p:cNvSpPr/>
+          <p:nvPr/>
+        </p:nvSpPr>
+        <p:spPr>
+          <a:xfrm>
+            <a:off x="761873" y="511112"/>
+            <a:ext cx="825867" cy="369332"/>
+          </a:xfrm>
+          <a:prstGeom prst="rect">
+            <a:avLst/>
+          </a:prstGeom>
+        </p:spPr>
+        <p:txBody>
+          <a:bodyPr wrap="none">
+            <a:spAutoFit/>
+          </a:bodyPr>
+          <a:lstStyle/>
+          <a:p>
+            <a:pPr algn="ctr"/>
+            <a:r>
+              <a:rPr lang="tr-TR" b="1" dirty="0">
+                <a:ln w="10160">
+                  <a:solidFill>
+                    <a:schemeClr val="accent5"/>
+                  </a:solidFill>
+                  <a:prstDash val="solid"/>
+                </a:ln>
+                <a:solidFill>
+                  <a:srgbClr val="FFFFFF"/>
+                </a:solidFill>
+                <a:effectLst>
+                  <a:outerShdw blurRad="38100" dist="22860" dir="5400000" algn="tl" rotWithShape="0">
+                    <a:srgbClr val="000000">
+                      <a:alpha val="30000"/>
+                    </a:srgbClr>
+                  </a:outerShdw>
+                </a:effectLst>
+              </a:rPr>
+              <a:t>Demo</a:t>
+            </a:r>
+            <a:endParaRPr lang="en-US" b="1" dirty="0">
+              <a:ln w="10160">
+                <a:solidFill>
+                  <a:schemeClr val="accent5"/>
+                </a:solidFill>
+                <a:prstDash val="solid"/>
+              </a:ln>
+              <a:solidFill>
+                <a:srgbClr val="FFFFFF"/>
+              </a:solidFill>
+              <a:effectLst>
+                <a:outerShdw blurRad="38100" dist="22860" dir="5400000" algn="tl" rotWithShape="0">
+                  <a:srgbClr val="000000">
+                    <a:alpha val="30000"/>
+                  </a:srgbClr>
+                </a:outerShdw>
+              </a:effectLst>
+            </a:endParaRPr>
+          </a:p>
+        </p:txBody>
+      </p:sp>
+      <p:sp>
+        <p:nvSpPr>
+          <p:cNvPr id="4" name="Metin kutusu 3">
+            <a:extLst>
+              <a:ext uri="{FF2B5EF4-FFF2-40B4-BE49-F238E27FC236}">
+                <a16:creationId xmlns:a16="http://schemas.microsoft.com/office/drawing/2014/main" id="{7039608B-78CD-64B7-9201-5C04FD88B10B}"/>
+              </a:ext>
+            </a:extLst>
+          </p:cNvPr>
+          <p:cNvSpPr txBox="1"/>
+          <p:nvPr/>
+        </p:nvSpPr>
+        <p:spPr>
+          <a:xfrm>
+            <a:off x="190500" y="880444"/>
+            <a:ext cx="7437120" cy="664284"/>
+          </a:xfrm>
+          <a:prstGeom prst="rect">
+            <a:avLst/>
+          </a:prstGeom>
+          <a:noFill/>
+        </p:spPr>
+        <p:txBody>
+          <a:bodyPr wrap="square">
+            <a:spAutoFit/>
+          </a:bodyPr>
+          <a:lstStyle/>
+          <a:p>
+            <a:pPr>
+              <a:lnSpc>
+                <a:spcPct val="250000"/>
+              </a:lnSpc>
+            </a:pPr>
+            <a:r>
+              <a:rPr lang="tr-TR" dirty="0"/>
+              <a:t>0.5k </a:t>
+            </a:r>
+            <a:r>
+              <a:rPr lang="tr-TR" dirty="0" err="1"/>
+              <a:t>ops</a:t>
+            </a:r>
+            <a:r>
+              <a:rPr lang="tr-TR" dirty="0"/>
+              <a:t>/s Yazma Kayıpsız işlenirken Maksimum Okuma </a:t>
+            </a:r>
+          </a:p>
+        </p:txBody>
+      </p:sp>
+      <p:graphicFrame>
+        <p:nvGraphicFramePr>
+          <p:cNvPr id="9" name="Tablo 8">
+            <a:extLst>
+              <a:ext uri="{FF2B5EF4-FFF2-40B4-BE49-F238E27FC236}">
+                <a16:creationId xmlns:a16="http://schemas.microsoft.com/office/drawing/2014/main" id="{EE9B2E5A-687D-BE04-FFD5-482E217ABF90}"/>
+              </a:ext>
+            </a:extLst>
+          </p:cNvPr>
+          <p:cNvGraphicFramePr>
+            <a:graphicFrameLocks noGrp="1"/>
+          </p:cNvGraphicFramePr>
+          <p:nvPr>
+            <p:extLst>
+              <p:ext uri="{D42A27DB-BD31-4B8C-83A1-F6EECF244321}">
+                <p14:modId xmlns:p14="http://schemas.microsoft.com/office/powerpoint/2010/main" val="4136737408"/>
+              </p:ext>
+            </p:extLst>
+          </p:nvPr>
+        </p:nvGraphicFramePr>
+        <p:xfrm>
+          <a:off x="190500" y="1914060"/>
+          <a:ext cx="4862512" cy="1218740"/>
+        </p:xfrm>
+        <a:graphic>
+          <a:graphicData uri="http://schemas.openxmlformats.org/drawingml/2006/table">
+            <a:tbl>
+              <a:tblPr/>
+              <a:tblGrid>
+                <a:gridCol w="2431256">
+                  <a:extLst>
+                    <a:ext uri="{9D8B030D-6E8A-4147-A177-3AD203B41FA5}">
+                      <a16:colId xmlns:a16="http://schemas.microsoft.com/office/drawing/2014/main" val="4248772711"/>
+                    </a:ext>
+                  </a:extLst>
+                </a:gridCol>
+                <a:gridCol w="2431256">
+                  <a:extLst>
+                    <a:ext uri="{9D8B030D-6E8A-4147-A177-3AD203B41FA5}">
+                      <a16:colId xmlns:a16="http://schemas.microsoft.com/office/drawing/2014/main" val="1036336271"/>
+                    </a:ext>
+                  </a:extLst>
+                </a:gridCol>
+              </a:tblGrid>
+              <a:tr h="395780">
+                <a:tc>
+                  <a:txBody>
+                    <a:bodyPr/>
+                    <a:lstStyle/>
+                    <a:p>
+                      <a:pPr algn="just">
+                        <a:buNone/>
+                      </a:pPr>
+                      <a:r>
+                        <a:rPr lang="tr-TR" sz="1200"/>
+                        <a:t>Profil</a:t>
+                      </a:r>
+                    </a:p>
+                  </a:txBody>
+                  <a:tcPr anchor="ctr">
+                    <a:lnL>
+                      <a:noFill/>
+                    </a:lnL>
+                    <a:lnR>
+                      <a:noFill/>
+                    </a:lnR>
+                    <a:lnT>
+                      <a:noFill/>
+                    </a:lnT>
+                    <a:lnB>
+                      <a:noFill/>
+                    </a:lnB>
+                    <a:noFill/>
+                  </a:tcPr>
+                </a:tc>
+                <a:tc>
+                  <a:txBody>
+                    <a:bodyPr/>
+                    <a:lstStyle/>
+                    <a:p>
+                      <a:pPr>
+                        <a:buNone/>
+                      </a:pPr>
+                      <a:r>
+                        <a:rPr lang="en-US" sz="1200" dirty="0"/>
+                        <a:t>(0.5 k</a:t>
+                      </a:r>
+                      <a:r>
+                        <a:rPr lang="tr-TR" sz="1200" dirty="0"/>
+                        <a:t> Yazma</a:t>
+                      </a:r>
+                      <a:r>
+                        <a:rPr lang="en-US" sz="1200" dirty="0"/>
+                        <a:t>) </a:t>
+                      </a:r>
+                      <a:r>
+                        <a:rPr lang="tr-TR" sz="1200" dirty="0"/>
+                        <a:t>Okuma ?</a:t>
+                      </a:r>
+                      <a:endParaRPr lang="en-US" sz="1200" dirty="0"/>
+                    </a:p>
+                  </a:txBody>
+                  <a:tcPr anchor="ctr">
+                    <a:lnL>
+                      <a:noFill/>
+                    </a:lnL>
+                    <a:lnR>
+                      <a:noFill/>
+                    </a:lnR>
+                    <a:lnT>
+                      <a:noFill/>
+                    </a:lnT>
+                    <a:lnB>
+                      <a:noFill/>
+                    </a:lnB>
+                    <a:noFill/>
+                  </a:tcPr>
+                </a:tc>
+                <a:extLst>
+                  <a:ext uri="{0D108BD9-81ED-4DB2-BD59-A6C34878D82A}">
+                    <a16:rowId xmlns:a16="http://schemas.microsoft.com/office/drawing/2014/main" val="2710432470"/>
+                  </a:ext>
+                </a:extLst>
+              </a:tr>
+              <a:tr h="226160">
+                <a:tc>
+                  <a:txBody>
+                    <a:bodyPr/>
+                    <a:lstStyle/>
+                    <a:p>
+                      <a:pPr algn="just">
+                        <a:buNone/>
+                      </a:pPr>
+                      <a:r>
+                        <a:rPr lang="tr-TR" sz="1200" b="1"/>
+                        <a:t>Java</a:t>
+                      </a:r>
+                      <a:endParaRPr lang="tr-TR" sz="1200"/>
+                    </a:p>
+                  </a:txBody>
+                  <a:tcPr anchor="ctr">
+                    <a:lnL>
+                      <a:noFill/>
+                    </a:lnL>
+                    <a:lnR>
+                      <a:noFill/>
+                    </a:lnR>
+                    <a:lnT>
+                      <a:noFill/>
+                    </a:lnT>
+                    <a:lnB>
+                      <a:noFill/>
+                    </a:lnB>
+                    <a:noFill/>
+                  </a:tcPr>
+                </a:tc>
+                <a:tc>
+                  <a:txBody>
+                    <a:bodyPr/>
+                    <a:lstStyle/>
+                    <a:p>
+                      <a:pPr>
+                        <a:buNone/>
+                      </a:pPr>
+                      <a:r>
+                        <a:rPr lang="tr-TR" sz="1200" dirty="0"/>
+                        <a:t>7 500 </a:t>
+                      </a:r>
+                      <a:r>
+                        <a:rPr lang="tr-TR" sz="1200" dirty="0" err="1"/>
+                        <a:t>ops</a:t>
+                      </a:r>
+                      <a:r>
+                        <a:rPr lang="tr-TR" sz="1200" dirty="0"/>
+                        <a:t>/s</a:t>
+                      </a:r>
+                    </a:p>
+                  </a:txBody>
+                  <a:tcPr anchor="ctr">
+                    <a:lnL>
+                      <a:noFill/>
+                    </a:lnL>
+                    <a:lnR>
+                      <a:noFill/>
+                    </a:lnR>
+                    <a:lnT>
+                      <a:noFill/>
+                    </a:lnT>
+                    <a:lnB>
+                      <a:noFill/>
+                    </a:lnB>
+                    <a:noFill/>
+                  </a:tcPr>
+                </a:tc>
+                <a:extLst>
+                  <a:ext uri="{0D108BD9-81ED-4DB2-BD59-A6C34878D82A}">
+                    <a16:rowId xmlns:a16="http://schemas.microsoft.com/office/drawing/2014/main" val="3091184771"/>
+                  </a:ext>
+                </a:extLst>
+              </a:tr>
+              <a:tr h="226160">
+                <a:tc>
+                  <a:txBody>
+                    <a:bodyPr/>
+                    <a:lstStyle/>
+                    <a:p>
+                      <a:pPr algn="just">
+                        <a:buNone/>
+                      </a:pPr>
+                      <a:r>
+                        <a:rPr lang="tr-TR" sz="1200" b="1" dirty="0" err="1"/>
+                        <a:t>Caffeine</a:t>
+                      </a:r>
+                      <a:endParaRPr lang="tr-TR" sz="1200" dirty="0"/>
+                    </a:p>
+                  </a:txBody>
+                  <a:tcPr anchor="ctr">
+                    <a:lnL>
+                      <a:noFill/>
+                    </a:lnL>
+                    <a:lnR>
+                      <a:noFill/>
+                    </a:lnR>
+                    <a:lnT>
+                      <a:noFill/>
+                    </a:lnT>
+                    <a:lnB>
+                      <a:noFill/>
+                    </a:lnB>
+                    <a:noFill/>
+                  </a:tcPr>
+                </a:tc>
+                <a:tc>
+                  <a:txBody>
+                    <a:bodyPr/>
+                    <a:lstStyle/>
+                    <a:p>
+                      <a:pPr>
+                        <a:buNone/>
+                      </a:pPr>
+                      <a:r>
+                        <a:rPr lang="tr-TR" sz="1200"/>
+                        <a:t>6 250 ops/s</a:t>
+                      </a:r>
+                    </a:p>
+                  </a:txBody>
+                  <a:tcPr anchor="ctr">
+                    <a:lnL>
+                      <a:noFill/>
+                    </a:lnL>
+                    <a:lnR>
+                      <a:noFill/>
+                    </a:lnR>
+                    <a:lnT>
+                      <a:noFill/>
+                    </a:lnT>
+                    <a:lnB>
+                      <a:noFill/>
+                    </a:lnB>
+                    <a:noFill/>
+                  </a:tcPr>
+                </a:tc>
+                <a:extLst>
+                  <a:ext uri="{0D108BD9-81ED-4DB2-BD59-A6C34878D82A}">
+                    <a16:rowId xmlns:a16="http://schemas.microsoft.com/office/drawing/2014/main" val="1087372341"/>
+                  </a:ext>
+                </a:extLst>
+              </a:tr>
+              <a:tr h="226160">
+                <a:tc>
+                  <a:txBody>
+                    <a:bodyPr/>
+                    <a:lstStyle/>
+                    <a:p>
+                      <a:pPr algn="just">
+                        <a:buNone/>
+                      </a:pPr>
+                      <a:r>
+                        <a:rPr lang="tr-TR" sz="1200" b="1" dirty="0" err="1"/>
+                        <a:t>Redis</a:t>
+                      </a:r>
+                      <a:endParaRPr lang="tr-TR" sz="1200" dirty="0"/>
+                    </a:p>
+                  </a:txBody>
+                  <a:tcPr anchor="ctr">
+                    <a:lnL>
+                      <a:noFill/>
+                    </a:lnL>
+                    <a:lnR>
+                      <a:noFill/>
+                    </a:lnR>
+                    <a:lnT>
+                      <a:noFill/>
+                    </a:lnT>
+                    <a:lnB>
+                      <a:noFill/>
+                    </a:lnB>
+                    <a:noFill/>
+                  </a:tcPr>
+                </a:tc>
+                <a:tc>
+                  <a:txBody>
+                    <a:bodyPr/>
+                    <a:lstStyle/>
+                    <a:p>
+                      <a:pPr>
+                        <a:buNone/>
+                      </a:pPr>
+                      <a:r>
+                        <a:rPr lang="tr-TR" sz="1200" dirty="0"/>
+                        <a:t>4 000 </a:t>
+                      </a:r>
+                      <a:r>
+                        <a:rPr lang="tr-TR" sz="1200" dirty="0" err="1"/>
+                        <a:t>ops</a:t>
+                      </a:r>
+                      <a:r>
+                        <a:rPr lang="tr-TR" sz="1200" dirty="0"/>
+                        <a:t>/s</a:t>
+                      </a:r>
+                    </a:p>
+                  </a:txBody>
+                  <a:tcPr anchor="ctr">
+                    <a:lnL>
+                      <a:noFill/>
+                    </a:lnL>
+                    <a:lnR>
+                      <a:noFill/>
+                    </a:lnR>
+                    <a:lnT>
+                      <a:noFill/>
+                    </a:lnT>
+                    <a:lnB>
+                      <a:noFill/>
+                    </a:lnB>
+                    <a:noFill/>
+                  </a:tcPr>
+                </a:tc>
+                <a:extLst>
+                  <a:ext uri="{0D108BD9-81ED-4DB2-BD59-A6C34878D82A}">
+                    <a16:rowId xmlns:a16="http://schemas.microsoft.com/office/drawing/2014/main" val="2568250087"/>
+                  </a:ext>
+                </a:extLst>
+              </a:tr>
+            </a:tbl>
+          </a:graphicData>
+        </a:graphic>
+      </p:graphicFrame>
+      <p:graphicFrame>
+        <p:nvGraphicFramePr>
+          <p:cNvPr id="11" name="Tablo 10">
+            <a:extLst>
+              <a:ext uri="{FF2B5EF4-FFF2-40B4-BE49-F238E27FC236}">
+                <a16:creationId xmlns:a16="http://schemas.microsoft.com/office/drawing/2014/main" id="{23684E29-DE97-5626-BD65-2DB2BF77A87B}"/>
+              </a:ext>
+            </a:extLst>
+          </p:cNvPr>
+          <p:cNvGraphicFramePr>
+            <a:graphicFrameLocks noGrp="1"/>
+          </p:cNvGraphicFramePr>
+          <p:nvPr>
+            <p:extLst>
+              <p:ext uri="{D42A27DB-BD31-4B8C-83A1-F6EECF244321}">
+                <p14:modId xmlns:p14="http://schemas.microsoft.com/office/powerpoint/2010/main" val="3514576443"/>
+              </p:ext>
+            </p:extLst>
+          </p:nvPr>
+        </p:nvGraphicFramePr>
+        <p:xfrm>
+          <a:off x="190500" y="3429000"/>
+          <a:ext cx="7600952" cy="1271969"/>
+        </p:xfrm>
+        <a:graphic>
+          <a:graphicData uri="http://schemas.openxmlformats.org/drawingml/2006/table">
+            <a:tbl>
+              <a:tblPr/>
+              <a:tblGrid>
+                <a:gridCol w="1900238">
+                  <a:extLst>
+                    <a:ext uri="{9D8B030D-6E8A-4147-A177-3AD203B41FA5}">
+                      <a16:colId xmlns:a16="http://schemas.microsoft.com/office/drawing/2014/main" val="2026120601"/>
+                    </a:ext>
+                  </a:extLst>
+                </a:gridCol>
+                <a:gridCol w="1900238">
+                  <a:extLst>
+                    <a:ext uri="{9D8B030D-6E8A-4147-A177-3AD203B41FA5}">
+                      <a16:colId xmlns:a16="http://schemas.microsoft.com/office/drawing/2014/main" val="2392881392"/>
+                    </a:ext>
+                  </a:extLst>
+                </a:gridCol>
+                <a:gridCol w="1900238">
+                  <a:extLst>
+                    <a:ext uri="{9D8B030D-6E8A-4147-A177-3AD203B41FA5}">
+                      <a16:colId xmlns:a16="http://schemas.microsoft.com/office/drawing/2014/main" val="2899523954"/>
+                    </a:ext>
+                  </a:extLst>
+                </a:gridCol>
+                <a:gridCol w="1900238">
+                  <a:extLst>
+                    <a:ext uri="{9D8B030D-6E8A-4147-A177-3AD203B41FA5}">
+                      <a16:colId xmlns:a16="http://schemas.microsoft.com/office/drawing/2014/main" val="3755443165"/>
+                    </a:ext>
+                  </a:extLst>
+                </a:gridCol>
+              </a:tblGrid>
+              <a:tr h="449009">
+                <a:tc>
+                  <a:txBody>
+                    <a:bodyPr/>
+                    <a:lstStyle/>
+                    <a:p>
+                      <a:pPr>
+                        <a:buNone/>
+                      </a:pPr>
+                      <a:r>
+                        <a:rPr lang="tr-TR" sz="1200"/>
+                        <a:t>Profil</a:t>
+                      </a:r>
+                    </a:p>
+                  </a:txBody>
+                  <a:tcPr anchor="ctr">
+                    <a:lnL>
+                      <a:noFill/>
+                    </a:lnL>
+                    <a:lnR>
+                      <a:noFill/>
+                    </a:lnR>
+                    <a:lnT>
+                      <a:noFill/>
+                    </a:lnT>
+                    <a:lnB>
+                      <a:noFill/>
+                    </a:lnB>
+                    <a:noFill/>
+                  </a:tcPr>
+                </a:tc>
+                <a:tc>
+                  <a:txBody>
+                    <a:bodyPr/>
+                    <a:lstStyle/>
+                    <a:p>
+                      <a:pPr>
+                        <a:buNone/>
+                      </a:pPr>
+                      <a:r>
+                        <a:rPr lang="tr-TR" sz="1200" dirty="0"/>
+                        <a:t>P99 ortalama</a:t>
+                      </a:r>
+                    </a:p>
+                  </a:txBody>
+                  <a:tcPr anchor="ctr">
+                    <a:lnL>
+                      <a:noFill/>
+                    </a:lnL>
+                    <a:lnR>
+                      <a:noFill/>
+                    </a:lnR>
+                    <a:lnT>
+                      <a:noFill/>
+                    </a:lnT>
+                    <a:lnB>
+                      <a:noFill/>
+                    </a:lnB>
+                    <a:noFill/>
+                  </a:tcPr>
+                </a:tc>
+                <a:tc>
+                  <a:txBody>
+                    <a:bodyPr/>
+                    <a:lstStyle/>
+                    <a:p>
+                      <a:pPr>
+                        <a:buNone/>
+                      </a:pPr>
+                      <a:r>
+                        <a:rPr lang="tr-TR" sz="1200" dirty="0"/>
+                        <a:t>P95 ortalama</a:t>
+                      </a:r>
+                    </a:p>
+                  </a:txBody>
+                  <a:tcPr anchor="ctr">
+                    <a:lnL>
+                      <a:noFill/>
+                    </a:lnL>
+                    <a:lnR>
+                      <a:noFill/>
+                    </a:lnR>
+                    <a:lnT>
+                      <a:noFill/>
+                    </a:lnT>
+                    <a:lnB>
+                      <a:noFill/>
+                    </a:lnB>
+                    <a:noFill/>
+                  </a:tcPr>
+                </a:tc>
+                <a:tc>
+                  <a:txBody>
+                    <a:bodyPr/>
+                    <a:lstStyle/>
+                    <a:p>
+                      <a:pPr>
+                        <a:buNone/>
+                      </a:pPr>
+                      <a:r>
+                        <a:rPr lang="tr-TR" sz="1200" dirty="0"/>
+                        <a:t>P50 </a:t>
+                      </a:r>
+                      <a:r>
+                        <a:rPr lang="tr-TR" sz="1200" dirty="0" err="1"/>
+                        <a:t>ortlama</a:t>
+                      </a:r>
+                      <a:endParaRPr lang="en-US" sz="1200" dirty="0"/>
+                    </a:p>
+                  </a:txBody>
+                  <a:tcPr anchor="ctr">
+                    <a:lnL>
+                      <a:noFill/>
+                    </a:lnL>
+                    <a:lnR>
+                      <a:noFill/>
+                    </a:lnR>
+                    <a:lnT>
+                      <a:noFill/>
+                    </a:lnT>
+                    <a:lnB>
+                      <a:noFill/>
+                    </a:lnB>
+                    <a:noFill/>
+                  </a:tcPr>
+                </a:tc>
+                <a:extLst>
+                  <a:ext uri="{0D108BD9-81ED-4DB2-BD59-A6C34878D82A}">
+                    <a16:rowId xmlns:a16="http://schemas.microsoft.com/office/drawing/2014/main" val="2134454279"/>
+                  </a:ext>
+                </a:extLst>
+              </a:tr>
+              <a:tr h="256577">
+                <a:tc>
+                  <a:txBody>
+                    <a:bodyPr/>
+                    <a:lstStyle/>
+                    <a:p>
+                      <a:pPr>
+                        <a:buNone/>
+                      </a:pPr>
+                      <a:r>
+                        <a:rPr lang="tr-TR" sz="1200" b="1" dirty="0"/>
+                        <a:t>Java</a:t>
+                      </a:r>
+                      <a:endParaRPr lang="tr-TR" sz="1200" dirty="0"/>
+                    </a:p>
+                  </a:txBody>
+                  <a:tcPr anchor="ctr">
+                    <a:lnL>
+                      <a:noFill/>
+                    </a:lnL>
+                    <a:lnR>
+                      <a:noFill/>
+                    </a:lnR>
+                    <a:lnT>
+                      <a:noFill/>
+                    </a:lnT>
+                    <a:lnB>
+                      <a:noFill/>
+                    </a:lnB>
+                    <a:noFill/>
+                  </a:tcPr>
+                </a:tc>
+                <a:tc>
+                  <a:txBody>
+                    <a:bodyPr/>
+                    <a:lstStyle/>
+                    <a:p>
+                      <a:pPr>
+                        <a:buNone/>
+                      </a:pPr>
+                      <a:r>
+                        <a:rPr lang="tr-TR" sz="1200" dirty="0"/>
+                        <a:t>-</a:t>
+                      </a:r>
+                    </a:p>
+                  </a:txBody>
+                  <a:tcPr anchor="ctr">
+                    <a:lnL>
+                      <a:noFill/>
+                    </a:lnL>
+                    <a:lnR>
+                      <a:noFill/>
+                    </a:lnR>
+                    <a:lnT>
+                      <a:noFill/>
+                    </a:lnT>
+                    <a:lnB>
+                      <a:noFill/>
+                    </a:lnB>
+                    <a:noFill/>
+                  </a:tcPr>
+                </a:tc>
+                <a:tc>
+                  <a:txBody>
+                    <a:bodyPr/>
+                    <a:lstStyle/>
+                    <a:p>
+                      <a:pPr>
+                        <a:buNone/>
+                      </a:pPr>
+                      <a:r>
+                        <a:rPr lang="tr-TR" sz="1200" dirty="0"/>
+                        <a:t>-</a:t>
+                      </a:r>
+                    </a:p>
+                  </a:txBody>
+                  <a:tcPr anchor="ctr">
+                    <a:lnL>
+                      <a:noFill/>
+                    </a:lnL>
+                    <a:lnR>
+                      <a:noFill/>
+                    </a:lnR>
+                    <a:lnT>
+                      <a:noFill/>
+                    </a:lnT>
+                    <a:lnB>
+                      <a:noFill/>
+                    </a:lnB>
+                    <a:noFill/>
+                  </a:tcPr>
+                </a:tc>
+                <a:tc>
+                  <a:txBody>
+                    <a:bodyPr/>
+                    <a:lstStyle/>
+                    <a:p>
+                      <a:pPr>
+                        <a:buNone/>
+                      </a:pPr>
+                      <a:r>
+                        <a:rPr lang="tr-TR" sz="1200" dirty="0"/>
+                        <a:t>-</a:t>
+                      </a:r>
+                    </a:p>
+                  </a:txBody>
+                  <a:tcPr anchor="ctr">
+                    <a:lnL>
+                      <a:noFill/>
+                    </a:lnL>
+                    <a:lnR>
+                      <a:noFill/>
+                    </a:lnR>
+                    <a:lnT>
+                      <a:noFill/>
+                    </a:lnT>
+                    <a:lnB>
+                      <a:noFill/>
+                    </a:lnB>
+                    <a:noFill/>
+                  </a:tcPr>
+                </a:tc>
+                <a:extLst>
+                  <a:ext uri="{0D108BD9-81ED-4DB2-BD59-A6C34878D82A}">
+                    <a16:rowId xmlns:a16="http://schemas.microsoft.com/office/drawing/2014/main" val="179648782"/>
+                  </a:ext>
+                </a:extLst>
+              </a:tr>
+              <a:tr h="256577">
+                <a:tc>
+                  <a:txBody>
+                    <a:bodyPr/>
+                    <a:lstStyle/>
+                    <a:p>
+                      <a:pPr>
+                        <a:buNone/>
+                      </a:pPr>
+                      <a:r>
+                        <a:rPr lang="tr-TR" sz="1200" b="1"/>
+                        <a:t>Caffeine</a:t>
+                      </a:r>
+                      <a:endParaRPr lang="tr-TR" sz="1200"/>
+                    </a:p>
+                  </a:txBody>
+                  <a:tcPr anchor="ctr">
+                    <a:lnL>
+                      <a:noFill/>
+                    </a:lnL>
+                    <a:lnR>
+                      <a:noFill/>
+                    </a:lnR>
+                    <a:lnT>
+                      <a:noFill/>
+                    </a:lnT>
+                    <a:lnB>
+                      <a:noFill/>
+                    </a:lnB>
+                    <a:noFill/>
+                  </a:tcPr>
+                </a:tc>
+                <a:tc>
+                  <a:txBody>
+                    <a:bodyPr/>
+                    <a:lstStyle/>
+                    <a:p>
+                      <a:pPr>
+                        <a:buNone/>
+                      </a:pPr>
+                      <a:r>
+                        <a:rPr lang="tr-TR" sz="1200" dirty="0"/>
+                        <a:t>-</a:t>
+                      </a:r>
+                    </a:p>
+                  </a:txBody>
+                  <a:tcPr anchor="ctr">
+                    <a:lnL>
+                      <a:noFill/>
+                    </a:lnL>
+                    <a:lnR>
+                      <a:noFill/>
+                    </a:lnR>
+                    <a:lnT>
+                      <a:noFill/>
+                    </a:lnT>
+                    <a:lnB>
+                      <a:noFill/>
+                    </a:lnB>
+                    <a:noFill/>
+                  </a:tcPr>
+                </a:tc>
+                <a:tc>
+                  <a:txBody>
+                    <a:bodyPr/>
+                    <a:lstStyle/>
+                    <a:p>
+                      <a:pPr>
+                        <a:buNone/>
+                      </a:pPr>
+                      <a:r>
+                        <a:rPr lang="tr-TR" sz="1200" dirty="0"/>
+                        <a:t>-</a:t>
+                      </a:r>
+                    </a:p>
+                  </a:txBody>
+                  <a:tcPr anchor="ctr">
+                    <a:lnL>
+                      <a:noFill/>
+                    </a:lnL>
+                    <a:lnR>
+                      <a:noFill/>
+                    </a:lnR>
+                    <a:lnT>
+                      <a:noFill/>
+                    </a:lnT>
+                    <a:lnB>
+                      <a:noFill/>
+                    </a:lnB>
+                    <a:noFill/>
+                  </a:tcPr>
+                </a:tc>
+                <a:tc>
+                  <a:txBody>
+                    <a:bodyPr/>
+                    <a:lstStyle/>
+                    <a:p>
+                      <a:pPr>
+                        <a:buNone/>
+                      </a:pPr>
+                      <a:r>
+                        <a:rPr lang="tr-TR" sz="1200" dirty="0"/>
+                        <a:t>-</a:t>
+                      </a:r>
+                    </a:p>
+                  </a:txBody>
+                  <a:tcPr anchor="ctr">
+                    <a:lnL>
+                      <a:noFill/>
+                    </a:lnL>
+                    <a:lnR>
+                      <a:noFill/>
+                    </a:lnR>
+                    <a:lnT>
+                      <a:noFill/>
+                    </a:lnT>
+                    <a:lnB>
+                      <a:noFill/>
+                    </a:lnB>
+                    <a:noFill/>
+                  </a:tcPr>
+                </a:tc>
+                <a:extLst>
+                  <a:ext uri="{0D108BD9-81ED-4DB2-BD59-A6C34878D82A}">
+                    <a16:rowId xmlns:a16="http://schemas.microsoft.com/office/drawing/2014/main" val="2773369064"/>
+                  </a:ext>
+                </a:extLst>
+              </a:tr>
+              <a:tr h="256577">
+                <a:tc>
+                  <a:txBody>
+                    <a:bodyPr/>
+                    <a:lstStyle/>
+                    <a:p>
+                      <a:pPr>
+                        <a:buNone/>
+                      </a:pPr>
+                      <a:r>
+                        <a:rPr lang="tr-TR" sz="1200" b="1"/>
+                        <a:t>Redis</a:t>
+                      </a:r>
+                      <a:endParaRPr lang="tr-TR" sz="1200"/>
+                    </a:p>
+                  </a:txBody>
+                  <a:tcPr anchor="ctr">
+                    <a:lnL>
+                      <a:noFill/>
+                    </a:lnL>
+                    <a:lnR>
+                      <a:noFill/>
+                    </a:lnR>
+                    <a:lnT>
+                      <a:noFill/>
+                    </a:lnT>
+                    <a:lnB>
+                      <a:noFill/>
+                    </a:lnB>
+                    <a:noFill/>
+                  </a:tcPr>
+                </a:tc>
+                <a:tc>
+                  <a:txBody>
+                    <a:bodyPr/>
+                    <a:lstStyle/>
+                    <a:p>
+                      <a:pPr>
+                        <a:buNone/>
+                      </a:pPr>
+                      <a:r>
+                        <a:rPr lang="tr-TR" sz="1200" dirty="0"/>
+                        <a:t>-</a:t>
+                      </a:r>
+                    </a:p>
+                  </a:txBody>
+                  <a:tcPr anchor="ctr">
+                    <a:lnL>
+                      <a:noFill/>
+                    </a:lnL>
+                    <a:lnR>
+                      <a:noFill/>
+                    </a:lnR>
+                    <a:lnT>
+                      <a:noFill/>
+                    </a:lnT>
+                    <a:lnB>
+                      <a:noFill/>
+                    </a:lnB>
+                    <a:noFill/>
+                  </a:tcPr>
+                </a:tc>
+                <a:tc>
+                  <a:txBody>
+                    <a:bodyPr/>
+                    <a:lstStyle/>
+                    <a:p>
+                      <a:pPr>
+                        <a:buNone/>
+                      </a:pPr>
+                      <a:r>
+                        <a:rPr lang="tr-TR" sz="1200" dirty="0"/>
+                        <a:t>-</a:t>
+                      </a:r>
+                    </a:p>
+                  </a:txBody>
+                  <a:tcPr anchor="ctr">
+                    <a:lnL>
+                      <a:noFill/>
+                    </a:lnL>
+                    <a:lnR>
+                      <a:noFill/>
+                    </a:lnR>
+                    <a:lnT>
+                      <a:noFill/>
+                    </a:lnT>
+                    <a:lnB>
+                      <a:noFill/>
+                    </a:lnB>
+                    <a:noFill/>
+                  </a:tcPr>
+                </a:tc>
+                <a:tc>
+                  <a:txBody>
+                    <a:bodyPr/>
+                    <a:lstStyle/>
+                    <a:p>
+                      <a:pPr>
+                        <a:buNone/>
+                      </a:pPr>
+                      <a:r>
+                        <a:rPr lang="tr-TR" sz="1200" dirty="0"/>
+                        <a:t>-</a:t>
+                      </a:r>
+                    </a:p>
+                  </a:txBody>
+                  <a:tcPr anchor="ctr">
+                    <a:lnL>
+                      <a:noFill/>
+                    </a:lnL>
+                    <a:lnR>
+                      <a:noFill/>
+                    </a:lnR>
+                    <a:lnT>
+                      <a:noFill/>
+                    </a:lnT>
+                    <a:lnB>
+                      <a:noFill/>
+                    </a:lnB>
+                    <a:noFill/>
+                  </a:tcPr>
+                </a:tc>
+                <a:extLst>
+                  <a:ext uri="{0D108BD9-81ED-4DB2-BD59-A6C34878D82A}">
+                    <a16:rowId xmlns:a16="http://schemas.microsoft.com/office/drawing/2014/main" val="3654405554"/>
+                  </a:ext>
+                </a:extLst>
+              </a:tr>
+            </a:tbl>
+          </a:graphicData>
+        </a:graphic>
+      </p:graphicFrame>
+    </p:spTree>
+    <p:extLst>
+      <p:ext uri="{BB962C8B-B14F-4D97-AF65-F5344CB8AC3E}">
+        <p14:creationId xmlns:p14="http://schemas.microsoft.com/office/powerpoint/2010/main" val="435944483"/>
+      </p:ext>
+    </p:extLst>
+  </p:cSld>
+  <p:clrMapOvr>
+    <a:masterClrMapping/>
+  </p:clrMapOvr>
+  <p:transition advClick="0"/>
+</p:sld>
+</file>
+
+<file path=ppt/slides/slide31.xml><?xml version="1.0" encoding="utf-8"?>
+<p:sld xmlns:a="http://schemas.openxmlformats.org/drawingml/2006/main" xmlns:r="http://schemas.openxmlformats.org/officeDocument/2006/relationships" xmlns:p="http://schemas.openxmlformats.org/presentationml/2006/main">
+  <p:cSld>
+    <p:spTree>
+      <p:nvGrpSpPr>
+        <p:cNvPr id="1" name="">
+          <a:extLst>
+            <a:ext uri="{FF2B5EF4-FFF2-40B4-BE49-F238E27FC236}">
+              <a16:creationId xmlns:a16="http://schemas.microsoft.com/office/drawing/2014/main" id="{7DC276DD-4F69-F208-43D4-1ED5AE184558}"/>
+            </a:ext>
+          </a:extLst>
+        </p:cNvPr>
+        <p:cNvGrpSpPr/>
+        <p:nvPr/>
+      </p:nvGrpSpPr>
+      <p:grpSpPr>
+        <a:xfrm>
+          <a:off x="0" y="0"/>
+          <a:ext cx="0" cy="0"/>
+          <a:chOff x="0" y="0"/>
+          <a:chExt cx="0" cy="0"/>
+        </a:xfrm>
+      </p:grpSpPr>
+      <p:sp>
+        <p:nvSpPr>
+          <p:cNvPr id="2" name="Rectangle 1">
+            <a:extLst>
+              <a:ext uri="{FF2B5EF4-FFF2-40B4-BE49-F238E27FC236}">
+                <a16:creationId xmlns:a16="http://schemas.microsoft.com/office/drawing/2014/main" id="{197AA0C4-0986-27BD-D8BB-FE94F689195D}"/>
+              </a:ext>
+            </a:extLst>
+          </p:cNvPr>
+          <p:cNvSpPr/>
+          <p:nvPr/>
+        </p:nvSpPr>
+        <p:spPr>
+          <a:xfrm>
+            <a:off x="761873" y="511112"/>
+            <a:ext cx="825867" cy="369332"/>
+          </a:xfrm>
+          <a:prstGeom prst="rect">
+            <a:avLst/>
+          </a:prstGeom>
+        </p:spPr>
+        <p:txBody>
+          <a:bodyPr wrap="none">
+            <a:spAutoFit/>
+          </a:bodyPr>
+          <a:lstStyle/>
+          <a:p>
+            <a:pPr algn="ctr"/>
+            <a:r>
+              <a:rPr lang="tr-TR" b="1" dirty="0">
+                <a:ln w="10160">
+                  <a:solidFill>
+                    <a:schemeClr val="accent5"/>
+                  </a:solidFill>
+                  <a:prstDash val="solid"/>
+                </a:ln>
+                <a:solidFill>
+                  <a:srgbClr val="FFFFFF"/>
+                </a:solidFill>
+                <a:effectLst>
+                  <a:outerShdw blurRad="38100" dist="22860" dir="5400000" algn="tl" rotWithShape="0">
+                    <a:srgbClr val="000000">
+                      <a:alpha val="30000"/>
+                    </a:srgbClr>
+                  </a:outerShdw>
+                </a:effectLst>
+              </a:rPr>
+              <a:t>Demo</a:t>
+            </a:r>
+            <a:endParaRPr lang="en-US" b="1" dirty="0">
+              <a:ln w="10160">
+                <a:solidFill>
+                  <a:schemeClr val="accent5"/>
+                </a:solidFill>
+                <a:prstDash val="solid"/>
+              </a:ln>
+              <a:solidFill>
+                <a:srgbClr val="FFFFFF"/>
+              </a:solidFill>
+              <a:effectLst>
+                <a:outerShdw blurRad="38100" dist="22860" dir="5400000" algn="tl" rotWithShape="0">
+                  <a:srgbClr val="000000">
+                    <a:alpha val="30000"/>
+                  </a:srgbClr>
+                </a:outerShdw>
+              </a:effectLst>
+            </a:endParaRPr>
+          </a:p>
+        </p:txBody>
+      </p:sp>
+      <p:sp>
+        <p:nvSpPr>
+          <p:cNvPr id="4" name="Metin kutusu 3">
+            <a:extLst>
+              <a:ext uri="{FF2B5EF4-FFF2-40B4-BE49-F238E27FC236}">
+                <a16:creationId xmlns:a16="http://schemas.microsoft.com/office/drawing/2014/main" id="{8584A510-13CC-79D4-CE04-C032B0131EF8}"/>
+              </a:ext>
+            </a:extLst>
+          </p:cNvPr>
+          <p:cNvSpPr txBox="1"/>
+          <p:nvPr/>
+        </p:nvSpPr>
+        <p:spPr>
+          <a:xfrm>
+            <a:off x="190500" y="880444"/>
+            <a:ext cx="7437120" cy="664284"/>
+          </a:xfrm>
+          <a:prstGeom prst="rect">
+            <a:avLst/>
+          </a:prstGeom>
+          <a:noFill/>
+        </p:spPr>
+        <p:txBody>
+          <a:bodyPr wrap="square">
+            <a:spAutoFit/>
+          </a:bodyPr>
+          <a:lstStyle/>
+          <a:p>
+            <a:pPr>
+              <a:lnSpc>
+                <a:spcPct val="250000"/>
+              </a:lnSpc>
+            </a:pPr>
+            <a:r>
+              <a:rPr lang="tr-TR" dirty="0"/>
+              <a:t>1k </a:t>
+            </a:r>
+            <a:r>
+              <a:rPr lang="tr-TR" dirty="0" err="1"/>
+              <a:t>ops</a:t>
+            </a:r>
+            <a:r>
+              <a:rPr lang="tr-TR" dirty="0"/>
+              <a:t>/s Yazma Kayıpsız işlenirken Maksimum Okuma : </a:t>
+            </a:r>
+            <a:r>
+              <a:rPr lang="tr-TR" b="1" dirty="0"/>
+              <a:t>JAVA</a:t>
+            </a:r>
+            <a:endParaRPr lang="tr-TR" dirty="0"/>
+          </a:p>
+        </p:txBody>
+      </p:sp>
+      <p:pic>
+        <p:nvPicPr>
+          <p:cNvPr id="5" name="Resim 4" descr="ekran görüntüsü, grafik yazılımı, multimedya yazılımı, 3B modelleme içeren bir resim&#10;&#10;Yapay zeka tarafından oluşturulmuş içerik yanlış olabilir.">
+            <a:extLst>
+              <a:ext uri="{FF2B5EF4-FFF2-40B4-BE49-F238E27FC236}">
+                <a16:creationId xmlns:a16="http://schemas.microsoft.com/office/drawing/2014/main" id="{D9C2713F-73B2-A626-7341-8829A569FB62}"/>
+              </a:ext>
+            </a:extLst>
+          </p:cNvPr>
+          <p:cNvPicPr>
+            <a:picLocks noChangeAspect="1"/>
+          </p:cNvPicPr>
+          <p:nvPr/>
+        </p:nvPicPr>
+        <p:blipFill>
+          <a:blip r:embed="rId2">
+            <a:extLst>
+              <a:ext uri="{28A0092B-C50C-407E-A947-70E740481C1C}">
+                <a14:useLocalDpi xmlns:a14="http://schemas.microsoft.com/office/drawing/2010/main" val="0"/>
+              </a:ext>
+            </a:extLst>
+          </a:blip>
+          <a:stretch>
+            <a:fillRect/>
+          </a:stretch>
+        </p:blipFill>
+        <p:spPr>
+          <a:xfrm>
+            <a:off x="0" y="1796470"/>
+            <a:ext cx="9144000" cy="4181086"/>
+          </a:xfrm>
+          <a:prstGeom prst="rect">
+            <a:avLst/>
+          </a:prstGeom>
+        </p:spPr>
+      </p:pic>
+    </p:spTree>
+    <p:extLst>
+      <p:ext uri="{BB962C8B-B14F-4D97-AF65-F5344CB8AC3E}">
+        <p14:creationId xmlns:p14="http://schemas.microsoft.com/office/powerpoint/2010/main" val="2760147692"/>
+      </p:ext>
+    </p:extLst>
+  </p:cSld>
+  <p:clrMapOvr>
+    <a:masterClrMapping/>
+  </p:clrMapOvr>
+  <p:transition advClick="0"/>
+</p:sld>
+</file>
+
+<file path=ppt/slides/slide32.xml><?xml version="1.0" encoding="utf-8"?>
+<p:sld xmlns:a="http://schemas.openxmlformats.org/drawingml/2006/main" xmlns:r="http://schemas.openxmlformats.org/officeDocument/2006/relationships" xmlns:p="http://schemas.openxmlformats.org/presentationml/2006/main">
+  <p:cSld>
+    <p:spTree>
+      <p:nvGrpSpPr>
+        <p:cNvPr id="1" name="">
+          <a:extLst>
+            <a:ext uri="{FF2B5EF4-FFF2-40B4-BE49-F238E27FC236}">
+              <a16:creationId xmlns:a16="http://schemas.microsoft.com/office/drawing/2014/main" id="{80F0A85C-0A16-D69C-68D1-439A46D8F8A6}"/>
+            </a:ext>
+          </a:extLst>
+        </p:cNvPr>
+        <p:cNvGrpSpPr/>
+        <p:nvPr/>
+      </p:nvGrpSpPr>
+      <p:grpSpPr>
+        <a:xfrm>
+          <a:off x="0" y="0"/>
+          <a:ext cx="0" cy="0"/>
+          <a:chOff x="0" y="0"/>
+          <a:chExt cx="0" cy="0"/>
+        </a:xfrm>
+      </p:grpSpPr>
+      <p:sp>
+        <p:nvSpPr>
+          <p:cNvPr id="2" name="Rectangle 1">
+            <a:extLst>
+              <a:ext uri="{FF2B5EF4-FFF2-40B4-BE49-F238E27FC236}">
+                <a16:creationId xmlns:a16="http://schemas.microsoft.com/office/drawing/2014/main" id="{AAD381D9-E6EF-ECA1-5FF6-3B102A7C1480}"/>
+              </a:ext>
+            </a:extLst>
+          </p:cNvPr>
+          <p:cNvSpPr/>
+          <p:nvPr/>
+        </p:nvSpPr>
+        <p:spPr>
+          <a:xfrm>
+            <a:off x="761873" y="511112"/>
+            <a:ext cx="825867" cy="369332"/>
+          </a:xfrm>
+          <a:prstGeom prst="rect">
+            <a:avLst/>
+          </a:prstGeom>
+        </p:spPr>
+        <p:txBody>
+          <a:bodyPr wrap="none">
+            <a:spAutoFit/>
+          </a:bodyPr>
+          <a:lstStyle/>
+          <a:p>
+            <a:pPr algn="ctr"/>
+            <a:r>
+              <a:rPr lang="tr-TR" b="1" dirty="0">
+                <a:ln w="10160">
+                  <a:solidFill>
+                    <a:schemeClr val="accent5"/>
+                  </a:solidFill>
+                  <a:prstDash val="solid"/>
+                </a:ln>
+                <a:solidFill>
+                  <a:srgbClr val="FFFFFF"/>
+                </a:solidFill>
+                <a:effectLst>
+                  <a:outerShdw blurRad="38100" dist="22860" dir="5400000" algn="tl" rotWithShape="0">
+                    <a:srgbClr val="000000">
+                      <a:alpha val="30000"/>
+                    </a:srgbClr>
+                  </a:outerShdw>
+                </a:effectLst>
+              </a:rPr>
+              <a:t>Demo</a:t>
+            </a:r>
+            <a:endParaRPr lang="en-US" b="1" dirty="0">
+              <a:ln w="10160">
+                <a:solidFill>
+                  <a:schemeClr val="accent5"/>
+                </a:solidFill>
+                <a:prstDash val="solid"/>
+              </a:ln>
+              <a:solidFill>
+                <a:srgbClr val="FFFFFF"/>
+              </a:solidFill>
+              <a:effectLst>
+                <a:outerShdw blurRad="38100" dist="22860" dir="5400000" algn="tl" rotWithShape="0">
+                  <a:srgbClr val="000000">
+                    <a:alpha val="30000"/>
+                  </a:srgbClr>
+                </a:outerShdw>
+              </a:effectLst>
+            </a:endParaRPr>
+          </a:p>
+        </p:txBody>
+      </p:sp>
+      <p:sp>
+        <p:nvSpPr>
+          <p:cNvPr id="4" name="Metin kutusu 3">
+            <a:extLst>
+              <a:ext uri="{FF2B5EF4-FFF2-40B4-BE49-F238E27FC236}">
+                <a16:creationId xmlns:a16="http://schemas.microsoft.com/office/drawing/2014/main" id="{81AD9A00-73E6-C900-DD93-675A8D77A2E0}"/>
+              </a:ext>
+            </a:extLst>
+          </p:cNvPr>
+          <p:cNvSpPr txBox="1"/>
+          <p:nvPr/>
+        </p:nvSpPr>
+        <p:spPr>
+          <a:xfrm>
+            <a:off x="190500" y="880444"/>
+            <a:ext cx="7437120" cy="664284"/>
+          </a:xfrm>
+          <a:prstGeom prst="rect">
+            <a:avLst/>
+          </a:prstGeom>
+          <a:noFill/>
+        </p:spPr>
+        <p:txBody>
+          <a:bodyPr wrap="square">
+            <a:spAutoFit/>
+          </a:bodyPr>
+          <a:lstStyle/>
+          <a:p>
+            <a:pPr>
+              <a:lnSpc>
+                <a:spcPct val="250000"/>
+              </a:lnSpc>
+            </a:pPr>
+            <a:r>
+              <a:rPr lang="tr-TR" dirty="0"/>
+              <a:t>1k </a:t>
+            </a:r>
+            <a:r>
+              <a:rPr lang="tr-TR" dirty="0" err="1"/>
+              <a:t>ops</a:t>
+            </a:r>
+            <a:r>
+              <a:rPr lang="tr-TR" dirty="0"/>
+              <a:t>/s Yazma Kayıpsız işlenirken Maksimum Okuma : </a:t>
+            </a:r>
+            <a:r>
+              <a:rPr lang="tr-TR" b="1" dirty="0"/>
+              <a:t>CAFFEINE</a:t>
+            </a:r>
+            <a:endParaRPr lang="tr-TR" dirty="0"/>
+          </a:p>
+        </p:txBody>
+      </p:sp>
+      <p:pic>
+        <p:nvPicPr>
+          <p:cNvPr id="5" name="Resim 4" descr="ekran görüntüsü, metin, multimedya yazılımı, yazılım içeren bir resim&#10;&#10;Yapay zeka tarafından oluşturulmuş içerik yanlış olabilir.">
+            <a:extLst>
+              <a:ext uri="{FF2B5EF4-FFF2-40B4-BE49-F238E27FC236}">
+                <a16:creationId xmlns:a16="http://schemas.microsoft.com/office/drawing/2014/main" id="{6179D2DA-6230-5233-0B9D-41F1F4ABDEA9}"/>
+              </a:ext>
+            </a:extLst>
+          </p:cNvPr>
+          <p:cNvPicPr>
+            <a:picLocks noChangeAspect="1"/>
+          </p:cNvPicPr>
+          <p:nvPr/>
+        </p:nvPicPr>
+        <p:blipFill>
+          <a:blip r:embed="rId2">
+            <a:extLst>
+              <a:ext uri="{28A0092B-C50C-407E-A947-70E740481C1C}">
+                <a14:useLocalDpi xmlns:a14="http://schemas.microsoft.com/office/drawing/2010/main" val="0"/>
+              </a:ext>
+            </a:extLst>
+          </a:blip>
+          <a:stretch>
+            <a:fillRect/>
+          </a:stretch>
+        </p:blipFill>
+        <p:spPr>
+          <a:xfrm>
+            <a:off x="0" y="1789390"/>
+            <a:ext cx="9144000" cy="4188166"/>
+          </a:xfrm>
+          <a:prstGeom prst="rect">
+            <a:avLst/>
+          </a:prstGeom>
+        </p:spPr>
+      </p:pic>
+    </p:spTree>
+    <p:extLst>
+      <p:ext uri="{BB962C8B-B14F-4D97-AF65-F5344CB8AC3E}">
+        <p14:creationId xmlns:p14="http://schemas.microsoft.com/office/powerpoint/2010/main" val="193115042"/>
+      </p:ext>
+    </p:extLst>
+  </p:cSld>
+  <p:clrMapOvr>
+    <a:masterClrMapping/>
+  </p:clrMapOvr>
+  <p:transition advClick="0"/>
+</p:sld>
+</file>
+
+<file path=ppt/slides/slide33.xml><?xml version="1.0" encoding="utf-8"?>
+<p:sld xmlns:a="http://schemas.openxmlformats.org/drawingml/2006/main" xmlns:r="http://schemas.openxmlformats.org/officeDocument/2006/relationships" xmlns:p="http://schemas.openxmlformats.org/presentationml/2006/main">
+  <p:cSld>
+    <p:spTree>
+      <p:nvGrpSpPr>
+        <p:cNvPr id="1" name="">
+          <a:extLst>
+            <a:ext uri="{FF2B5EF4-FFF2-40B4-BE49-F238E27FC236}">
+              <a16:creationId xmlns:a16="http://schemas.microsoft.com/office/drawing/2014/main" id="{44F3EBD2-AB06-CE1C-482D-D93423CB72F0}"/>
+            </a:ext>
+          </a:extLst>
+        </p:cNvPr>
+        <p:cNvGrpSpPr/>
+        <p:nvPr/>
+      </p:nvGrpSpPr>
+      <p:grpSpPr>
+        <a:xfrm>
+          <a:off x="0" y="0"/>
+          <a:ext cx="0" cy="0"/>
+          <a:chOff x="0" y="0"/>
+          <a:chExt cx="0" cy="0"/>
+        </a:xfrm>
+      </p:grpSpPr>
+      <p:sp>
+        <p:nvSpPr>
+          <p:cNvPr id="2" name="Rectangle 1">
+            <a:extLst>
+              <a:ext uri="{FF2B5EF4-FFF2-40B4-BE49-F238E27FC236}">
+                <a16:creationId xmlns:a16="http://schemas.microsoft.com/office/drawing/2014/main" id="{79A00828-B5D8-9E86-A25B-80AE025866E1}"/>
+              </a:ext>
+            </a:extLst>
+          </p:cNvPr>
+          <p:cNvSpPr/>
+          <p:nvPr/>
+        </p:nvSpPr>
+        <p:spPr>
+          <a:xfrm>
+            <a:off x="761873" y="511112"/>
+            <a:ext cx="825867" cy="369332"/>
+          </a:xfrm>
+          <a:prstGeom prst="rect">
+            <a:avLst/>
+          </a:prstGeom>
+        </p:spPr>
+        <p:txBody>
+          <a:bodyPr wrap="none">
+            <a:spAutoFit/>
+          </a:bodyPr>
+          <a:lstStyle/>
+          <a:p>
+            <a:pPr algn="ctr"/>
+            <a:r>
+              <a:rPr lang="tr-TR" b="1" dirty="0">
+                <a:ln w="10160">
+                  <a:solidFill>
+                    <a:schemeClr val="accent5"/>
+                  </a:solidFill>
+                  <a:prstDash val="solid"/>
+                </a:ln>
+                <a:solidFill>
+                  <a:srgbClr val="FFFFFF"/>
+                </a:solidFill>
+                <a:effectLst>
+                  <a:outerShdw blurRad="38100" dist="22860" dir="5400000" algn="tl" rotWithShape="0">
+                    <a:srgbClr val="000000">
+                      <a:alpha val="30000"/>
+                    </a:srgbClr>
+                  </a:outerShdw>
+                </a:effectLst>
+              </a:rPr>
+              <a:t>Demo</a:t>
+            </a:r>
+            <a:endParaRPr lang="en-US" b="1" dirty="0">
+              <a:ln w="10160">
+                <a:solidFill>
+                  <a:schemeClr val="accent5"/>
+                </a:solidFill>
+                <a:prstDash val="solid"/>
+              </a:ln>
+              <a:solidFill>
+                <a:srgbClr val="FFFFFF"/>
+              </a:solidFill>
+              <a:effectLst>
+                <a:outerShdw blurRad="38100" dist="22860" dir="5400000" algn="tl" rotWithShape="0">
+                  <a:srgbClr val="000000">
+                    <a:alpha val="30000"/>
+                  </a:srgbClr>
+                </a:outerShdw>
+              </a:effectLst>
+            </a:endParaRPr>
+          </a:p>
+        </p:txBody>
+      </p:sp>
+      <p:sp>
+        <p:nvSpPr>
+          <p:cNvPr id="4" name="Metin kutusu 3">
+            <a:extLst>
+              <a:ext uri="{FF2B5EF4-FFF2-40B4-BE49-F238E27FC236}">
+                <a16:creationId xmlns:a16="http://schemas.microsoft.com/office/drawing/2014/main" id="{D0DEAADB-B617-2BAA-D334-70ADE5F4C8DE}"/>
+              </a:ext>
+            </a:extLst>
+          </p:cNvPr>
+          <p:cNvSpPr txBox="1"/>
+          <p:nvPr/>
+        </p:nvSpPr>
+        <p:spPr>
+          <a:xfrm>
+            <a:off x="190500" y="880444"/>
+            <a:ext cx="7437120" cy="664284"/>
+          </a:xfrm>
+          <a:prstGeom prst="rect">
+            <a:avLst/>
+          </a:prstGeom>
+          <a:noFill/>
+        </p:spPr>
+        <p:txBody>
+          <a:bodyPr wrap="square">
+            <a:spAutoFit/>
+          </a:bodyPr>
+          <a:lstStyle/>
+          <a:p>
+            <a:pPr>
+              <a:lnSpc>
+                <a:spcPct val="250000"/>
+              </a:lnSpc>
+            </a:pPr>
+            <a:r>
+              <a:rPr lang="tr-TR" dirty="0"/>
+              <a:t>1k </a:t>
+            </a:r>
+            <a:r>
+              <a:rPr lang="tr-TR" dirty="0" err="1"/>
+              <a:t>ops</a:t>
+            </a:r>
+            <a:r>
+              <a:rPr lang="tr-TR" dirty="0"/>
+              <a:t>/s Yazma Kayıpsız işlenirken Maksimum Okuma : </a:t>
+            </a:r>
+            <a:r>
+              <a:rPr lang="tr-TR" b="1" dirty="0"/>
+              <a:t>REDIS</a:t>
+            </a:r>
+            <a:endParaRPr lang="tr-TR" dirty="0"/>
+          </a:p>
+        </p:txBody>
+      </p:sp>
+      <p:pic>
+        <p:nvPicPr>
+          <p:cNvPr id="5" name="Resim 4" descr="ekran görüntüsü, grafik yazılımı, multimedya yazılımı, metin içeren bir resim&#10;&#10;Yapay zeka tarafından oluşturulmuş içerik yanlış olabilir.">
+            <a:extLst>
+              <a:ext uri="{FF2B5EF4-FFF2-40B4-BE49-F238E27FC236}">
+                <a16:creationId xmlns:a16="http://schemas.microsoft.com/office/drawing/2014/main" id="{CA26764E-176B-7D58-F6B6-10AFB8143980}"/>
+              </a:ext>
+            </a:extLst>
+          </p:cNvPr>
+          <p:cNvPicPr>
+            <a:picLocks noChangeAspect="1"/>
+          </p:cNvPicPr>
+          <p:nvPr/>
+        </p:nvPicPr>
+        <p:blipFill>
+          <a:blip r:embed="rId2">
+            <a:extLst>
+              <a:ext uri="{28A0092B-C50C-407E-A947-70E740481C1C}">
+                <a14:useLocalDpi xmlns:a14="http://schemas.microsoft.com/office/drawing/2010/main" val="0"/>
+              </a:ext>
+            </a:extLst>
+          </a:blip>
+          <a:stretch>
+            <a:fillRect/>
+          </a:stretch>
+        </p:blipFill>
+        <p:spPr>
+          <a:xfrm>
+            <a:off x="0" y="1744133"/>
+            <a:ext cx="9144000" cy="4233423"/>
+          </a:xfrm>
+          <a:prstGeom prst="rect">
+            <a:avLst/>
+          </a:prstGeom>
+        </p:spPr>
+      </p:pic>
+    </p:spTree>
+    <p:extLst>
+      <p:ext uri="{BB962C8B-B14F-4D97-AF65-F5344CB8AC3E}">
+        <p14:creationId xmlns:p14="http://schemas.microsoft.com/office/powerpoint/2010/main" val="3715765870"/>
+      </p:ext>
+    </p:extLst>
+  </p:cSld>
+  <p:clrMapOvr>
+    <a:masterClrMapping/>
+  </p:clrMapOvr>
+  <p:transition advClick="0"/>
+</p:sld>
+</file>
+
+<file path=ppt/slides/slide34.xml><?xml version="1.0" encoding="utf-8"?>
+<p:sld xmlns:a="http://schemas.openxmlformats.org/drawingml/2006/main" xmlns:r="http://schemas.openxmlformats.org/officeDocument/2006/relationships" xmlns:p="http://schemas.openxmlformats.org/presentationml/2006/main">
+  <p:cSld>
+    <p:spTree>
+      <p:nvGrpSpPr>
+        <p:cNvPr id="1" name="">
+          <a:extLst>
+            <a:ext uri="{FF2B5EF4-FFF2-40B4-BE49-F238E27FC236}">
+              <a16:creationId xmlns:a16="http://schemas.microsoft.com/office/drawing/2014/main" id="{13FC6885-B9EB-7BB6-28F0-3BEA9D2956B4}"/>
+            </a:ext>
+          </a:extLst>
+        </p:cNvPr>
+        <p:cNvGrpSpPr/>
+        <p:nvPr/>
+      </p:nvGrpSpPr>
+      <p:grpSpPr>
+        <a:xfrm>
+          <a:off x="0" y="0"/>
+          <a:ext cx="0" cy="0"/>
+          <a:chOff x="0" y="0"/>
+          <a:chExt cx="0" cy="0"/>
+        </a:xfrm>
+      </p:grpSpPr>
+      <p:sp>
+        <p:nvSpPr>
+          <p:cNvPr id="2" name="Rectangle 1">
+            <a:extLst>
+              <a:ext uri="{FF2B5EF4-FFF2-40B4-BE49-F238E27FC236}">
+                <a16:creationId xmlns:a16="http://schemas.microsoft.com/office/drawing/2014/main" id="{F2AF3FB5-EB78-C94B-D346-8CC1A961ECB8}"/>
+              </a:ext>
+            </a:extLst>
+          </p:cNvPr>
+          <p:cNvSpPr/>
+          <p:nvPr/>
+        </p:nvSpPr>
+        <p:spPr>
+          <a:xfrm>
+            <a:off x="761873" y="511112"/>
+            <a:ext cx="825867" cy="369332"/>
+          </a:xfrm>
+          <a:prstGeom prst="rect">
+            <a:avLst/>
+          </a:prstGeom>
+        </p:spPr>
+        <p:txBody>
+          <a:bodyPr wrap="none">
+            <a:spAutoFit/>
+          </a:bodyPr>
+          <a:lstStyle/>
+          <a:p>
+            <a:pPr algn="ctr"/>
+            <a:r>
+              <a:rPr lang="tr-TR" b="1" dirty="0">
+                <a:ln w="10160">
+                  <a:solidFill>
+                    <a:schemeClr val="accent5"/>
+                  </a:solidFill>
+                  <a:prstDash val="solid"/>
+                </a:ln>
+                <a:solidFill>
+                  <a:srgbClr val="FFFFFF"/>
+                </a:solidFill>
+                <a:effectLst>
+                  <a:outerShdw blurRad="38100" dist="22860" dir="5400000" algn="tl" rotWithShape="0">
+                    <a:srgbClr val="000000">
+                      <a:alpha val="30000"/>
+                    </a:srgbClr>
+                  </a:outerShdw>
+                </a:effectLst>
+              </a:rPr>
+              <a:t>Demo</a:t>
+            </a:r>
+            <a:endParaRPr lang="en-US" b="1" dirty="0">
+              <a:ln w="10160">
+                <a:solidFill>
+                  <a:schemeClr val="accent5"/>
+                </a:solidFill>
+                <a:prstDash val="solid"/>
+              </a:ln>
+              <a:solidFill>
+                <a:srgbClr val="FFFFFF"/>
+              </a:solidFill>
+              <a:effectLst>
+                <a:outerShdw blurRad="38100" dist="22860" dir="5400000" algn="tl" rotWithShape="0">
+                  <a:srgbClr val="000000">
+                    <a:alpha val="30000"/>
+                  </a:srgbClr>
+                </a:outerShdw>
+              </a:effectLst>
+            </a:endParaRPr>
+          </a:p>
+        </p:txBody>
+      </p:sp>
+      <p:sp>
+        <p:nvSpPr>
+          <p:cNvPr id="4" name="Metin kutusu 3">
+            <a:extLst>
+              <a:ext uri="{FF2B5EF4-FFF2-40B4-BE49-F238E27FC236}">
+                <a16:creationId xmlns:a16="http://schemas.microsoft.com/office/drawing/2014/main" id="{C919FAD7-4CA2-6DF8-7755-85DBE1DABBC6}"/>
+              </a:ext>
+            </a:extLst>
+          </p:cNvPr>
+          <p:cNvSpPr txBox="1"/>
+          <p:nvPr/>
+        </p:nvSpPr>
+        <p:spPr>
+          <a:xfrm>
+            <a:off x="190500" y="880444"/>
+            <a:ext cx="7437120" cy="664284"/>
+          </a:xfrm>
+          <a:prstGeom prst="rect">
+            <a:avLst/>
+          </a:prstGeom>
+          <a:noFill/>
+        </p:spPr>
+        <p:txBody>
+          <a:bodyPr wrap="square">
+            <a:spAutoFit/>
+          </a:bodyPr>
+          <a:lstStyle/>
+          <a:p>
+            <a:pPr>
+              <a:lnSpc>
+                <a:spcPct val="250000"/>
+              </a:lnSpc>
+            </a:pPr>
+            <a:r>
+              <a:rPr lang="tr-TR" dirty="0"/>
+              <a:t>1k </a:t>
+            </a:r>
+            <a:r>
+              <a:rPr lang="tr-TR" dirty="0" err="1"/>
+              <a:t>ops</a:t>
+            </a:r>
+            <a:r>
+              <a:rPr lang="tr-TR" dirty="0"/>
+              <a:t>/s Yazma Kayıpsız işlenirken Maksimum Okuma</a:t>
+            </a:r>
+          </a:p>
+        </p:txBody>
+      </p:sp>
+      <p:graphicFrame>
+        <p:nvGraphicFramePr>
+          <p:cNvPr id="3" name="Tablo 2">
+            <a:extLst>
+              <a:ext uri="{FF2B5EF4-FFF2-40B4-BE49-F238E27FC236}">
+                <a16:creationId xmlns:a16="http://schemas.microsoft.com/office/drawing/2014/main" id="{08D46A2E-5326-20D0-15F0-DFED444FF10B}"/>
+              </a:ext>
+            </a:extLst>
+          </p:cNvPr>
+          <p:cNvGraphicFramePr>
+            <a:graphicFrameLocks noGrp="1"/>
+          </p:cNvGraphicFramePr>
+          <p:nvPr>
+            <p:extLst>
+              <p:ext uri="{D42A27DB-BD31-4B8C-83A1-F6EECF244321}">
+                <p14:modId xmlns:p14="http://schemas.microsoft.com/office/powerpoint/2010/main" val="663939238"/>
+              </p:ext>
+            </p:extLst>
+          </p:nvPr>
+        </p:nvGraphicFramePr>
+        <p:xfrm>
+          <a:off x="190500" y="1914060"/>
+          <a:ext cx="4862512" cy="1218740"/>
+        </p:xfrm>
+        <a:graphic>
+          <a:graphicData uri="http://schemas.openxmlformats.org/drawingml/2006/table">
+            <a:tbl>
+              <a:tblPr/>
+              <a:tblGrid>
+                <a:gridCol w="2431256">
+                  <a:extLst>
+                    <a:ext uri="{9D8B030D-6E8A-4147-A177-3AD203B41FA5}">
+                      <a16:colId xmlns:a16="http://schemas.microsoft.com/office/drawing/2014/main" val="4248772711"/>
+                    </a:ext>
+                  </a:extLst>
+                </a:gridCol>
+                <a:gridCol w="2431256">
+                  <a:extLst>
+                    <a:ext uri="{9D8B030D-6E8A-4147-A177-3AD203B41FA5}">
+                      <a16:colId xmlns:a16="http://schemas.microsoft.com/office/drawing/2014/main" val="1036336271"/>
+                    </a:ext>
+                  </a:extLst>
+                </a:gridCol>
+              </a:tblGrid>
+              <a:tr h="395780">
+                <a:tc>
+                  <a:txBody>
+                    <a:bodyPr/>
+                    <a:lstStyle/>
+                    <a:p>
+                      <a:pPr algn="just">
+                        <a:buNone/>
+                      </a:pPr>
+                      <a:r>
+                        <a:rPr lang="tr-TR" sz="1200"/>
+                        <a:t>Profil</a:t>
+                      </a:r>
+                    </a:p>
+                  </a:txBody>
+                  <a:tcPr anchor="ctr">
+                    <a:lnL>
+                      <a:noFill/>
+                    </a:lnL>
+                    <a:lnR>
+                      <a:noFill/>
+                    </a:lnR>
+                    <a:lnT>
+                      <a:noFill/>
+                    </a:lnT>
+                    <a:lnB>
+                      <a:noFill/>
+                    </a:lnB>
+                    <a:noFill/>
+                  </a:tcPr>
+                </a:tc>
+                <a:tc>
+                  <a:txBody>
+                    <a:bodyPr/>
+                    <a:lstStyle/>
+                    <a:p>
+                      <a:pPr>
+                        <a:buNone/>
+                      </a:pPr>
+                      <a:r>
+                        <a:rPr lang="en-US" sz="1200" dirty="0"/>
+                        <a:t>(</a:t>
+                      </a:r>
+                      <a:r>
+                        <a:rPr lang="tr-TR" sz="1200" dirty="0"/>
+                        <a:t>1</a:t>
+                      </a:r>
+                      <a:r>
+                        <a:rPr lang="en-US" sz="1200" dirty="0"/>
+                        <a:t> k</a:t>
+                      </a:r>
+                      <a:r>
+                        <a:rPr lang="tr-TR" sz="1200" dirty="0"/>
+                        <a:t> Yazma</a:t>
+                      </a:r>
+                      <a:r>
+                        <a:rPr lang="en-US" sz="1200" dirty="0"/>
+                        <a:t>) </a:t>
+                      </a:r>
+                      <a:r>
+                        <a:rPr lang="tr-TR" sz="1200" dirty="0"/>
+                        <a:t>Okuma ?</a:t>
+                      </a:r>
+                      <a:endParaRPr lang="en-US" sz="1200" dirty="0"/>
+                    </a:p>
+                  </a:txBody>
+                  <a:tcPr anchor="ctr">
+                    <a:lnL>
+                      <a:noFill/>
+                    </a:lnL>
+                    <a:lnR>
+                      <a:noFill/>
+                    </a:lnR>
+                    <a:lnT>
+                      <a:noFill/>
+                    </a:lnT>
+                    <a:lnB>
+                      <a:noFill/>
+                    </a:lnB>
+                    <a:noFill/>
+                  </a:tcPr>
+                </a:tc>
+                <a:extLst>
+                  <a:ext uri="{0D108BD9-81ED-4DB2-BD59-A6C34878D82A}">
+                    <a16:rowId xmlns:a16="http://schemas.microsoft.com/office/drawing/2014/main" val="2710432470"/>
+                  </a:ext>
+                </a:extLst>
+              </a:tr>
+              <a:tr h="226160">
+                <a:tc>
+                  <a:txBody>
+                    <a:bodyPr/>
+                    <a:lstStyle/>
+                    <a:p>
+                      <a:pPr algn="just">
+                        <a:buNone/>
+                      </a:pPr>
+                      <a:r>
+                        <a:rPr lang="tr-TR" sz="1200" b="1"/>
+                        <a:t>Java</a:t>
+                      </a:r>
+                      <a:endParaRPr lang="tr-TR" sz="1200"/>
+                    </a:p>
+                  </a:txBody>
+                  <a:tcPr anchor="ctr">
+                    <a:lnL>
+                      <a:noFill/>
+                    </a:lnL>
+                    <a:lnR>
+                      <a:noFill/>
+                    </a:lnR>
+                    <a:lnT>
+                      <a:noFill/>
+                    </a:lnT>
+                    <a:lnB>
+                      <a:noFill/>
+                    </a:lnB>
+                    <a:noFill/>
+                  </a:tcPr>
+                </a:tc>
+                <a:tc>
+                  <a:txBody>
+                    <a:bodyPr/>
+                    <a:lstStyle/>
+                    <a:p>
+                      <a:pPr>
+                        <a:buNone/>
+                      </a:pPr>
+                      <a:r>
+                        <a:rPr lang="tr-TR" sz="1200" dirty="0"/>
+                        <a:t>-</a:t>
+                      </a:r>
+                    </a:p>
+                  </a:txBody>
+                  <a:tcPr anchor="ctr">
+                    <a:lnL>
+                      <a:noFill/>
+                    </a:lnL>
+                    <a:lnR>
+                      <a:noFill/>
+                    </a:lnR>
+                    <a:lnT>
+                      <a:noFill/>
+                    </a:lnT>
+                    <a:lnB>
+                      <a:noFill/>
+                    </a:lnB>
+                    <a:noFill/>
+                  </a:tcPr>
+                </a:tc>
+                <a:extLst>
+                  <a:ext uri="{0D108BD9-81ED-4DB2-BD59-A6C34878D82A}">
+                    <a16:rowId xmlns:a16="http://schemas.microsoft.com/office/drawing/2014/main" val="3091184771"/>
+                  </a:ext>
+                </a:extLst>
+              </a:tr>
+              <a:tr h="226160">
+                <a:tc>
+                  <a:txBody>
+                    <a:bodyPr/>
+                    <a:lstStyle/>
+                    <a:p>
+                      <a:pPr algn="just">
+                        <a:buNone/>
+                      </a:pPr>
+                      <a:r>
+                        <a:rPr lang="tr-TR" sz="1200" b="1" dirty="0" err="1"/>
+                        <a:t>Caffeine</a:t>
+                      </a:r>
+                      <a:endParaRPr lang="tr-TR" sz="1200" dirty="0"/>
+                    </a:p>
+                  </a:txBody>
+                  <a:tcPr anchor="ctr">
+                    <a:lnL>
+                      <a:noFill/>
+                    </a:lnL>
+                    <a:lnR>
+                      <a:noFill/>
+                    </a:lnR>
+                    <a:lnT>
+                      <a:noFill/>
+                    </a:lnT>
+                    <a:lnB>
+                      <a:noFill/>
+                    </a:lnB>
+                    <a:noFill/>
+                  </a:tcPr>
+                </a:tc>
+                <a:tc>
+                  <a:txBody>
+                    <a:bodyPr/>
+                    <a:lstStyle/>
+                    <a:p>
+                      <a:pPr>
+                        <a:buNone/>
+                      </a:pPr>
+                      <a:r>
+                        <a:rPr lang="tr-TR" sz="1200" dirty="0"/>
+                        <a:t>-</a:t>
+                      </a:r>
+                    </a:p>
+                  </a:txBody>
+                  <a:tcPr anchor="ctr">
+                    <a:lnL>
+                      <a:noFill/>
+                    </a:lnL>
+                    <a:lnR>
+                      <a:noFill/>
+                    </a:lnR>
+                    <a:lnT>
+                      <a:noFill/>
+                    </a:lnT>
+                    <a:lnB>
+                      <a:noFill/>
+                    </a:lnB>
+                    <a:noFill/>
+                  </a:tcPr>
+                </a:tc>
+                <a:extLst>
+                  <a:ext uri="{0D108BD9-81ED-4DB2-BD59-A6C34878D82A}">
+                    <a16:rowId xmlns:a16="http://schemas.microsoft.com/office/drawing/2014/main" val="1087372341"/>
+                  </a:ext>
+                </a:extLst>
+              </a:tr>
+              <a:tr h="226160">
+                <a:tc>
+                  <a:txBody>
+                    <a:bodyPr/>
+                    <a:lstStyle/>
+                    <a:p>
+                      <a:pPr algn="just">
+                        <a:buNone/>
+                      </a:pPr>
+                      <a:r>
+                        <a:rPr lang="tr-TR" sz="1200" b="1" dirty="0" err="1"/>
+                        <a:t>Redis</a:t>
+                      </a:r>
+                      <a:endParaRPr lang="tr-TR" sz="1200" dirty="0"/>
+                    </a:p>
+                  </a:txBody>
+                  <a:tcPr anchor="ctr">
+                    <a:lnL>
+                      <a:noFill/>
+                    </a:lnL>
+                    <a:lnR>
+                      <a:noFill/>
+                    </a:lnR>
+                    <a:lnT>
+                      <a:noFill/>
+                    </a:lnT>
+                    <a:lnB>
+                      <a:noFill/>
+                    </a:lnB>
+                    <a:noFill/>
+                  </a:tcPr>
+                </a:tc>
+                <a:tc>
+                  <a:txBody>
+                    <a:bodyPr/>
+                    <a:lstStyle/>
+                    <a:p>
+                      <a:pPr>
+                        <a:buNone/>
+                      </a:pPr>
+                      <a:r>
+                        <a:rPr lang="tr-TR" sz="1200" dirty="0"/>
+                        <a:t>-</a:t>
+                      </a:r>
+                    </a:p>
+                  </a:txBody>
+                  <a:tcPr anchor="ctr">
+                    <a:lnL>
+                      <a:noFill/>
+                    </a:lnL>
+                    <a:lnR>
+                      <a:noFill/>
+                    </a:lnR>
+                    <a:lnT>
+                      <a:noFill/>
+                    </a:lnT>
+                    <a:lnB>
+                      <a:noFill/>
+                    </a:lnB>
+                    <a:noFill/>
+                  </a:tcPr>
+                </a:tc>
+                <a:extLst>
+                  <a:ext uri="{0D108BD9-81ED-4DB2-BD59-A6C34878D82A}">
+                    <a16:rowId xmlns:a16="http://schemas.microsoft.com/office/drawing/2014/main" val="2568250087"/>
+                  </a:ext>
+                </a:extLst>
+              </a:tr>
+            </a:tbl>
+          </a:graphicData>
+        </a:graphic>
+      </p:graphicFrame>
+      <p:graphicFrame>
+        <p:nvGraphicFramePr>
+          <p:cNvPr id="6" name="Tablo 5">
+            <a:extLst>
+              <a:ext uri="{FF2B5EF4-FFF2-40B4-BE49-F238E27FC236}">
+                <a16:creationId xmlns:a16="http://schemas.microsoft.com/office/drawing/2014/main" id="{FC4C0178-2FC7-BA4A-BBE7-A76D27D2528C}"/>
+              </a:ext>
+            </a:extLst>
+          </p:cNvPr>
+          <p:cNvGraphicFramePr>
+            <a:graphicFrameLocks noGrp="1"/>
+          </p:cNvGraphicFramePr>
+          <p:nvPr>
+            <p:extLst>
+              <p:ext uri="{D42A27DB-BD31-4B8C-83A1-F6EECF244321}">
+                <p14:modId xmlns:p14="http://schemas.microsoft.com/office/powerpoint/2010/main" val="1943640793"/>
+              </p:ext>
+            </p:extLst>
+          </p:nvPr>
+        </p:nvGraphicFramePr>
+        <p:xfrm>
+          <a:off x="190500" y="3429000"/>
+          <a:ext cx="7600952" cy="1271969"/>
+        </p:xfrm>
+        <a:graphic>
+          <a:graphicData uri="http://schemas.openxmlformats.org/drawingml/2006/table">
+            <a:tbl>
+              <a:tblPr/>
+              <a:tblGrid>
+                <a:gridCol w="1900238">
+                  <a:extLst>
+                    <a:ext uri="{9D8B030D-6E8A-4147-A177-3AD203B41FA5}">
+                      <a16:colId xmlns:a16="http://schemas.microsoft.com/office/drawing/2014/main" val="2026120601"/>
+                    </a:ext>
+                  </a:extLst>
+                </a:gridCol>
+                <a:gridCol w="1900238">
+                  <a:extLst>
+                    <a:ext uri="{9D8B030D-6E8A-4147-A177-3AD203B41FA5}">
+                      <a16:colId xmlns:a16="http://schemas.microsoft.com/office/drawing/2014/main" val="2392881392"/>
+                    </a:ext>
+                  </a:extLst>
+                </a:gridCol>
+                <a:gridCol w="1900238">
+                  <a:extLst>
+                    <a:ext uri="{9D8B030D-6E8A-4147-A177-3AD203B41FA5}">
+                      <a16:colId xmlns:a16="http://schemas.microsoft.com/office/drawing/2014/main" val="2899523954"/>
+                    </a:ext>
+                  </a:extLst>
+                </a:gridCol>
+                <a:gridCol w="1900238">
+                  <a:extLst>
+                    <a:ext uri="{9D8B030D-6E8A-4147-A177-3AD203B41FA5}">
+                      <a16:colId xmlns:a16="http://schemas.microsoft.com/office/drawing/2014/main" val="3755443165"/>
+                    </a:ext>
+                  </a:extLst>
+                </a:gridCol>
+              </a:tblGrid>
+              <a:tr h="449009">
+                <a:tc>
+                  <a:txBody>
+                    <a:bodyPr/>
+                    <a:lstStyle/>
+                    <a:p>
+                      <a:pPr>
+                        <a:buNone/>
+                      </a:pPr>
+                      <a:r>
+                        <a:rPr lang="tr-TR" sz="1200"/>
+                        <a:t>Profil</a:t>
+                      </a:r>
+                    </a:p>
+                  </a:txBody>
+                  <a:tcPr anchor="ctr">
+                    <a:lnL>
+                      <a:noFill/>
+                    </a:lnL>
+                    <a:lnR>
+                      <a:noFill/>
+                    </a:lnR>
+                    <a:lnT>
+                      <a:noFill/>
+                    </a:lnT>
+                    <a:lnB>
+                      <a:noFill/>
+                    </a:lnB>
+                    <a:noFill/>
+                  </a:tcPr>
+                </a:tc>
+                <a:tc>
+                  <a:txBody>
+                    <a:bodyPr/>
+                    <a:lstStyle/>
+                    <a:p>
+                      <a:pPr>
+                        <a:buNone/>
+                      </a:pPr>
+                      <a:r>
+                        <a:rPr lang="tr-TR" sz="1200" dirty="0"/>
+                        <a:t>P99 ortalama</a:t>
+                      </a:r>
+                    </a:p>
+                  </a:txBody>
+                  <a:tcPr anchor="ctr">
+                    <a:lnL>
+                      <a:noFill/>
+                    </a:lnL>
+                    <a:lnR>
+                      <a:noFill/>
+                    </a:lnR>
+                    <a:lnT>
+                      <a:noFill/>
+                    </a:lnT>
+                    <a:lnB>
+                      <a:noFill/>
+                    </a:lnB>
+                    <a:noFill/>
+                  </a:tcPr>
+                </a:tc>
+                <a:tc>
+                  <a:txBody>
+                    <a:bodyPr/>
+                    <a:lstStyle/>
+                    <a:p>
+                      <a:pPr>
+                        <a:buNone/>
+                      </a:pPr>
+                      <a:r>
+                        <a:rPr lang="tr-TR" sz="1200" dirty="0"/>
+                        <a:t>P95 ortalama</a:t>
+                      </a:r>
+                    </a:p>
+                  </a:txBody>
+                  <a:tcPr anchor="ctr">
+                    <a:lnL>
+                      <a:noFill/>
+                    </a:lnL>
+                    <a:lnR>
+                      <a:noFill/>
+                    </a:lnR>
+                    <a:lnT>
+                      <a:noFill/>
+                    </a:lnT>
+                    <a:lnB>
+                      <a:noFill/>
+                    </a:lnB>
+                    <a:noFill/>
+                  </a:tcPr>
+                </a:tc>
+                <a:tc>
+                  <a:txBody>
+                    <a:bodyPr/>
+                    <a:lstStyle/>
+                    <a:p>
+                      <a:pPr>
+                        <a:buNone/>
+                      </a:pPr>
+                      <a:r>
+                        <a:rPr lang="tr-TR" sz="1200" dirty="0"/>
+                        <a:t>P50 </a:t>
+                      </a:r>
+                      <a:r>
+                        <a:rPr lang="tr-TR" sz="1200" dirty="0" err="1"/>
+                        <a:t>ortlama</a:t>
+                      </a:r>
+                      <a:endParaRPr lang="en-US" sz="1200" dirty="0"/>
+                    </a:p>
+                  </a:txBody>
+                  <a:tcPr anchor="ctr">
+                    <a:lnL>
+                      <a:noFill/>
+                    </a:lnL>
+                    <a:lnR>
+                      <a:noFill/>
+                    </a:lnR>
+                    <a:lnT>
+                      <a:noFill/>
+                    </a:lnT>
+                    <a:lnB>
+                      <a:noFill/>
+                    </a:lnB>
+                    <a:noFill/>
+                  </a:tcPr>
+                </a:tc>
+                <a:extLst>
+                  <a:ext uri="{0D108BD9-81ED-4DB2-BD59-A6C34878D82A}">
+                    <a16:rowId xmlns:a16="http://schemas.microsoft.com/office/drawing/2014/main" val="2134454279"/>
+                  </a:ext>
+                </a:extLst>
+              </a:tr>
+              <a:tr h="256577">
+                <a:tc>
+                  <a:txBody>
+                    <a:bodyPr/>
+                    <a:lstStyle/>
+                    <a:p>
+                      <a:pPr>
+                        <a:buNone/>
+                      </a:pPr>
+                      <a:r>
+                        <a:rPr lang="tr-TR" sz="1200" b="1" dirty="0"/>
+                        <a:t>Java</a:t>
+                      </a:r>
+                      <a:endParaRPr lang="tr-TR" sz="1200" dirty="0"/>
+                    </a:p>
+                  </a:txBody>
+                  <a:tcPr anchor="ctr">
+                    <a:lnL>
+                      <a:noFill/>
+                    </a:lnL>
+                    <a:lnR>
+                      <a:noFill/>
+                    </a:lnR>
+                    <a:lnT>
+                      <a:noFill/>
+                    </a:lnT>
+                    <a:lnB>
+                      <a:noFill/>
+                    </a:lnB>
+                    <a:noFill/>
+                  </a:tcPr>
+                </a:tc>
+                <a:tc>
+                  <a:txBody>
+                    <a:bodyPr/>
+                    <a:lstStyle/>
+                    <a:p>
+                      <a:pPr>
+                        <a:buNone/>
+                      </a:pPr>
+                      <a:r>
+                        <a:rPr lang="tr-TR" sz="1200" dirty="0"/>
+                        <a:t>-</a:t>
+                      </a:r>
+                    </a:p>
+                  </a:txBody>
+                  <a:tcPr anchor="ctr">
+                    <a:lnL>
+                      <a:noFill/>
+                    </a:lnL>
+                    <a:lnR>
+                      <a:noFill/>
+                    </a:lnR>
+                    <a:lnT>
+                      <a:noFill/>
+                    </a:lnT>
+                    <a:lnB>
+                      <a:noFill/>
+                    </a:lnB>
+                    <a:noFill/>
+                  </a:tcPr>
+                </a:tc>
+                <a:tc>
+                  <a:txBody>
+                    <a:bodyPr/>
+                    <a:lstStyle/>
+                    <a:p>
+                      <a:pPr>
+                        <a:buNone/>
+                      </a:pPr>
+                      <a:r>
+                        <a:rPr lang="tr-TR" sz="1200" dirty="0"/>
+                        <a:t>-</a:t>
+                      </a:r>
+                    </a:p>
+                  </a:txBody>
+                  <a:tcPr anchor="ctr">
+                    <a:lnL>
+                      <a:noFill/>
+                    </a:lnL>
+                    <a:lnR>
+                      <a:noFill/>
+                    </a:lnR>
+                    <a:lnT>
+                      <a:noFill/>
+                    </a:lnT>
+                    <a:lnB>
+                      <a:noFill/>
+                    </a:lnB>
+                    <a:noFill/>
+                  </a:tcPr>
+                </a:tc>
+                <a:tc>
+                  <a:txBody>
+                    <a:bodyPr/>
+                    <a:lstStyle/>
+                    <a:p>
+                      <a:pPr>
+                        <a:buNone/>
+                      </a:pPr>
+                      <a:r>
+                        <a:rPr lang="tr-TR" sz="1200" dirty="0"/>
+                        <a:t>-</a:t>
+                      </a:r>
+                    </a:p>
+                  </a:txBody>
+                  <a:tcPr anchor="ctr">
+                    <a:lnL>
+                      <a:noFill/>
+                    </a:lnL>
+                    <a:lnR>
+                      <a:noFill/>
+                    </a:lnR>
+                    <a:lnT>
+                      <a:noFill/>
+                    </a:lnT>
+                    <a:lnB>
+                      <a:noFill/>
+                    </a:lnB>
+                    <a:noFill/>
+                  </a:tcPr>
+                </a:tc>
+                <a:extLst>
+                  <a:ext uri="{0D108BD9-81ED-4DB2-BD59-A6C34878D82A}">
+                    <a16:rowId xmlns:a16="http://schemas.microsoft.com/office/drawing/2014/main" val="179648782"/>
+                  </a:ext>
+                </a:extLst>
+              </a:tr>
+              <a:tr h="256577">
+                <a:tc>
+                  <a:txBody>
+                    <a:bodyPr/>
+                    <a:lstStyle/>
+                    <a:p>
+                      <a:pPr>
+                        <a:buNone/>
+                      </a:pPr>
+                      <a:r>
+                        <a:rPr lang="tr-TR" sz="1200" b="1"/>
+                        <a:t>Caffeine</a:t>
+                      </a:r>
+                      <a:endParaRPr lang="tr-TR" sz="1200"/>
+                    </a:p>
+                  </a:txBody>
+                  <a:tcPr anchor="ctr">
+                    <a:lnL>
+                      <a:noFill/>
+                    </a:lnL>
+                    <a:lnR>
+                      <a:noFill/>
+                    </a:lnR>
+                    <a:lnT>
+                      <a:noFill/>
+                    </a:lnT>
+                    <a:lnB>
+                      <a:noFill/>
+                    </a:lnB>
+                    <a:noFill/>
+                  </a:tcPr>
+                </a:tc>
+                <a:tc>
+                  <a:txBody>
+                    <a:bodyPr/>
+                    <a:lstStyle/>
+                    <a:p>
+                      <a:pPr>
+                        <a:buNone/>
+                      </a:pPr>
+                      <a:r>
+                        <a:rPr lang="tr-TR" sz="1200" dirty="0"/>
+                        <a:t>-</a:t>
+                      </a:r>
+                    </a:p>
+                  </a:txBody>
+                  <a:tcPr anchor="ctr">
+                    <a:lnL>
+                      <a:noFill/>
+                    </a:lnL>
+                    <a:lnR>
+                      <a:noFill/>
+                    </a:lnR>
+                    <a:lnT>
+                      <a:noFill/>
+                    </a:lnT>
+                    <a:lnB>
+                      <a:noFill/>
+                    </a:lnB>
+                    <a:noFill/>
+                  </a:tcPr>
+                </a:tc>
+                <a:tc>
+                  <a:txBody>
+                    <a:bodyPr/>
+                    <a:lstStyle/>
+                    <a:p>
+                      <a:pPr>
+                        <a:buNone/>
+                      </a:pPr>
+                      <a:r>
+                        <a:rPr lang="tr-TR" sz="1200" dirty="0"/>
+                        <a:t>-</a:t>
+                      </a:r>
+                    </a:p>
+                  </a:txBody>
+                  <a:tcPr anchor="ctr">
+                    <a:lnL>
+                      <a:noFill/>
+                    </a:lnL>
+                    <a:lnR>
+                      <a:noFill/>
+                    </a:lnR>
+                    <a:lnT>
+                      <a:noFill/>
+                    </a:lnT>
+                    <a:lnB>
+                      <a:noFill/>
+                    </a:lnB>
+                    <a:noFill/>
+                  </a:tcPr>
+                </a:tc>
+                <a:tc>
+                  <a:txBody>
+                    <a:bodyPr/>
+                    <a:lstStyle/>
+                    <a:p>
+                      <a:pPr>
+                        <a:buNone/>
+                      </a:pPr>
+                      <a:r>
+                        <a:rPr lang="tr-TR" sz="1200" dirty="0"/>
+                        <a:t>-</a:t>
+                      </a:r>
+                    </a:p>
+                  </a:txBody>
+                  <a:tcPr anchor="ctr">
+                    <a:lnL>
+                      <a:noFill/>
+                    </a:lnL>
+                    <a:lnR>
+                      <a:noFill/>
+                    </a:lnR>
+                    <a:lnT>
+                      <a:noFill/>
+                    </a:lnT>
+                    <a:lnB>
+                      <a:noFill/>
+                    </a:lnB>
+                    <a:noFill/>
+                  </a:tcPr>
+                </a:tc>
+                <a:extLst>
+                  <a:ext uri="{0D108BD9-81ED-4DB2-BD59-A6C34878D82A}">
+                    <a16:rowId xmlns:a16="http://schemas.microsoft.com/office/drawing/2014/main" val="2773369064"/>
+                  </a:ext>
+                </a:extLst>
+              </a:tr>
+              <a:tr h="256577">
+                <a:tc>
+                  <a:txBody>
+                    <a:bodyPr/>
+                    <a:lstStyle/>
+                    <a:p>
+                      <a:pPr>
+                        <a:buNone/>
+                      </a:pPr>
+                      <a:r>
+                        <a:rPr lang="tr-TR" sz="1200" b="1"/>
+                        <a:t>Redis</a:t>
+                      </a:r>
+                      <a:endParaRPr lang="tr-TR" sz="1200"/>
+                    </a:p>
+                  </a:txBody>
+                  <a:tcPr anchor="ctr">
+                    <a:lnL>
+                      <a:noFill/>
+                    </a:lnL>
+                    <a:lnR>
+                      <a:noFill/>
+                    </a:lnR>
+                    <a:lnT>
+                      <a:noFill/>
+                    </a:lnT>
+                    <a:lnB>
+                      <a:noFill/>
+                    </a:lnB>
+                    <a:noFill/>
+                  </a:tcPr>
+                </a:tc>
+                <a:tc>
+                  <a:txBody>
+                    <a:bodyPr/>
+                    <a:lstStyle/>
+                    <a:p>
+                      <a:pPr>
+                        <a:buNone/>
+                      </a:pPr>
+                      <a:r>
+                        <a:rPr lang="tr-TR" sz="1200" dirty="0"/>
+                        <a:t>-</a:t>
+                      </a:r>
+                    </a:p>
+                  </a:txBody>
+                  <a:tcPr anchor="ctr">
+                    <a:lnL>
+                      <a:noFill/>
+                    </a:lnL>
+                    <a:lnR>
+                      <a:noFill/>
+                    </a:lnR>
+                    <a:lnT>
+                      <a:noFill/>
+                    </a:lnT>
+                    <a:lnB>
+                      <a:noFill/>
+                    </a:lnB>
+                    <a:noFill/>
+                  </a:tcPr>
+                </a:tc>
+                <a:tc>
+                  <a:txBody>
+                    <a:bodyPr/>
+                    <a:lstStyle/>
+                    <a:p>
+                      <a:pPr>
+                        <a:buNone/>
+                      </a:pPr>
+                      <a:r>
+                        <a:rPr lang="tr-TR" sz="1200" dirty="0"/>
+                        <a:t>-</a:t>
+                      </a:r>
+                    </a:p>
+                  </a:txBody>
+                  <a:tcPr anchor="ctr">
+                    <a:lnL>
+                      <a:noFill/>
+                    </a:lnL>
+                    <a:lnR>
+                      <a:noFill/>
+                    </a:lnR>
+                    <a:lnT>
+                      <a:noFill/>
+                    </a:lnT>
+                    <a:lnB>
+                      <a:noFill/>
+                    </a:lnB>
+                    <a:noFill/>
+                  </a:tcPr>
+                </a:tc>
+                <a:tc>
+                  <a:txBody>
+                    <a:bodyPr/>
+                    <a:lstStyle/>
+                    <a:p>
+                      <a:pPr>
+                        <a:buNone/>
+                      </a:pPr>
+                      <a:r>
+                        <a:rPr lang="tr-TR" sz="1200" dirty="0"/>
+                        <a:t>-</a:t>
+                      </a:r>
+                    </a:p>
+                  </a:txBody>
+                  <a:tcPr anchor="ctr">
+                    <a:lnL>
+                      <a:noFill/>
+                    </a:lnL>
+                    <a:lnR>
+                      <a:noFill/>
+                    </a:lnR>
+                    <a:lnT>
+                      <a:noFill/>
+                    </a:lnT>
+                    <a:lnB>
+                      <a:noFill/>
+                    </a:lnB>
+                    <a:noFill/>
+                  </a:tcPr>
+                </a:tc>
+                <a:extLst>
+                  <a:ext uri="{0D108BD9-81ED-4DB2-BD59-A6C34878D82A}">
+                    <a16:rowId xmlns:a16="http://schemas.microsoft.com/office/drawing/2014/main" val="3654405554"/>
+                  </a:ext>
+                </a:extLst>
+              </a:tr>
+            </a:tbl>
+          </a:graphicData>
+        </a:graphic>
+      </p:graphicFrame>
+    </p:spTree>
+    <p:extLst>
+      <p:ext uri="{BB962C8B-B14F-4D97-AF65-F5344CB8AC3E}">
+        <p14:creationId xmlns:p14="http://schemas.microsoft.com/office/powerpoint/2010/main" val="2886975442"/>
+      </p:ext>
+    </p:extLst>
+  </p:cSld>
+  <p:clrMapOvr>
+    <a:masterClrMapping/>
+  </p:clrMapOvr>
+  <p:transition advClick="0"/>
+</p:sld>
+</file>
+
+<file path=ppt/slides/slide35.xml><?xml version="1.0" encoding="utf-8"?>
+<p:sld xmlns:a="http://schemas.openxmlformats.org/drawingml/2006/main" xmlns:r="http://schemas.openxmlformats.org/officeDocument/2006/relationships" xmlns:p="http://schemas.openxmlformats.org/presentationml/2006/main">
+  <p:cSld>
+    <p:spTree>
+      <p:nvGrpSpPr>
+        <p:cNvPr id="1" name="">
+          <a:extLst>
+            <a:ext uri="{FF2B5EF4-FFF2-40B4-BE49-F238E27FC236}">
+              <a16:creationId xmlns:a16="http://schemas.microsoft.com/office/drawing/2014/main" id="{822A02FD-1EC1-67F1-9DBC-BE2E8DF296FC}"/>
+            </a:ext>
+          </a:extLst>
+        </p:cNvPr>
+        <p:cNvGrpSpPr/>
+        <p:nvPr/>
+      </p:nvGrpSpPr>
+      <p:grpSpPr>
+        <a:xfrm>
+          <a:off x="0" y="0"/>
+          <a:ext cx="0" cy="0"/>
+          <a:chOff x="0" y="0"/>
+          <a:chExt cx="0" cy="0"/>
+        </a:xfrm>
+      </p:grpSpPr>
+      <p:sp>
+        <p:nvSpPr>
+          <p:cNvPr id="2" name="Rectangle 1">
+            <a:extLst>
+              <a:ext uri="{FF2B5EF4-FFF2-40B4-BE49-F238E27FC236}">
+                <a16:creationId xmlns:a16="http://schemas.microsoft.com/office/drawing/2014/main" id="{C528D82E-C512-2038-51FD-D23A65B10E22}"/>
+              </a:ext>
+            </a:extLst>
+          </p:cNvPr>
+          <p:cNvSpPr/>
+          <p:nvPr/>
+        </p:nvSpPr>
+        <p:spPr>
+          <a:xfrm>
+            <a:off x="761873" y="511112"/>
+            <a:ext cx="825867" cy="369332"/>
+          </a:xfrm>
+          <a:prstGeom prst="rect">
+            <a:avLst/>
+          </a:prstGeom>
+        </p:spPr>
+        <p:txBody>
+          <a:bodyPr wrap="none">
+            <a:spAutoFit/>
+          </a:bodyPr>
+          <a:lstStyle/>
+          <a:p>
+            <a:pPr algn="ctr"/>
+            <a:r>
+              <a:rPr lang="tr-TR" b="1" dirty="0">
+                <a:ln w="10160">
+                  <a:solidFill>
+                    <a:schemeClr val="accent5"/>
+                  </a:solidFill>
+                  <a:prstDash val="solid"/>
+                </a:ln>
+                <a:solidFill>
+                  <a:srgbClr val="FFFFFF"/>
+                </a:solidFill>
+                <a:effectLst>
+                  <a:outerShdw blurRad="38100" dist="22860" dir="5400000" algn="tl" rotWithShape="0">
+                    <a:srgbClr val="000000">
+                      <a:alpha val="30000"/>
+                    </a:srgbClr>
+                  </a:outerShdw>
+                </a:effectLst>
+              </a:rPr>
+              <a:t>Demo</a:t>
+            </a:r>
+            <a:endParaRPr lang="en-US" b="1" dirty="0">
+              <a:ln w="10160">
+                <a:solidFill>
+                  <a:schemeClr val="accent5"/>
+                </a:solidFill>
+                <a:prstDash val="solid"/>
+              </a:ln>
+              <a:solidFill>
+                <a:srgbClr val="FFFFFF"/>
+              </a:solidFill>
+              <a:effectLst>
+                <a:outerShdw blurRad="38100" dist="22860" dir="5400000" algn="tl" rotWithShape="0">
+                  <a:srgbClr val="000000">
+                    <a:alpha val="30000"/>
+                  </a:srgbClr>
+                </a:outerShdw>
+              </a:effectLst>
+            </a:endParaRPr>
+          </a:p>
+        </p:txBody>
+      </p:sp>
+      <p:sp>
+        <p:nvSpPr>
+          <p:cNvPr id="4" name="Metin kutusu 3">
+            <a:extLst>
+              <a:ext uri="{FF2B5EF4-FFF2-40B4-BE49-F238E27FC236}">
+                <a16:creationId xmlns:a16="http://schemas.microsoft.com/office/drawing/2014/main" id="{DEDB6EBD-A9EA-4059-6922-8C04B5380659}"/>
+              </a:ext>
+            </a:extLst>
+          </p:cNvPr>
+          <p:cNvSpPr txBox="1"/>
+          <p:nvPr/>
+        </p:nvSpPr>
+        <p:spPr>
+          <a:xfrm>
+            <a:off x="190500" y="880444"/>
+            <a:ext cx="7437120" cy="664284"/>
+          </a:xfrm>
+          <a:prstGeom prst="rect">
+            <a:avLst/>
+          </a:prstGeom>
+          <a:noFill/>
+        </p:spPr>
+        <p:txBody>
+          <a:bodyPr wrap="square">
+            <a:spAutoFit/>
+          </a:bodyPr>
+          <a:lstStyle/>
+          <a:p>
+            <a:pPr>
+              <a:lnSpc>
+                <a:spcPct val="250000"/>
+              </a:lnSpc>
+            </a:pPr>
+            <a:r>
+              <a:rPr lang="tr-TR" dirty="0"/>
+              <a:t>2k </a:t>
+            </a:r>
+            <a:r>
+              <a:rPr lang="tr-TR" dirty="0" err="1"/>
+              <a:t>ops</a:t>
+            </a:r>
+            <a:r>
+              <a:rPr lang="tr-TR" dirty="0"/>
+              <a:t>/s Yazma ve 10k </a:t>
+            </a:r>
+            <a:r>
+              <a:rPr lang="tr-TR" dirty="0" err="1"/>
+              <a:t>ops</a:t>
+            </a:r>
+            <a:r>
+              <a:rPr lang="tr-TR" dirty="0"/>
+              <a:t>/s Okuma isteğin İşlenebilirliği: </a:t>
+            </a:r>
+            <a:r>
+              <a:rPr lang="tr-TR" b="1" dirty="0"/>
+              <a:t>JAVA</a:t>
+            </a:r>
+            <a:endParaRPr lang="tr-TR" dirty="0"/>
+          </a:p>
+        </p:txBody>
+      </p:sp>
+      <p:pic>
+        <p:nvPicPr>
+          <p:cNvPr id="6" name="Resim 5" descr="ekran görüntüsü, metin, grafik yazılımı içeren bir resim&#10;&#10;Yapay zeka tarafından oluşturulmuş içerik yanlış olabilir.">
+            <a:extLst>
+              <a:ext uri="{FF2B5EF4-FFF2-40B4-BE49-F238E27FC236}">
+                <a16:creationId xmlns:a16="http://schemas.microsoft.com/office/drawing/2014/main" id="{7A556E32-F150-73C5-7A06-829B60FA99CB}"/>
+              </a:ext>
+            </a:extLst>
+          </p:cNvPr>
+          <p:cNvPicPr>
+            <a:picLocks noChangeAspect="1"/>
+          </p:cNvPicPr>
+          <p:nvPr/>
+        </p:nvPicPr>
+        <p:blipFill>
+          <a:blip r:embed="rId2">
+            <a:extLst>
+              <a:ext uri="{28A0092B-C50C-407E-A947-70E740481C1C}">
+                <a14:useLocalDpi xmlns:a14="http://schemas.microsoft.com/office/drawing/2010/main" val="0"/>
+              </a:ext>
+            </a:extLst>
+          </a:blip>
+          <a:stretch>
+            <a:fillRect/>
+          </a:stretch>
+        </p:blipFill>
+        <p:spPr>
+          <a:xfrm>
+            <a:off x="0" y="1719599"/>
+            <a:ext cx="9144000" cy="4166517"/>
+          </a:xfrm>
+          <a:prstGeom prst="rect">
+            <a:avLst/>
+          </a:prstGeom>
+        </p:spPr>
+      </p:pic>
+    </p:spTree>
+    <p:extLst>
+      <p:ext uri="{BB962C8B-B14F-4D97-AF65-F5344CB8AC3E}">
+        <p14:creationId xmlns:p14="http://schemas.microsoft.com/office/powerpoint/2010/main" val="3055344764"/>
+      </p:ext>
+    </p:extLst>
+  </p:cSld>
+  <p:clrMapOvr>
+    <a:masterClrMapping/>
+  </p:clrMapOvr>
+  <p:transition advClick="0"/>
+</p:sld>
+</file>
+
+<file path=ppt/slides/slide36.xml><?xml version="1.0" encoding="utf-8"?>
+<p:sld xmlns:a="http://schemas.openxmlformats.org/drawingml/2006/main" xmlns:r="http://schemas.openxmlformats.org/officeDocument/2006/relationships" xmlns:p="http://schemas.openxmlformats.org/presentationml/2006/main">
+  <p:cSld>
+    <p:spTree>
+      <p:nvGrpSpPr>
+        <p:cNvPr id="1" name="">
+          <a:extLst>
+            <a:ext uri="{FF2B5EF4-FFF2-40B4-BE49-F238E27FC236}">
+              <a16:creationId xmlns:a16="http://schemas.microsoft.com/office/drawing/2014/main" id="{A6C74539-96E4-6AF8-9373-CB06F2B0DCE2}"/>
+            </a:ext>
+          </a:extLst>
+        </p:cNvPr>
+        <p:cNvGrpSpPr/>
+        <p:nvPr/>
+      </p:nvGrpSpPr>
+      <p:grpSpPr>
+        <a:xfrm>
+          <a:off x="0" y="0"/>
+          <a:ext cx="0" cy="0"/>
+          <a:chOff x="0" y="0"/>
+          <a:chExt cx="0" cy="0"/>
+        </a:xfrm>
+      </p:grpSpPr>
+      <p:sp>
+        <p:nvSpPr>
+          <p:cNvPr id="2" name="Rectangle 1">
+            <a:extLst>
+              <a:ext uri="{FF2B5EF4-FFF2-40B4-BE49-F238E27FC236}">
+                <a16:creationId xmlns:a16="http://schemas.microsoft.com/office/drawing/2014/main" id="{B84D53EF-03F0-88EA-5B9C-A2D544B38496}"/>
+              </a:ext>
+            </a:extLst>
+          </p:cNvPr>
+          <p:cNvSpPr/>
+          <p:nvPr/>
+        </p:nvSpPr>
+        <p:spPr>
+          <a:xfrm>
+            <a:off x="761873" y="511112"/>
+            <a:ext cx="825867" cy="369332"/>
+          </a:xfrm>
+          <a:prstGeom prst="rect">
+            <a:avLst/>
+          </a:prstGeom>
+        </p:spPr>
+        <p:txBody>
+          <a:bodyPr wrap="none">
+            <a:spAutoFit/>
+          </a:bodyPr>
+          <a:lstStyle/>
+          <a:p>
+            <a:pPr algn="ctr"/>
+            <a:r>
+              <a:rPr lang="tr-TR" b="1" dirty="0">
+                <a:ln w="10160">
+                  <a:solidFill>
+                    <a:schemeClr val="accent5"/>
+                  </a:solidFill>
+                  <a:prstDash val="solid"/>
+                </a:ln>
+                <a:solidFill>
+                  <a:srgbClr val="FFFFFF"/>
+                </a:solidFill>
+                <a:effectLst>
+                  <a:outerShdw blurRad="38100" dist="22860" dir="5400000" algn="tl" rotWithShape="0">
+                    <a:srgbClr val="000000">
+                      <a:alpha val="30000"/>
+                    </a:srgbClr>
+                  </a:outerShdw>
+                </a:effectLst>
+              </a:rPr>
+              <a:t>Demo</a:t>
+            </a:r>
+            <a:endParaRPr lang="en-US" b="1" dirty="0">
+              <a:ln w="10160">
+                <a:solidFill>
+                  <a:schemeClr val="accent5"/>
+                </a:solidFill>
+                <a:prstDash val="solid"/>
+              </a:ln>
+              <a:solidFill>
+                <a:srgbClr val="FFFFFF"/>
+              </a:solidFill>
+              <a:effectLst>
+                <a:outerShdw blurRad="38100" dist="22860" dir="5400000" algn="tl" rotWithShape="0">
+                  <a:srgbClr val="000000">
+                    <a:alpha val="30000"/>
+                  </a:srgbClr>
+                </a:outerShdw>
+              </a:effectLst>
+            </a:endParaRPr>
+          </a:p>
+        </p:txBody>
+      </p:sp>
+      <p:sp>
+        <p:nvSpPr>
+          <p:cNvPr id="4" name="Metin kutusu 3">
+            <a:extLst>
+              <a:ext uri="{FF2B5EF4-FFF2-40B4-BE49-F238E27FC236}">
+                <a16:creationId xmlns:a16="http://schemas.microsoft.com/office/drawing/2014/main" id="{5E49B11C-4E99-5016-B0FD-6BEB9E031F43}"/>
+              </a:ext>
+            </a:extLst>
+          </p:cNvPr>
+          <p:cNvSpPr txBox="1"/>
+          <p:nvPr/>
+        </p:nvSpPr>
+        <p:spPr>
+          <a:xfrm>
+            <a:off x="190500" y="880444"/>
+            <a:ext cx="7437120" cy="664284"/>
+          </a:xfrm>
+          <a:prstGeom prst="rect">
+            <a:avLst/>
+          </a:prstGeom>
+          <a:noFill/>
+        </p:spPr>
+        <p:txBody>
+          <a:bodyPr wrap="square">
+            <a:spAutoFit/>
+          </a:bodyPr>
+          <a:lstStyle/>
+          <a:p>
+            <a:pPr>
+              <a:lnSpc>
+                <a:spcPct val="250000"/>
+              </a:lnSpc>
+            </a:pPr>
+            <a:r>
+              <a:rPr lang="tr-TR" dirty="0"/>
+              <a:t>2k </a:t>
+            </a:r>
+            <a:r>
+              <a:rPr lang="tr-TR" dirty="0" err="1"/>
+              <a:t>ops</a:t>
+            </a:r>
+            <a:r>
+              <a:rPr lang="tr-TR" dirty="0"/>
+              <a:t>/s Yazma ve 10k </a:t>
+            </a:r>
+            <a:r>
+              <a:rPr lang="tr-TR" dirty="0" err="1"/>
+              <a:t>ops</a:t>
+            </a:r>
+            <a:r>
+              <a:rPr lang="tr-TR" dirty="0"/>
+              <a:t>/s Okuma isteğin İşlenebilirliği: </a:t>
+            </a:r>
+            <a:r>
+              <a:rPr lang="tr-TR" b="1" dirty="0"/>
+              <a:t>CAFFEINE</a:t>
+            </a:r>
+            <a:endParaRPr lang="tr-TR" dirty="0"/>
+          </a:p>
+        </p:txBody>
+      </p:sp>
+      <p:pic>
+        <p:nvPicPr>
+          <p:cNvPr id="5" name="Resim 4" descr="ekran görüntüsü, multimedya yazılımı, grafik yazılımı, metin içeren bir resim&#10;&#10;Yapay zeka tarafından oluşturulmuş içerik yanlış olabilir.">
+            <a:extLst>
+              <a:ext uri="{FF2B5EF4-FFF2-40B4-BE49-F238E27FC236}">
+                <a16:creationId xmlns:a16="http://schemas.microsoft.com/office/drawing/2014/main" id="{2F1E45C8-3E65-B1D2-B636-D1E6DC0952DA}"/>
+              </a:ext>
+            </a:extLst>
+          </p:cNvPr>
+          <p:cNvPicPr>
+            <a:picLocks noChangeAspect="1"/>
+          </p:cNvPicPr>
+          <p:nvPr/>
+        </p:nvPicPr>
+        <p:blipFill>
+          <a:blip r:embed="rId2">
+            <a:extLst>
+              <a:ext uri="{28A0092B-C50C-407E-A947-70E740481C1C}">
+                <a14:useLocalDpi xmlns:a14="http://schemas.microsoft.com/office/drawing/2010/main" val="0"/>
+              </a:ext>
+            </a:extLst>
+          </a:blip>
+          <a:stretch>
+            <a:fillRect/>
+          </a:stretch>
+        </p:blipFill>
+        <p:spPr>
+          <a:xfrm>
+            <a:off x="0" y="1680897"/>
+            <a:ext cx="9144000" cy="4197246"/>
+          </a:xfrm>
+          <a:prstGeom prst="rect">
+            <a:avLst/>
+          </a:prstGeom>
+        </p:spPr>
+      </p:pic>
+    </p:spTree>
+    <p:extLst>
+      <p:ext uri="{BB962C8B-B14F-4D97-AF65-F5344CB8AC3E}">
+        <p14:creationId xmlns:p14="http://schemas.microsoft.com/office/powerpoint/2010/main" val="3448843998"/>
+      </p:ext>
+    </p:extLst>
+  </p:cSld>
+  <p:clrMapOvr>
+    <a:masterClrMapping/>
+  </p:clrMapOvr>
+  <p:transition advClick="0"/>
+</p:sld>
+</file>
+
+<file path=ppt/slides/slide37.xml><?xml version="1.0" encoding="utf-8"?>
+<p:sld xmlns:a="http://schemas.openxmlformats.org/drawingml/2006/main" xmlns:r="http://schemas.openxmlformats.org/officeDocument/2006/relationships" xmlns:p="http://schemas.openxmlformats.org/presentationml/2006/main">
+  <p:cSld>
+    <p:spTree>
+      <p:nvGrpSpPr>
+        <p:cNvPr id="1" name="">
+          <a:extLst>
+            <a:ext uri="{FF2B5EF4-FFF2-40B4-BE49-F238E27FC236}">
+              <a16:creationId xmlns:a16="http://schemas.microsoft.com/office/drawing/2014/main" id="{A491A34F-E596-447C-1658-0AB17EAD4EB9}"/>
+            </a:ext>
+          </a:extLst>
+        </p:cNvPr>
+        <p:cNvGrpSpPr/>
+        <p:nvPr/>
+      </p:nvGrpSpPr>
+      <p:grpSpPr>
+        <a:xfrm>
+          <a:off x="0" y="0"/>
+          <a:ext cx="0" cy="0"/>
+          <a:chOff x="0" y="0"/>
+          <a:chExt cx="0" cy="0"/>
+        </a:xfrm>
+      </p:grpSpPr>
+      <p:sp>
+        <p:nvSpPr>
+          <p:cNvPr id="2" name="Rectangle 1">
+            <a:extLst>
+              <a:ext uri="{FF2B5EF4-FFF2-40B4-BE49-F238E27FC236}">
+                <a16:creationId xmlns:a16="http://schemas.microsoft.com/office/drawing/2014/main" id="{4272CD98-31C7-C0C0-68A9-0280B6B1AEC3}"/>
+              </a:ext>
+            </a:extLst>
+          </p:cNvPr>
+          <p:cNvSpPr/>
+          <p:nvPr/>
+        </p:nvSpPr>
+        <p:spPr>
+          <a:xfrm>
+            <a:off x="761873" y="511112"/>
+            <a:ext cx="825867" cy="369332"/>
+          </a:xfrm>
+          <a:prstGeom prst="rect">
+            <a:avLst/>
+          </a:prstGeom>
+        </p:spPr>
+        <p:txBody>
+          <a:bodyPr wrap="none">
+            <a:spAutoFit/>
+          </a:bodyPr>
+          <a:lstStyle/>
+          <a:p>
+            <a:pPr algn="ctr"/>
+            <a:r>
+              <a:rPr lang="tr-TR" b="1" dirty="0">
+                <a:ln w="10160">
+                  <a:solidFill>
+                    <a:schemeClr val="accent5"/>
+                  </a:solidFill>
+                  <a:prstDash val="solid"/>
+                </a:ln>
+                <a:solidFill>
+                  <a:srgbClr val="FFFFFF"/>
+                </a:solidFill>
+                <a:effectLst>
+                  <a:outerShdw blurRad="38100" dist="22860" dir="5400000" algn="tl" rotWithShape="0">
+                    <a:srgbClr val="000000">
+                      <a:alpha val="30000"/>
+                    </a:srgbClr>
+                  </a:outerShdw>
+                </a:effectLst>
+              </a:rPr>
+              <a:t>Demo</a:t>
+            </a:r>
+            <a:endParaRPr lang="en-US" b="1" dirty="0">
+              <a:ln w="10160">
+                <a:solidFill>
+                  <a:schemeClr val="accent5"/>
+                </a:solidFill>
+                <a:prstDash val="solid"/>
+              </a:ln>
+              <a:solidFill>
+                <a:srgbClr val="FFFFFF"/>
+              </a:solidFill>
+              <a:effectLst>
+                <a:outerShdw blurRad="38100" dist="22860" dir="5400000" algn="tl" rotWithShape="0">
+                  <a:srgbClr val="000000">
+                    <a:alpha val="30000"/>
+                  </a:srgbClr>
+                </a:outerShdw>
+              </a:effectLst>
+            </a:endParaRPr>
+          </a:p>
+        </p:txBody>
+      </p:sp>
+      <p:sp>
+        <p:nvSpPr>
+          <p:cNvPr id="4" name="Metin kutusu 3">
+            <a:extLst>
+              <a:ext uri="{FF2B5EF4-FFF2-40B4-BE49-F238E27FC236}">
+                <a16:creationId xmlns:a16="http://schemas.microsoft.com/office/drawing/2014/main" id="{D5579FD4-DD86-07D1-A3D2-0194FA28F7D1}"/>
+              </a:ext>
+            </a:extLst>
+          </p:cNvPr>
+          <p:cNvSpPr txBox="1"/>
+          <p:nvPr/>
+        </p:nvSpPr>
+        <p:spPr>
+          <a:xfrm>
+            <a:off x="190500" y="880444"/>
+            <a:ext cx="7437120" cy="664284"/>
+          </a:xfrm>
+          <a:prstGeom prst="rect">
+            <a:avLst/>
+          </a:prstGeom>
+          <a:noFill/>
+        </p:spPr>
+        <p:txBody>
+          <a:bodyPr wrap="square">
+            <a:spAutoFit/>
+          </a:bodyPr>
+          <a:lstStyle/>
+          <a:p>
+            <a:pPr>
+              <a:lnSpc>
+                <a:spcPct val="250000"/>
+              </a:lnSpc>
+            </a:pPr>
+            <a:r>
+              <a:rPr lang="tr-TR" dirty="0"/>
+              <a:t>2k </a:t>
+            </a:r>
+            <a:r>
+              <a:rPr lang="tr-TR" dirty="0" err="1"/>
+              <a:t>ops</a:t>
+            </a:r>
+            <a:r>
+              <a:rPr lang="tr-TR" dirty="0"/>
+              <a:t>/s Yazma ve 10k </a:t>
+            </a:r>
+            <a:r>
+              <a:rPr lang="tr-TR" dirty="0" err="1"/>
+              <a:t>ops</a:t>
+            </a:r>
+            <a:r>
+              <a:rPr lang="tr-TR" dirty="0"/>
+              <a:t>/s Okuma isteğin İşlenebilirliği: </a:t>
+            </a:r>
+            <a:r>
+              <a:rPr lang="tr-TR" b="1" dirty="0"/>
+              <a:t>REDIS</a:t>
+            </a:r>
+            <a:endParaRPr lang="tr-TR" dirty="0"/>
+          </a:p>
+        </p:txBody>
+      </p:sp>
+      <p:pic>
+        <p:nvPicPr>
+          <p:cNvPr id="7" name="Resim 6" descr="ekran görüntüsü, grafik yazılımı, 3B modelleme, multimedya yazılımı içeren bir resim&#10;&#10;Yapay zeka tarafından oluşturulmuş içerik yanlış olabilir.">
+            <a:extLst>
+              <a:ext uri="{FF2B5EF4-FFF2-40B4-BE49-F238E27FC236}">
+                <a16:creationId xmlns:a16="http://schemas.microsoft.com/office/drawing/2014/main" id="{271EB5CB-611F-D049-DB98-0AB6941B484C}"/>
+              </a:ext>
+            </a:extLst>
+          </p:cNvPr>
+          <p:cNvPicPr>
+            <a:picLocks noChangeAspect="1"/>
+          </p:cNvPicPr>
+          <p:nvPr/>
+        </p:nvPicPr>
+        <p:blipFill>
+          <a:blip r:embed="rId2">
+            <a:extLst>
+              <a:ext uri="{28A0092B-C50C-407E-A947-70E740481C1C}">
+                <a14:useLocalDpi xmlns:a14="http://schemas.microsoft.com/office/drawing/2010/main" val="0"/>
+              </a:ext>
+            </a:extLst>
+          </a:blip>
+          <a:stretch>
+            <a:fillRect/>
+          </a:stretch>
+        </p:blipFill>
+        <p:spPr>
+          <a:xfrm>
+            <a:off x="0" y="1660506"/>
+            <a:ext cx="9144000" cy="4177068"/>
+          </a:xfrm>
+          <a:prstGeom prst="rect">
+            <a:avLst/>
+          </a:prstGeom>
+        </p:spPr>
+      </p:pic>
+    </p:spTree>
+    <p:extLst>
+      <p:ext uri="{BB962C8B-B14F-4D97-AF65-F5344CB8AC3E}">
+        <p14:creationId xmlns:p14="http://schemas.microsoft.com/office/powerpoint/2010/main" val="370888355"/>
+      </p:ext>
+    </p:extLst>
+  </p:cSld>
+  <p:clrMapOvr>
+    <a:masterClrMapping/>
+  </p:clrMapOvr>
+  <p:transition advClick="0"/>
+</p:sld>
+</file>
+
+<file path=ppt/slides/slide38.xml><?xml version="1.0" encoding="utf-8"?>
+<p:sld xmlns:a="http://schemas.openxmlformats.org/drawingml/2006/main" xmlns:r="http://schemas.openxmlformats.org/officeDocument/2006/relationships" xmlns:p="http://schemas.openxmlformats.org/presentationml/2006/main">
+  <p:cSld>
+    <p:spTree>
+      <p:nvGrpSpPr>
+        <p:cNvPr id="1" name="">
+          <a:extLst>
+            <a:ext uri="{FF2B5EF4-FFF2-40B4-BE49-F238E27FC236}">
+              <a16:creationId xmlns:a16="http://schemas.microsoft.com/office/drawing/2014/main" id="{062061B5-239B-6A70-4028-AC29683A9B5F}"/>
+            </a:ext>
+          </a:extLst>
+        </p:cNvPr>
+        <p:cNvGrpSpPr/>
+        <p:nvPr/>
+      </p:nvGrpSpPr>
+      <p:grpSpPr>
+        <a:xfrm>
+          <a:off x="0" y="0"/>
+          <a:ext cx="0" cy="0"/>
+          <a:chOff x="0" y="0"/>
+          <a:chExt cx="0" cy="0"/>
+        </a:xfrm>
+      </p:grpSpPr>
+      <p:sp>
+        <p:nvSpPr>
+          <p:cNvPr id="2" name="Rectangle 1">
+            <a:extLst>
+              <a:ext uri="{FF2B5EF4-FFF2-40B4-BE49-F238E27FC236}">
+                <a16:creationId xmlns:a16="http://schemas.microsoft.com/office/drawing/2014/main" id="{9C950A19-E48D-338D-0834-C4A048465450}"/>
+              </a:ext>
+            </a:extLst>
+          </p:cNvPr>
+          <p:cNvSpPr/>
+          <p:nvPr/>
+        </p:nvSpPr>
+        <p:spPr>
+          <a:xfrm>
+            <a:off x="761873" y="511112"/>
+            <a:ext cx="825867" cy="369332"/>
+          </a:xfrm>
+          <a:prstGeom prst="rect">
+            <a:avLst/>
+          </a:prstGeom>
+        </p:spPr>
+        <p:txBody>
+          <a:bodyPr wrap="none">
+            <a:spAutoFit/>
+          </a:bodyPr>
+          <a:lstStyle/>
+          <a:p>
+            <a:pPr algn="ctr"/>
+            <a:r>
+              <a:rPr lang="tr-TR" b="1" dirty="0">
+                <a:ln w="10160">
+                  <a:solidFill>
+                    <a:schemeClr val="accent5"/>
+                  </a:solidFill>
+                  <a:prstDash val="solid"/>
+                </a:ln>
+                <a:solidFill>
+                  <a:srgbClr val="FFFFFF"/>
+                </a:solidFill>
+                <a:effectLst>
+                  <a:outerShdw blurRad="38100" dist="22860" dir="5400000" algn="tl" rotWithShape="0">
+                    <a:srgbClr val="000000">
+                      <a:alpha val="30000"/>
+                    </a:srgbClr>
+                  </a:outerShdw>
+                </a:effectLst>
+              </a:rPr>
+              <a:t>Demo</a:t>
+            </a:r>
+            <a:endParaRPr lang="en-US" b="1" dirty="0">
+              <a:ln w="10160">
+                <a:solidFill>
+                  <a:schemeClr val="accent5"/>
+                </a:solidFill>
+                <a:prstDash val="solid"/>
+              </a:ln>
+              <a:solidFill>
+                <a:srgbClr val="FFFFFF"/>
+              </a:solidFill>
+              <a:effectLst>
+                <a:outerShdw blurRad="38100" dist="22860" dir="5400000" algn="tl" rotWithShape="0">
+                  <a:srgbClr val="000000">
+                    <a:alpha val="30000"/>
+                  </a:srgbClr>
+                </a:outerShdw>
+              </a:effectLst>
+            </a:endParaRPr>
+          </a:p>
+        </p:txBody>
+      </p:sp>
+      <p:sp>
+        <p:nvSpPr>
+          <p:cNvPr id="4" name="Metin kutusu 3">
+            <a:extLst>
+              <a:ext uri="{FF2B5EF4-FFF2-40B4-BE49-F238E27FC236}">
+                <a16:creationId xmlns:a16="http://schemas.microsoft.com/office/drawing/2014/main" id="{652879D5-1D56-9AF7-3F46-9C8C26D1E5C2}"/>
+              </a:ext>
+            </a:extLst>
+          </p:cNvPr>
+          <p:cNvSpPr txBox="1"/>
+          <p:nvPr/>
+        </p:nvSpPr>
+        <p:spPr>
+          <a:xfrm>
+            <a:off x="190500" y="880444"/>
+            <a:ext cx="7437120" cy="664284"/>
+          </a:xfrm>
+          <a:prstGeom prst="rect">
+            <a:avLst/>
+          </a:prstGeom>
+          <a:noFill/>
+        </p:spPr>
+        <p:txBody>
+          <a:bodyPr wrap="square">
+            <a:spAutoFit/>
+          </a:bodyPr>
+          <a:lstStyle/>
+          <a:p>
+            <a:pPr>
+              <a:lnSpc>
+                <a:spcPct val="250000"/>
+              </a:lnSpc>
+            </a:pPr>
+            <a:r>
+              <a:rPr lang="tr-TR" dirty="0"/>
+              <a:t>2k </a:t>
+            </a:r>
+            <a:r>
+              <a:rPr lang="tr-TR" dirty="0" err="1"/>
+              <a:t>ops</a:t>
+            </a:r>
+            <a:r>
+              <a:rPr lang="tr-TR" dirty="0"/>
+              <a:t>/s Yazma ve 10k </a:t>
+            </a:r>
+            <a:r>
+              <a:rPr lang="tr-TR" dirty="0" err="1"/>
+              <a:t>ops</a:t>
+            </a:r>
+            <a:r>
+              <a:rPr lang="tr-TR" dirty="0"/>
+              <a:t>/s Okuma isteğin İşlenebilirliği:</a:t>
+            </a:r>
+          </a:p>
+        </p:txBody>
+      </p:sp>
+      <p:graphicFrame>
+        <p:nvGraphicFramePr>
+          <p:cNvPr id="3" name="Tablo 2">
+            <a:extLst>
+              <a:ext uri="{FF2B5EF4-FFF2-40B4-BE49-F238E27FC236}">
+                <a16:creationId xmlns:a16="http://schemas.microsoft.com/office/drawing/2014/main" id="{B43D985C-44C0-C4F6-0F2E-E2FAD2DFA428}"/>
+              </a:ext>
+            </a:extLst>
+          </p:cNvPr>
+          <p:cNvGraphicFramePr>
+            <a:graphicFrameLocks noGrp="1"/>
+          </p:cNvGraphicFramePr>
+          <p:nvPr>
+            <p:extLst>
+              <p:ext uri="{D42A27DB-BD31-4B8C-83A1-F6EECF244321}">
+                <p14:modId xmlns:p14="http://schemas.microsoft.com/office/powerpoint/2010/main" val="1915186631"/>
+              </p:ext>
+            </p:extLst>
+          </p:nvPr>
+        </p:nvGraphicFramePr>
+        <p:xfrm>
+          <a:off x="190500" y="1914060"/>
+          <a:ext cx="6984999" cy="1218740"/>
+        </p:xfrm>
+        <a:graphic>
+          <a:graphicData uri="http://schemas.openxmlformats.org/drawingml/2006/table">
+            <a:tbl>
+              <a:tblPr/>
+              <a:tblGrid>
+                <a:gridCol w="2328333">
+                  <a:extLst>
+                    <a:ext uri="{9D8B030D-6E8A-4147-A177-3AD203B41FA5}">
+                      <a16:colId xmlns:a16="http://schemas.microsoft.com/office/drawing/2014/main" val="4248772711"/>
+                    </a:ext>
+                  </a:extLst>
+                </a:gridCol>
+                <a:gridCol w="2328333">
+                  <a:extLst>
+                    <a:ext uri="{9D8B030D-6E8A-4147-A177-3AD203B41FA5}">
+                      <a16:colId xmlns:a16="http://schemas.microsoft.com/office/drawing/2014/main" val="1036336271"/>
+                    </a:ext>
+                  </a:extLst>
+                </a:gridCol>
+                <a:gridCol w="2328333">
+                  <a:extLst>
+                    <a:ext uri="{9D8B030D-6E8A-4147-A177-3AD203B41FA5}">
+                      <a16:colId xmlns:a16="http://schemas.microsoft.com/office/drawing/2014/main" val="4007848781"/>
+                    </a:ext>
+                  </a:extLst>
+                </a:gridCol>
+              </a:tblGrid>
+              <a:tr h="395780">
+                <a:tc>
+                  <a:txBody>
+                    <a:bodyPr/>
+                    <a:lstStyle/>
+                    <a:p>
+                      <a:pPr algn="just">
+                        <a:buNone/>
+                      </a:pPr>
+                      <a:r>
+                        <a:rPr lang="tr-TR" sz="1200"/>
+                        <a:t>Profil</a:t>
+                      </a:r>
+                    </a:p>
+                  </a:txBody>
+                  <a:tcPr anchor="ctr">
+                    <a:lnL>
+                      <a:noFill/>
+                    </a:lnL>
+                    <a:lnR>
+                      <a:noFill/>
+                    </a:lnR>
+                    <a:lnT>
+                      <a:noFill/>
+                    </a:lnT>
+                    <a:lnB>
+                      <a:noFill/>
+                    </a:lnB>
+                    <a:noFill/>
+                  </a:tcPr>
+                </a:tc>
+                <a:tc>
+                  <a:txBody>
+                    <a:bodyPr/>
+                    <a:lstStyle/>
+                    <a:p>
+                      <a:pPr>
+                        <a:buNone/>
+                      </a:pPr>
+                      <a:r>
+                        <a:rPr lang="tr-TR" sz="1200" dirty="0"/>
+                        <a:t>2k Yazma Verimlilik ?</a:t>
+                      </a:r>
+                      <a:endParaRPr lang="en-US" sz="1200" dirty="0"/>
+                    </a:p>
+                  </a:txBody>
+                  <a:tcPr anchor="ctr">
+                    <a:lnL>
+                      <a:noFill/>
+                    </a:lnL>
+                    <a:lnR>
+                      <a:noFill/>
+                    </a:lnR>
+                    <a:lnT>
+                      <a:noFill/>
+                    </a:lnT>
+                    <a:lnB>
+                      <a:noFill/>
+                    </a:lnB>
+                    <a:noFill/>
+                  </a:tcPr>
+                </a:tc>
+                <a:tc>
+                  <a:txBody>
+                    <a:bodyPr/>
+                    <a:lstStyle/>
+                    <a:p>
+                      <a:pPr marL="0" marR="0" lvl="0" indent="0" algn="l" defTabSz="914400" rtl="0" eaLnBrk="1" fontAlgn="auto" latinLnBrk="0" hangingPunct="1">
+                        <a:lnSpc>
+                          <a:spcPct val="100000"/>
+                        </a:lnSpc>
+                        <a:spcBef>
+                          <a:spcPts val="0"/>
+                        </a:spcBef>
+                        <a:spcAft>
+                          <a:spcPts val="0"/>
+                        </a:spcAft>
+                        <a:buClrTx/>
+                        <a:buSzTx/>
+                        <a:buFontTx/>
+                        <a:buNone/>
+                        <a:tabLst/>
+                        <a:defRPr/>
+                      </a:pPr>
+                      <a:r>
+                        <a:rPr lang="tr-TR" sz="1200" dirty="0"/>
+                        <a:t>10k Okuma Verimlilik ?</a:t>
+                      </a:r>
+                      <a:endParaRPr lang="en-US" sz="1200" dirty="0"/>
+                    </a:p>
+                  </a:txBody>
+                  <a:tcPr anchor="ctr">
+                    <a:lnL>
+                      <a:noFill/>
+                    </a:lnL>
+                    <a:lnR>
+                      <a:noFill/>
+                    </a:lnR>
+                    <a:lnT>
+                      <a:noFill/>
+                    </a:lnT>
+                    <a:lnB>
+                      <a:noFill/>
+                    </a:lnB>
+                    <a:noFill/>
+                  </a:tcPr>
+                </a:tc>
+                <a:extLst>
+                  <a:ext uri="{0D108BD9-81ED-4DB2-BD59-A6C34878D82A}">
+                    <a16:rowId xmlns:a16="http://schemas.microsoft.com/office/drawing/2014/main" val="2710432470"/>
+                  </a:ext>
+                </a:extLst>
+              </a:tr>
+              <a:tr h="226160">
+                <a:tc>
+                  <a:txBody>
+                    <a:bodyPr/>
+                    <a:lstStyle/>
+                    <a:p>
+                      <a:pPr algn="just">
+                        <a:buNone/>
+                      </a:pPr>
+                      <a:r>
+                        <a:rPr lang="tr-TR" sz="1200" b="1"/>
+                        <a:t>Java</a:t>
+                      </a:r>
+                      <a:endParaRPr lang="tr-TR" sz="1200"/>
+                    </a:p>
+                  </a:txBody>
+                  <a:tcPr anchor="ctr">
+                    <a:lnL>
+                      <a:noFill/>
+                    </a:lnL>
+                    <a:lnR>
+                      <a:noFill/>
+                    </a:lnR>
+                    <a:lnT>
+                      <a:noFill/>
+                    </a:lnT>
+                    <a:lnB>
+                      <a:noFill/>
+                    </a:lnB>
+                    <a:noFill/>
+                  </a:tcPr>
+                </a:tc>
+                <a:tc>
+                  <a:txBody>
+                    <a:bodyPr/>
+                    <a:lstStyle/>
+                    <a:p>
+                      <a:pPr>
+                        <a:buNone/>
+                      </a:pPr>
+                      <a:r>
+                        <a:rPr lang="tr-TR" sz="1200" dirty="0"/>
+                        <a:t>-</a:t>
+                      </a:r>
+                    </a:p>
+                  </a:txBody>
+                  <a:tcPr anchor="ctr">
+                    <a:lnL>
+                      <a:noFill/>
+                    </a:lnL>
+                    <a:lnR>
+                      <a:noFill/>
+                    </a:lnR>
+                    <a:lnT>
+                      <a:noFill/>
+                    </a:lnT>
+                    <a:lnB>
+                      <a:noFill/>
+                    </a:lnB>
+                    <a:noFill/>
+                  </a:tcPr>
+                </a:tc>
+                <a:tc>
+                  <a:txBody>
+                    <a:bodyPr/>
+                    <a:lstStyle/>
+                    <a:p>
+                      <a:pPr>
+                        <a:buNone/>
+                      </a:pPr>
+                      <a:r>
+                        <a:rPr lang="tr-TR" sz="1200" dirty="0"/>
+                        <a:t>-</a:t>
+                      </a:r>
+                    </a:p>
+                  </a:txBody>
+                  <a:tcPr anchor="ctr">
+                    <a:lnL>
+                      <a:noFill/>
+                    </a:lnL>
+                    <a:lnR>
+                      <a:noFill/>
+                    </a:lnR>
+                    <a:lnT>
+                      <a:noFill/>
+                    </a:lnT>
+                    <a:lnB>
+                      <a:noFill/>
+                    </a:lnB>
+                    <a:noFill/>
+                  </a:tcPr>
+                </a:tc>
+                <a:extLst>
+                  <a:ext uri="{0D108BD9-81ED-4DB2-BD59-A6C34878D82A}">
+                    <a16:rowId xmlns:a16="http://schemas.microsoft.com/office/drawing/2014/main" val="3091184771"/>
+                  </a:ext>
+                </a:extLst>
+              </a:tr>
+              <a:tr h="226160">
+                <a:tc>
+                  <a:txBody>
+                    <a:bodyPr/>
+                    <a:lstStyle/>
+                    <a:p>
+                      <a:pPr algn="just">
+                        <a:buNone/>
+                      </a:pPr>
+                      <a:r>
+                        <a:rPr lang="tr-TR" sz="1200" b="1" dirty="0" err="1"/>
+                        <a:t>Caffeine</a:t>
+                      </a:r>
+                      <a:endParaRPr lang="tr-TR" sz="1200" dirty="0"/>
+                    </a:p>
+                  </a:txBody>
+                  <a:tcPr anchor="ctr">
+                    <a:lnL>
+                      <a:noFill/>
+                    </a:lnL>
+                    <a:lnR>
+                      <a:noFill/>
+                    </a:lnR>
+                    <a:lnT>
+                      <a:noFill/>
+                    </a:lnT>
+                    <a:lnB>
+                      <a:noFill/>
+                    </a:lnB>
+                    <a:noFill/>
+                  </a:tcPr>
+                </a:tc>
+                <a:tc>
+                  <a:txBody>
+                    <a:bodyPr/>
+                    <a:lstStyle/>
+                    <a:p>
+                      <a:pPr>
+                        <a:buNone/>
+                      </a:pPr>
+                      <a:r>
+                        <a:rPr lang="tr-TR" sz="1200" dirty="0"/>
+                        <a:t>-</a:t>
+                      </a:r>
+                    </a:p>
+                  </a:txBody>
+                  <a:tcPr anchor="ctr">
+                    <a:lnL>
+                      <a:noFill/>
+                    </a:lnL>
+                    <a:lnR>
+                      <a:noFill/>
+                    </a:lnR>
+                    <a:lnT>
+                      <a:noFill/>
+                    </a:lnT>
+                    <a:lnB>
+                      <a:noFill/>
+                    </a:lnB>
+                    <a:noFill/>
+                  </a:tcPr>
+                </a:tc>
+                <a:tc>
+                  <a:txBody>
+                    <a:bodyPr/>
+                    <a:lstStyle/>
+                    <a:p>
+                      <a:pPr>
+                        <a:buNone/>
+                      </a:pPr>
+                      <a:r>
+                        <a:rPr lang="tr-TR" sz="1200" dirty="0"/>
+                        <a:t>-</a:t>
+                      </a:r>
+                    </a:p>
+                  </a:txBody>
+                  <a:tcPr anchor="ctr">
+                    <a:lnL>
+                      <a:noFill/>
+                    </a:lnL>
+                    <a:lnR>
+                      <a:noFill/>
+                    </a:lnR>
+                    <a:lnT>
+                      <a:noFill/>
+                    </a:lnT>
+                    <a:lnB>
+                      <a:noFill/>
+                    </a:lnB>
+                    <a:noFill/>
+                  </a:tcPr>
+                </a:tc>
+                <a:extLst>
+                  <a:ext uri="{0D108BD9-81ED-4DB2-BD59-A6C34878D82A}">
+                    <a16:rowId xmlns:a16="http://schemas.microsoft.com/office/drawing/2014/main" val="1087372341"/>
+                  </a:ext>
+                </a:extLst>
+              </a:tr>
+              <a:tr h="226160">
+                <a:tc>
+                  <a:txBody>
+                    <a:bodyPr/>
+                    <a:lstStyle/>
+                    <a:p>
+                      <a:pPr algn="just">
+                        <a:buNone/>
+                      </a:pPr>
+                      <a:r>
+                        <a:rPr lang="tr-TR" sz="1200" b="1" dirty="0" err="1"/>
+                        <a:t>Redis</a:t>
+                      </a:r>
+                      <a:endParaRPr lang="tr-TR" sz="1200" dirty="0"/>
+                    </a:p>
+                  </a:txBody>
+                  <a:tcPr anchor="ctr">
+                    <a:lnL>
+                      <a:noFill/>
+                    </a:lnL>
+                    <a:lnR>
+                      <a:noFill/>
+                    </a:lnR>
+                    <a:lnT>
+                      <a:noFill/>
+                    </a:lnT>
+                    <a:lnB>
+                      <a:noFill/>
+                    </a:lnB>
+                    <a:noFill/>
+                  </a:tcPr>
+                </a:tc>
+                <a:tc>
+                  <a:txBody>
+                    <a:bodyPr/>
+                    <a:lstStyle/>
+                    <a:p>
+                      <a:pPr>
+                        <a:buNone/>
+                      </a:pPr>
+                      <a:r>
+                        <a:rPr lang="tr-TR" sz="1200" dirty="0"/>
+                        <a:t>-</a:t>
+                      </a:r>
+                    </a:p>
+                  </a:txBody>
+                  <a:tcPr anchor="ctr">
+                    <a:lnL>
+                      <a:noFill/>
+                    </a:lnL>
+                    <a:lnR>
+                      <a:noFill/>
+                    </a:lnR>
+                    <a:lnT>
+                      <a:noFill/>
+                    </a:lnT>
+                    <a:lnB>
+                      <a:noFill/>
+                    </a:lnB>
+                    <a:noFill/>
+                  </a:tcPr>
+                </a:tc>
+                <a:tc>
+                  <a:txBody>
+                    <a:bodyPr/>
+                    <a:lstStyle/>
+                    <a:p>
+                      <a:pPr>
+                        <a:buNone/>
+                      </a:pPr>
+                      <a:r>
+                        <a:rPr lang="tr-TR" sz="1200" dirty="0"/>
+                        <a:t>-</a:t>
+                      </a:r>
+                    </a:p>
+                  </a:txBody>
+                  <a:tcPr anchor="ctr">
+                    <a:lnL>
+                      <a:noFill/>
+                    </a:lnL>
+                    <a:lnR>
+                      <a:noFill/>
+                    </a:lnR>
+                    <a:lnT>
+                      <a:noFill/>
+                    </a:lnT>
+                    <a:lnB>
+                      <a:noFill/>
+                    </a:lnB>
+                    <a:noFill/>
+                  </a:tcPr>
+                </a:tc>
+                <a:extLst>
+                  <a:ext uri="{0D108BD9-81ED-4DB2-BD59-A6C34878D82A}">
+                    <a16:rowId xmlns:a16="http://schemas.microsoft.com/office/drawing/2014/main" val="2568250087"/>
+                  </a:ext>
+                </a:extLst>
+              </a:tr>
+            </a:tbl>
+          </a:graphicData>
+        </a:graphic>
+      </p:graphicFrame>
+      <p:graphicFrame>
+        <p:nvGraphicFramePr>
+          <p:cNvPr id="5" name="Tablo 4">
+            <a:extLst>
+              <a:ext uri="{FF2B5EF4-FFF2-40B4-BE49-F238E27FC236}">
+                <a16:creationId xmlns:a16="http://schemas.microsoft.com/office/drawing/2014/main" id="{2F0EDF38-2509-DD40-0322-A67B2D6B2CA5}"/>
+              </a:ext>
+            </a:extLst>
+          </p:cNvPr>
+          <p:cNvGraphicFramePr>
+            <a:graphicFrameLocks noGrp="1"/>
+          </p:cNvGraphicFramePr>
+          <p:nvPr>
+            <p:extLst>
+              <p:ext uri="{D42A27DB-BD31-4B8C-83A1-F6EECF244321}">
+                <p14:modId xmlns:p14="http://schemas.microsoft.com/office/powerpoint/2010/main" val="1943640793"/>
+              </p:ext>
+            </p:extLst>
+          </p:nvPr>
+        </p:nvGraphicFramePr>
+        <p:xfrm>
+          <a:off x="190500" y="3429000"/>
+          <a:ext cx="7600952" cy="1271969"/>
+        </p:xfrm>
+        <a:graphic>
+          <a:graphicData uri="http://schemas.openxmlformats.org/drawingml/2006/table">
+            <a:tbl>
+              <a:tblPr/>
+              <a:tblGrid>
+                <a:gridCol w="1900238">
+                  <a:extLst>
+                    <a:ext uri="{9D8B030D-6E8A-4147-A177-3AD203B41FA5}">
+                      <a16:colId xmlns:a16="http://schemas.microsoft.com/office/drawing/2014/main" val="2026120601"/>
+                    </a:ext>
+                  </a:extLst>
+                </a:gridCol>
+                <a:gridCol w="1900238">
+                  <a:extLst>
+                    <a:ext uri="{9D8B030D-6E8A-4147-A177-3AD203B41FA5}">
+                      <a16:colId xmlns:a16="http://schemas.microsoft.com/office/drawing/2014/main" val="2392881392"/>
+                    </a:ext>
+                  </a:extLst>
+                </a:gridCol>
+                <a:gridCol w="1900238">
+                  <a:extLst>
+                    <a:ext uri="{9D8B030D-6E8A-4147-A177-3AD203B41FA5}">
+                      <a16:colId xmlns:a16="http://schemas.microsoft.com/office/drawing/2014/main" val="2899523954"/>
+                    </a:ext>
+                  </a:extLst>
+                </a:gridCol>
+                <a:gridCol w="1900238">
+                  <a:extLst>
+                    <a:ext uri="{9D8B030D-6E8A-4147-A177-3AD203B41FA5}">
+                      <a16:colId xmlns:a16="http://schemas.microsoft.com/office/drawing/2014/main" val="3755443165"/>
+                    </a:ext>
+                  </a:extLst>
+                </a:gridCol>
+              </a:tblGrid>
+              <a:tr h="449009">
+                <a:tc>
+                  <a:txBody>
+                    <a:bodyPr/>
+                    <a:lstStyle/>
+                    <a:p>
+                      <a:pPr>
+                        <a:buNone/>
+                      </a:pPr>
+                      <a:r>
+                        <a:rPr lang="tr-TR" sz="1200"/>
+                        <a:t>Profil</a:t>
+                      </a:r>
+                    </a:p>
+                  </a:txBody>
+                  <a:tcPr anchor="ctr">
+                    <a:lnL>
+                      <a:noFill/>
+                    </a:lnL>
+                    <a:lnR>
+                      <a:noFill/>
+                    </a:lnR>
+                    <a:lnT>
+                      <a:noFill/>
+                    </a:lnT>
+                    <a:lnB>
+                      <a:noFill/>
+                    </a:lnB>
+                    <a:noFill/>
+                  </a:tcPr>
+                </a:tc>
+                <a:tc>
+                  <a:txBody>
+                    <a:bodyPr/>
+                    <a:lstStyle/>
+                    <a:p>
+                      <a:pPr>
+                        <a:buNone/>
+                      </a:pPr>
+                      <a:r>
+                        <a:rPr lang="tr-TR" sz="1200" dirty="0"/>
+                        <a:t>P99 ortalama</a:t>
+                      </a:r>
+                    </a:p>
+                  </a:txBody>
+                  <a:tcPr anchor="ctr">
+                    <a:lnL>
+                      <a:noFill/>
+                    </a:lnL>
+                    <a:lnR>
+                      <a:noFill/>
+                    </a:lnR>
+                    <a:lnT>
+                      <a:noFill/>
+                    </a:lnT>
+                    <a:lnB>
+                      <a:noFill/>
+                    </a:lnB>
+                    <a:noFill/>
+                  </a:tcPr>
+                </a:tc>
+                <a:tc>
+                  <a:txBody>
+                    <a:bodyPr/>
+                    <a:lstStyle/>
+                    <a:p>
+                      <a:pPr>
+                        <a:buNone/>
+                      </a:pPr>
+                      <a:r>
+                        <a:rPr lang="tr-TR" sz="1200" dirty="0"/>
+                        <a:t>P95 ortalama</a:t>
+                      </a:r>
+                    </a:p>
+                  </a:txBody>
+                  <a:tcPr anchor="ctr">
+                    <a:lnL>
+                      <a:noFill/>
+                    </a:lnL>
+                    <a:lnR>
+                      <a:noFill/>
+                    </a:lnR>
+                    <a:lnT>
+                      <a:noFill/>
+                    </a:lnT>
+                    <a:lnB>
+                      <a:noFill/>
+                    </a:lnB>
+                    <a:noFill/>
+                  </a:tcPr>
+                </a:tc>
+                <a:tc>
+                  <a:txBody>
+                    <a:bodyPr/>
+                    <a:lstStyle/>
+                    <a:p>
+                      <a:pPr>
+                        <a:buNone/>
+                      </a:pPr>
+                      <a:r>
+                        <a:rPr lang="tr-TR" sz="1200" dirty="0"/>
+                        <a:t>P50 </a:t>
+                      </a:r>
+                      <a:r>
+                        <a:rPr lang="tr-TR" sz="1200" dirty="0" err="1"/>
+                        <a:t>ortlama</a:t>
+                      </a:r>
+                      <a:endParaRPr lang="en-US" sz="1200" dirty="0"/>
+                    </a:p>
+                  </a:txBody>
+                  <a:tcPr anchor="ctr">
+                    <a:lnL>
+                      <a:noFill/>
+                    </a:lnL>
+                    <a:lnR>
+                      <a:noFill/>
+                    </a:lnR>
+                    <a:lnT>
+                      <a:noFill/>
+                    </a:lnT>
+                    <a:lnB>
+                      <a:noFill/>
+                    </a:lnB>
+                    <a:noFill/>
+                  </a:tcPr>
+                </a:tc>
+                <a:extLst>
+                  <a:ext uri="{0D108BD9-81ED-4DB2-BD59-A6C34878D82A}">
+                    <a16:rowId xmlns:a16="http://schemas.microsoft.com/office/drawing/2014/main" val="2134454279"/>
+                  </a:ext>
+                </a:extLst>
+              </a:tr>
+              <a:tr h="256577">
+                <a:tc>
+                  <a:txBody>
+                    <a:bodyPr/>
+                    <a:lstStyle/>
+                    <a:p>
+                      <a:pPr>
+                        <a:buNone/>
+                      </a:pPr>
+                      <a:r>
+                        <a:rPr lang="tr-TR" sz="1200" b="1" dirty="0"/>
+                        <a:t>Java</a:t>
+                      </a:r>
+                      <a:endParaRPr lang="tr-TR" sz="1200" dirty="0"/>
+                    </a:p>
+                  </a:txBody>
+                  <a:tcPr anchor="ctr">
+                    <a:lnL>
+                      <a:noFill/>
+                    </a:lnL>
+                    <a:lnR>
+                      <a:noFill/>
+                    </a:lnR>
+                    <a:lnT>
+                      <a:noFill/>
+                    </a:lnT>
+                    <a:lnB>
+                      <a:noFill/>
+                    </a:lnB>
+                    <a:noFill/>
+                  </a:tcPr>
+                </a:tc>
+                <a:tc>
+                  <a:txBody>
+                    <a:bodyPr/>
+                    <a:lstStyle/>
+                    <a:p>
+                      <a:pPr>
+                        <a:buNone/>
+                      </a:pPr>
+                      <a:r>
+                        <a:rPr lang="tr-TR" sz="1200" dirty="0"/>
+                        <a:t>-</a:t>
+                      </a:r>
+                    </a:p>
+                  </a:txBody>
+                  <a:tcPr anchor="ctr">
+                    <a:lnL>
+                      <a:noFill/>
+                    </a:lnL>
+                    <a:lnR>
+                      <a:noFill/>
+                    </a:lnR>
+                    <a:lnT>
+                      <a:noFill/>
+                    </a:lnT>
+                    <a:lnB>
+                      <a:noFill/>
+                    </a:lnB>
+                    <a:noFill/>
+                  </a:tcPr>
+                </a:tc>
+                <a:tc>
+                  <a:txBody>
+                    <a:bodyPr/>
+                    <a:lstStyle/>
+                    <a:p>
+                      <a:pPr>
+                        <a:buNone/>
+                      </a:pPr>
+                      <a:r>
+                        <a:rPr lang="tr-TR" sz="1200" dirty="0"/>
+                        <a:t>-</a:t>
+                      </a:r>
+                    </a:p>
+                  </a:txBody>
+                  <a:tcPr anchor="ctr">
+                    <a:lnL>
+                      <a:noFill/>
+                    </a:lnL>
+                    <a:lnR>
+                      <a:noFill/>
+                    </a:lnR>
+                    <a:lnT>
+                      <a:noFill/>
+                    </a:lnT>
+                    <a:lnB>
+                      <a:noFill/>
+                    </a:lnB>
+                    <a:noFill/>
+                  </a:tcPr>
+                </a:tc>
+                <a:tc>
+                  <a:txBody>
+                    <a:bodyPr/>
+                    <a:lstStyle/>
+                    <a:p>
+                      <a:pPr>
+                        <a:buNone/>
+                      </a:pPr>
+                      <a:r>
+                        <a:rPr lang="tr-TR" sz="1200" dirty="0"/>
+                        <a:t>-</a:t>
+                      </a:r>
+                    </a:p>
+                  </a:txBody>
+                  <a:tcPr anchor="ctr">
+                    <a:lnL>
+                      <a:noFill/>
+                    </a:lnL>
+                    <a:lnR>
+                      <a:noFill/>
+                    </a:lnR>
+                    <a:lnT>
+                      <a:noFill/>
+                    </a:lnT>
+                    <a:lnB>
+                      <a:noFill/>
+                    </a:lnB>
+                    <a:noFill/>
+                  </a:tcPr>
+                </a:tc>
+                <a:extLst>
+                  <a:ext uri="{0D108BD9-81ED-4DB2-BD59-A6C34878D82A}">
+                    <a16:rowId xmlns:a16="http://schemas.microsoft.com/office/drawing/2014/main" val="179648782"/>
+                  </a:ext>
+                </a:extLst>
+              </a:tr>
+              <a:tr h="256577">
+                <a:tc>
+                  <a:txBody>
+                    <a:bodyPr/>
+                    <a:lstStyle/>
+                    <a:p>
+                      <a:pPr>
+                        <a:buNone/>
+                      </a:pPr>
+                      <a:r>
+                        <a:rPr lang="tr-TR" sz="1200" b="1"/>
+                        <a:t>Caffeine</a:t>
+                      </a:r>
+                      <a:endParaRPr lang="tr-TR" sz="1200"/>
+                    </a:p>
+                  </a:txBody>
+                  <a:tcPr anchor="ctr">
+                    <a:lnL>
+                      <a:noFill/>
+                    </a:lnL>
+                    <a:lnR>
+                      <a:noFill/>
+                    </a:lnR>
+                    <a:lnT>
+                      <a:noFill/>
+                    </a:lnT>
+                    <a:lnB>
+                      <a:noFill/>
+                    </a:lnB>
+                    <a:noFill/>
+                  </a:tcPr>
+                </a:tc>
+                <a:tc>
+                  <a:txBody>
+                    <a:bodyPr/>
+                    <a:lstStyle/>
+                    <a:p>
+                      <a:pPr>
+                        <a:buNone/>
+                      </a:pPr>
+                      <a:r>
+                        <a:rPr lang="tr-TR" sz="1200" dirty="0"/>
+                        <a:t>-</a:t>
+                      </a:r>
+                    </a:p>
+                  </a:txBody>
+                  <a:tcPr anchor="ctr">
+                    <a:lnL>
+                      <a:noFill/>
+                    </a:lnL>
+                    <a:lnR>
+                      <a:noFill/>
+                    </a:lnR>
+                    <a:lnT>
+                      <a:noFill/>
+                    </a:lnT>
+                    <a:lnB>
+                      <a:noFill/>
+                    </a:lnB>
+                    <a:noFill/>
+                  </a:tcPr>
+                </a:tc>
+                <a:tc>
+                  <a:txBody>
+                    <a:bodyPr/>
+                    <a:lstStyle/>
+                    <a:p>
+                      <a:pPr>
+                        <a:buNone/>
+                      </a:pPr>
+                      <a:r>
+                        <a:rPr lang="tr-TR" sz="1200" dirty="0"/>
+                        <a:t>-</a:t>
+                      </a:r>
+                    </a:p>
+                  </a:txBody>
+                  <a:tcPr anchor="ctr">
+                    <a:lnL>
+                      <a:noFill/>
+                    </a:lnL>
+                    <a:lnR>
+                      <a:noFill/>
+                    </a:lnR>
+                    <a:lnT>
+                      <a:noFill/>
+                    </a:lnT>
+                    <a:lnB>
+                      <a:noFill/>
+                    </a:lnB>
+                    <a:noFill/>
+                  </a:tcPr>
+                </a:tc>
+                <a:tc>
+                  <a:txBody>
+                    <a:bodyPr/>
+                    <a:lstStyle/>
+                    <a:p>
+                      <a:pPr>
+                        <a:buNone/>
+                      </a:pPr>
+                      <a:r>
+                        <a:rPr lang="tr-TR" sz="1200" dirty="0"/>
+                        <a:t>-</a:t>
+                      </a:r>
+                    </a:p>
+                  </a:txBody>
+                  <a:tcPr anchor="ctr">
+                    <a:lnL>
+                      <a:noFill/>
+                    </a:lnL>
+                    <a:lnR>
+                      <a:noFill/>
+                    </a:lnR>
+                    <a:lnT>
+                      <a:noFill/>
+                    </a:lnT>
+                    <a:lnB>
+                      <a:noFill/>
+                    </a:lnB>
+                    <a:noFill/>
+                  </a:tcPr>
+                </a:tc>
+                <a:extLst>
+                  <a:ext uri="{0D108BD9-81ED-4DB2-BD59-A6C34878D82A}">
+                    <a16:rowId xmlns:a16="http://schemas.microsoft.com/office/drawing/2014/main" val="2773369064"/>
+                  </a:ext>
+                </a:extLst>
+              </a:tr>
+              <a:tr h="256577">
+                <a:tc>
+                  <a:txBody>
+                    <a:bodyPr/>
+                    <a:lstStyle/>
+                    <a:p>
+                      <a:pPr>
+                        <a:buNone/>
+                      </a:pPr>
+                      <a:r>
+                        <a:rPr lang="tr-TR" sz="1200" b="1"/>
+                        <a:t>Redis</a:t>
+                      </a:r>
+                      <a:endParaRPr lang="tr-TR" sz="1200"/>
+                    </a:p>
+                  </a:txBody>
+                  <a:tcPr anchor="ctr">
+                    <a:lnL>
+                      <a:noFill/>
+                    </a:lnL>
+                    <a:lnR>
+                      <a:noFill/>
+                    </a:lnR>
+                    <a:lnT>
+                      <a:noFill/>
+                    </a:lnT>
+                    <a:lnB>
+                      <a:noFill/>
+                    </a:lnB>
+                    <a:noFill/>
+                  </a:tcPr>
+                </a:tc>
+                <a:tc>
+                  <a:txBody>
+                    <a:bodyPr/>
+                    <a:lstStyle/>
+                    <a:p>
+                      <a:pPr>
+                        <a:buNone/>
+                      </a:pPr>
+                      <a:r>
+                        <a:rPr lang="tr-TR" sz="1200" dirty="0"/>
+                        <a:t>-</a:t>
+                      </a:r>
+                    </a:p>
+                  </a:txBody>
+                  <a:tcPr anchor="ctr">
+                    <a:lnL>
+                      <a:noFill/>
+                    </a:lnL>
+                    <a:lnR>
+                      <a:noFill/>
+                    </a:lnR>
+                    <a:lnT>
+                      <a:noFill/>
+                    </a:lnT>
+                    <a:lnB>
+                      <a:noFill/>
+                    </a:lnB>
+                    <a:noFill/>
+                  </a:tcPr>
+                </a:tc>
+                <a:tc>
+                  <a:txBody>
+                    <a:bodyPr/>
+                    <a:lstStyle/>
+                    <a:p>
+                      <a:pPr>
+                        <a:buNone/>
+                      </a:pPr>
+                      <a:r>
+                        <a:rPr lang="tr-TR" sz="1200" dirty="0"/>
+                        <a:t>-</a:t>
+                      </a:r>
+                    </a:p>
+                  </a:txBody>
+                  <a:tcPr anchor="ctr">
+                    <a:lnL>
+                      <a:noFill/>
+                    </a:lnL>
+                    <a:lnR>
+                      <a:noFill/>
+                    </a:lnR>
+                    <a:lnT>
+                      <a:noFill/>
+                    </a:lnT>
+                    <a:lnB>
+                      <a:noFill/>
+                    </a:lnB>
+                    <a:noFill/>
+                  </a:tcPr>
+                </a:tc>
+                <a:tc>
+                  <a:txBody>
+                    <a:bodyPr/>
+                    <a:lstStyle/>
+                    <a:p>
+                      <a:pPr>
+                        <a:buNone/>
+                      </a:pPr>
+                      <a:r>
+                        <a:rPr lang="tr-TR" sz="1200" dirty="0"/>
+                        <a:t>-</a:t>
+                      </a:r>
+                    </a:p>
+                  </a:txBody>
+                  <a:tcPr anchor="ctr">
+                    <a:lnL>
+                      <a:noFill/>
+                    </a:lnL>
+                    <a:lnR>
+                      <a:noFill/>
+                    </a:lnR>
+                    <a:lnT>
+                      <a:noFill/>
+                    </a:lnT>
+                    <a:lnB>
+                      <a:noFill/>
+                    </a:lnB>
+                    <a:noFill/>
+                  </a:tcPr>
+                </a:tc>
+                <a:extLst>
+                  <a:ext uri="{0D108BD9-81ED-4DB2-BD59-A6C34878D82A}">
+                    <a16:rowId xmlns:a16="http://schemas.microsoft.com/office/drawing/2014/main" val="3654405554"/>
+                  </a:ext>
+                </a:extLst>
+              </a:tr>
+            </a:tbl>
+          </a:graphicData>
+        </a:graphic>
+      </p:graphicFrame>
+    </p:spTree>
+    <p:extLst>
+      <p:ext uri="{BB962C8B-B14F-4D97-AF65-F5344CB8AC3E}">
+        <p14:creationId xmlns:p14="http://schemas.microsoft.com/office/powerpoint/2010/main" val="3974410110"/>
+      </p:ext>
+    </p:extLst>
+  </p:cSld>
+  <p:clrMapOvr>
+    <a:masterClrMapping/>
+  </p:clrMapOvr>
+  <p:transition advClick="0"/>
+</p:sld>
+</file>
+
+<file path=ppt/slides/slide39.xml><?xml version="1.0" encoding="utf-8"?>
+<p:sld xmlns:a="http://schemas.openxmlformats.org/drawingml/2006/main" xmlns:r="http://schemas.openxmlformats.org/officeDocument/2006/relationships" xmlns:p="http://schemas.openxmlformats.org/presentationml/2006/main">
+  <p:cSld>
+    <p:spTree>
+      <p:nvGrpSpPr>
+        <p:cNvPr id="1" name="">
+          <a:extLst>
+            <a:ext uri="{FF2B5EF4-FFF2-40B4-BE49-F238E27FC236}">
+              <a16:creationId xmlns:a16="http://schemas.microsoft.com/office/drawing/2014/main" id="{18411788-2773-0B89-E917-2F2142F2FDA5}"/>
+            </a:ext>
+          </a:extLst>
+        </p:cNvPr>
+        <p:cNvGrpSpPr/>
+        <p:nvPr/>
+      </p:nvGrpSpPr>
+      <p:grpSpPr>
+        <a:xfrm>
+          <a:off x="0" y="0"/>
+          <a:ext cx="0" cy="0"/>
+          <a:chOff x="0" y="0"/>
+          <a:chExt cx="0" cy="0"/>
+        </a:xfrm>
+      </p:grpSpPr>
+      <p:sp>
+        <p:nvSpPr>
+          <p:cNvPr id="2" name="Rectangle 1">
+            <a:extLst>
+              <a:ext uri="{FF2B5EF4-FFF2-40B4-BE49-F238E27FC236}">
+                <a16:creationId xmlns:a16="http://schemas.microsoft.com/office/drawing/2014/main" id="{A40132E7-4CE1-447D-B62D-D440517CCA95}"/>
+              </a:ext>
+            </a:extLst>
+          </p:cNvPr>
+          <p:cNvSpPr/>
+          <p:nvPr/>
+        </p:nvSpPr>
+        <p:spPr>
+          <a:xfrm>
+            <a:off x="761873" y="511112"/>
+            <a:ext cx="825867" cy="369332"/>
+          </a:xfrm>
+          <a:prstGeom prst="rect">
+            <a:avLst/>
+          </a:prstGeom>
+        </p:spPr>
+        <p:txBody>
+          <a:bodyPr wrap="none">
+            <a:spAutoFit/>
+          </a:bodyPr>
+          <a:lstStyle/>
+          <a:p>
+            <a:pPr algn="ctr"/>
+            <a:r>
+              <a:rPr lang="tr-TR" b="1" dirty="0">
+                <a:ln w="10160">
+                  <a:solidFill>
+                    <a:schemeClr val="accent5"/>
+                  </a:solidFill>
+                  <a:prstDash val="solid"/>
+                </a:ln>
+                <a:solidFill>
+                  <a:srgbClr val="FFFFFF"/>
+                </a:solidFill>
+                <a:effectLst>
+                  <a:outerShdw blurRad="38100" dist="22860" dir="5400000" algn="tl" rotWithShape="0">
+                    <a:srgbClr val="000000">
+                      <a:alpha val="30000"/>
+                    </a:srgbClr>
+                  </a:outerShdw>
+                </a:effectLst>
+              </a:rPr>
+              <a:t>Demo</a:t>
+            </a:r>
+            <a:endParaRPr lang="en-US" b="1" dirty="0">
+              <a:ln w="10160">
+                <a:solidFill>
+                  <a:schemeClr val="accent5"/>
+                </a:solidFill>
+                <a:prstDash val="solid"/>
+              </a:ln>
+              <a:solidFill>
+                <a:srgbClr val="FFFFFF"/>
+              </a:solidFill>
+              <a:effectLst>
+                <a:outerShdw blurRad="38100" dist="22860" dir="5400000" algn="tl" rotWithShape="0">
+                  <a:srgbClr val="000000">
+                    <a:alpha val="30000"/>
+                  </a:srgbClr>
+                </a:outerShdw>
+              </a:effectLst>
+            </a:endParaRPr>
+          </a:p>
+        </p:txBody>
+      </p:sp>
+      <p:sp>
+        <p:nvSpPr>
+          <p:cNvPr id="5" name="Metin kutusu 4">
+            <a:extLst>
+              <a:ext uri="{FF2B5EF4-FFF2-40B4-BE49-F238E27FC236}">
+                <a16:creationId xmlns:a16="http://schemas.microsoft.com/office/drawing/2014/main" id="{CB337174-C82B-A07C-6ADA-F0D00A9BBD73}"/>
+              </a:ext>
+            </a:extLst>
+          </p:cNvPr>
+          <p:cNvSpPr txBox="1"/>
+          <p:nvPr/>
+        </p:nvSpPr>
+        <p:spPr>
+          <a:xfrm>
+            <a:off x="761872" y="1441450"/>
+            <a:ext cx="7226427" cy="2591735"/>
+          </a:xfrm>
+          <a:prstGeom prst="rect">
+            <a:avLst/>
+          </a:prstGeom>
+          <a:noFill/>
+        </p:spPr>
+        <p:txBody>
+          <a:bodyPr wrap="square" rtlCol="0">
+            <a:spAutoFit/>
+          </a:bodyPr>
+          <a:lstStyle/>
+          <a:p>
+            <a:pPr>
+              <a:lnSpc>
+                <a:spcPct val="200000"/>
+              </a:lnSpc>
+            </a:pPr>
+            <a:r>
+              <a:rPr lang="tr-TR" b="1" dirty="0"/>
+              <a:t>Sonuç</a:t>
+            </a:r>
+          </a:p>
+          <a:p>
+            <a:pPr>
+              <a:lnSpc>
+                <a:spcPct val="200000"/>
+              </a:lnSpc>
+            </a:pPr>
+            <a:r>
+              <a:rPr lang="tr-TR" sz="1600" b="1" dirty="0"/>
+              <a:t>Java</a:t>
+            </a:r>
+            <a:r>
+              <a:rPr lang="tr-TR" sz="1600" dirty="0"/>
+              <a:t> → En yüksek Okuma/Yazma </a:t>
+            </a:r>
+            <a:r>
+              <a:rPr lang="tr-TR" sz="1600" dirty="0" err="1"/>
+              <a:t>throughput</a:t>
+            </a:r>
+            <a:r>
+              <a:rPr lang="tr-TR" sz="1600" dirty="0"/>
+              <a:t>; fakat veri kaybı riski var.</a:t>
+            </a:r>
+          </a:p>
+          <a:p>
+            <a:pPr>
+              <a:lnSpc>
+                <a:spcPct val="200000"/>
+              </a:lnSpc>
+            </a:pPr>
+            <a:r>
+              <a:rPr lang="tr-TR" sz="1600" b="1" dirty="0" err="1"/>
+              <a:t>Caffeine</a:t>
+            </a:r>
+            <a:r>
+              <a:rPr lang="tr-TR" sz="1600" dirty="0"/>
+              <a:t> → Yaklaşık %15–20 daha düşük ama </a:t>
+            </a:r>
+            <a:r>
+              <a:rPr lang="tr-TR" sz="1600" dirty="0" err="1"/>
+              <a:t>thread-safe</a:t>
+            </a:r>
+            <a:r>
+              <a:rPr lang="tr-TR" sz="1600" dirty="0"/>
+              <a:t> ve TTL</a:t>
+            </a:r>
+          </a:p>
+          <a:p>
+            <a:pPr>
+              <a:lnSpc>
+                <a:spcPct val="200000"/>
+              </a:lnSpc>
+            </a:pPr>
+            <a:r>
+              <a:rPr lang="tr-TR" sz="1600" b="1" dirty="0" err="1"/>
+              <a:t>Redis</a:t>
+            </a:r>
+            <a:r>
+              <a:rPr lang="tr-TR" sz="1600" dirty="0"/>
+              <a:t> → En düşük </a:t>
+            </a:r>
+            <a:r>
+              <a:rPr lang="tr-TR" sz="1600" dirty="0" err="1"/>
+              <a:t>throughput</a:t>
+            </a:r>
+            <a:r>
+              <a:rPr lang="tr-TR" sz="1600" dirty="0"/>
+              <a:t>; ancak kalıcı, dağıtık ve güvenilir.</a:t>
+            </a:r>
+          </a:p>
+          <a:p>
+            <a:pPr>
+              <a:lnSpc>
+                <a:spcPct val="200000"/>
+              </a:lnSpc>
+            </a:pPr>
+            <a:endParaRPr lang="tr-TR" b="1" dirty="0"/>
+          </a:p>
+        </p:txBody>
+      </p:sp>
+    </p:spTree>
+    <p:extLst>
+      <p:ext uri="{BB962C8B-B14F-4D97-AF65-F5344CB8AC3E}">
+        <p14:creationId xmlns:p14="http://schemas.microsoft.com/office/powerpoint/2010/main" val="1720625096"/>
+      </p:ext>
+    </p:extLst>
+  </p:cSld>
+  <p:clrMapOvr>
+    <a:masterClrMapping/>
+  </p:clrMapOvr>
+  <p:transition advClick="0"/>
+</p:sld>
+</file>
+
 <file path=ppt/slides/slide4.xml><?xml version="1.0" encoding="utf-8"?>
 <p:sld xmlns:a="http://schemas.openxmlformats.org/drawingml/2006/main" xmlns:r="http://schemas.openxmlformats.org/officeDocument/2006/relationships" xmlns:p="http://schemas.openxmlformats.org/presentationml/2006/main">
   <p:cSld>
@@ -8194,6 +14306,37 @@
     <p:extLst>
       <p:ext uri="{BB962C8B-B14F-4D97-AF65-F5344CB8AC3E}">
         <p14:creationId xmlns:p14="http://schemas.microsoft.com/office/powerpoint/2010/main" val="3908474239"/>
+      </p:ext>
+    </p:extLst>
+  </p:cSld>
+  <p:clrMapOvr>
+    <a:masterClrMapping/>
+  </p:clrMapOvr>
+  <p:transition advClick="0"/>
+</p:sld>
+</file>
+
+<file path=ppt/slides/slide40.xml><?xml version="1.0" encoding="utf-8"?>
+<p:sld xmlns:a="http://schemas.openxmlformats.org/drawingml/2006/main" xmlns:r="http://schemas.openxmlformats.org/officeDocument/2006/relationships" xmlns:p="http://schemas.openxmlformats.org/presentationml/2006/main">
+  <p:cSld>
+    <p:spTree>
+      <p:nvGrpSpPr>
+        <p:cNvPr id="1" name=""/>
+        <p:cNvGrpSpPr/>
+        <p:nvPr/>
+      </p:nvGrpSpPr>
+      <p:grpSpPr>
+        <a:xfrm>
+          <a:off x="0" y="0"/>
+          <a:ext cx="0" cy="0"/>
+          <a:chOff x="0" y="0"/>
+          <a:chExt cx="0" cy="0"/>
+        </a:xfrm>
+      </p:grpSpPr>
+    </p:spTree>
+    <p:extLst>
+      <p:ext uri="{BB962C8B-B14F-4D97-AF65-F5344CB8AC3E}">
+        <p14:creationId xmlns:p14="http://schemas.microsoft.com/office/powerpoint/2010/main" val="2619778317"/>
       </p:ext>
     </p:extLst>
   </p:cSld>
@@ -10295,18 +16438,38 @@
 </file>
 
 <file path=customXml/item1.xml><?xml version="1.0" encoding="utf-8"?>
-<ct:contentTypeSchema xmlns:ct="http://schemas.microsoft.com/office/2006/metadata/contentType" xmlns:ma="http://schemas.microsoft.com/office/2006/metadata/properties/metaAttributes" ct:_="" ma:_="" ma:contentTypeName="Belge" ma:contentTypeID="0x010100D7181C1799E47B49A1512BFBCF22EF55" ma:contentTypeVersion="13" ma:contentTypeDescription="Yeni belge oluşturun." ma:contentTypeScope="" ma:versionID="2e089bb874bf6d173a6a02053a82b94c">
-  <xsd:schema xmlns:xsd="http://www.w3.org/2001/XMLSchema" xmlns:xs="http://www.w3.org/2001/XMLSchema" xmlns:p="http://schemas.microsoft.com/office/2006/metadata/properties" xmlns:ns2="51addbf6-cd97-4f3e-bcc7-a2381a20af9f" targetNamespace="http://schemas.microsoft.com/office/2006/metadata/properties" ma:root="true" ma:fieldsID="908d8693f228166bf147e0c485731963" ns2:_="">
-    <xsd:import namespace="51addbf6-cd97-4f3e-bcc7-a2381a20af9f"/>
+<p:properties xmlns:p="http://schemas.microsoft.com/office/2006/metadata/properties" xmlns:xsi="http://www.w3.org/2001/XMLSchema-instance" xmlns:pc="http://schemas.microsoft.com/office/infopath/2007/PartnerControls">
+  <documentManagement>
+    <_activity xmlns="f048bf54-aa83-4439-b641-98df509ced0a" xsi:nil="true"/>
+  </documentManagement>
+</p:properties>
+</file>
+
+<file path=customXml/item2.xml><?xml version="1.0" encoding="utf-8"?>
+<?mso-contentType ?>
+<FormTemplates xmlns="http://schemas.microsoft.com/sharepoint/v3/contenttype/forms">
+  <Display>DocumentLibraryForm</Display>
+  <Edit>DocumentLibraryForm</Edit>
+  <New>DocumentLibraryForm</New>
+</FormTemplates>
+</file>
+
+<file path=customXml/item3.xml><?xml version="1.0" encoding="utf-8"?>
+<ct:contentTypeSchema xmlns:ct="http://schemas.microsoft.com/office/2006/metadata/contentType" xmlns:ma="http://schemas.microsoft.com/office/2006/metadata/properties/metaAttributes" ct:_="" ma:_="" ma:contentTypeName="Belge" ma:contentTypeID="0x0101005BE01AE1E5DBC243947741F177CBEA9E" ma:contentTypeVersion="6" ma:contentTypeDescription="Yeni belge oluşturun." ma:contentTypeScope="" ma:versionID="38f4fc015044c55c612cf29323aa2f33">
+  <xsd:schema xmlns:xsd="http://www.w3.org/2001/XMLSchema" xmlns:xs="http://www.w3.org/2001/XMLSchema" xmlns:p="http://schemas.microsoft.com/office/2006/metadata/properties" xmlns:ns3="f048bf54-aa83-4439-b641-98df509ced0a" targetNamespace="http://schemas.microsoft.com/office/2006/metadata/properties" ma:root="true" ma:fieldsID="60a0bdd79bb6ee7b0b1ef52ee94f0c1f" ns3:_="">
+    <xsd:import namespace="f048bf54-aa83-4439-b641-98df509ced0a"/>
     <xsd:element name="properties">
       <xsd:complexType>
         <xsd:sequence>
           <xsd:element name="documentManagement">
             <xsd:complexType>
               <xsd:all>
-                <xsd:element ref="ns2:_dlc_DocId" minOccurs="0"/>
-                <xsd:element ref="ns2:_dlc_DocIdUrl" minOccurs="0"/>
-                <xsd:element ref="ns2:_dlc_DocIdPersistId" minOccurs="0"/>
+                <xsd:element ref="ns3:MediaServiceMetadata" minOccurs="0"/>
+                <xsd:element ref="ns3:MediaServiceFastMetadata" minOccurs="0"/>
+                <xsd:element ref="ns3:MediaServiceSearchProperties" minOccurs="0"/>
+                <xsd:element ref="ns3:MediaServiceObjectDetectorVersions" minOccurs="0"/>
+                <xsd:element ref="ns3:MediaServiceDateTaken" minOccurs="0"/>
+                <xsd:element ref="ns3:_activity" minOccurs="0"/>
               </xsd:all>
             </xsd:complexType>
           </xsd:element>
@@ -10314,29 +16477,37 @@
       </xsd:complexType>
     </xsd:element>
   </xsd:schema>
-  <xsd:schema xmlns:xsd="http://www.w3.org/2001/XMLSchema" xmlns:xs="http://www.w3.org/2001/XMLSchema" xmlns:dms="http://schemas.microsoft.com/office/2006/documentManagement/types" xmlns:pc="http://schemas.microsoft.com/office/infopath/2007/PartnerControls" targetNamespace="51addbf6-cd97-4f3e-bcc7-a2381a20af9f" elementFormDefault="qualified">
+  <xsd:schema xmlns:xsd="http://www.w3.org/2001/XMLSchema" xmlns:xs="http://www.w3.org/2001/XMLSchema" xmlns:dms="http://schemas.microsoft.com/office/2006/documentManagement/types" xmlns:pc="http://schemas.microsoft.com/office/infopath/2007/PartnerControls" targetNamespace="f048bf54-aa83-4439-b641-98df509ced0a" elementFormDefault="qualified">
     <xsd:import namespace="http://schemas.microsoft.com/office/2006/documentManagement/types"/>
     <xsd:import namespace="http://schemas.microsoft.com/office/infopath/2007/PartnerControls"/>
-    <xsd:element name="_dlc_DocId" ma:index="8" nillable="true" ma:displayName="Belge Kimliği Değeri" ma:description="Bu öğeye atanan belge kimliğinin değeri." ma:internalName="_dlc_DocId" ma:readOnly="true">
+    <xsd:element name="MediaServiceMetadata" ma:index="8" nillable="true" ma:displayName="MediaServiceMetadata" ma:hidden="true" ma:internalName="MediaServiceMetadata" ma:readOnly="true">
+      <xsd:simpleType>
+        <xsd:restriction base="dms:Note"/>
+      </xsd:simpleType>
+    </xsd:element>
+    <xsd:element name="MediaServiceFastMetadata" ma:index="9" nillable="true" ma:displayName="MediaServiceFastMetadata" ma:hidden="true" ma:internalName="MediaServiceFastMetadata" ma:readOnly="true">
+      <xsd:simpleType>
+        <xsd:restriction base="dms:Note"/>
+      </xsd:simpleType>
+    </xsd:element>
+    <xsd:element name="MediaServiceSearchProperties" ma:index="10" nillable="true" ma:displayName="MediaServiceSearchProperties" ma:hidden="true" ma:internalName="MediaServiceSearchProperties" ma:readOnly="true">
+      <xsd:simpleType>
+        <xsd:restriction base="dms:Note"/>
+      </xsd:simpleType>
+    </xsd:element>
+    <xsd:element name="MediaServiceObjectDetectorVersions" ma:index="11" nillable="true" ma:displayName="MediaServiceObjectDetectorVersions" ma:hidden="true" ma:indexed="true" ma:internalName="MediaServiceObjectDetectorVersions" ma:readOnly="true">
       <xsd:simpleType>
         <xsd:restriction base="dms:Text"/>
       </xsd:simpleType>
     </xsd:element>
-    <xsd:element name="_dlc_DocIdUrl" ma:index="9" nillable="true" ma:displayName="Belge Kimliği" ma:description="Bu belgeye yönelik kalıcı bağlantı." ma:hidden="true" ma:internalName="_dlc_DocIdUrl" ma:readOnly="true">
-      <xsd:complexType>
-        <xsd:complexContent>
-          <xsd:extension base="dms:URL">
-            <xsd:sequence>
-              <xsd:element name="Url" type="dms:ValidUrl" minOccurs="0" nillable="true"/>
-              <xsd:element name="Description" type="xsd:string" nillable="true"/>
-            </xsd:sequence>
-          </xsd:extension>
-        </xsd:complexContent>
-      </xsd:complexType>
+    <xsd:element name="MediaServiceDateTaken" ma:index="12" nillable="true" ma:displayName="MediaServiceDateTaken" ma:hidden="true" ma:indexed="true" ma:internalName="MediaServiceDateTaken" ma:readOnly="true">
+      <xsd:simpleType>
+        <xsd:restriction base="dms:Text"/>
+      </xsd:simpleType>
     </xsd:element>
-    <xsd:element name="_dlc_DocIdPersistId" ma:index="10" nillable="true" ma:displayName="Persist ID" ma:description="Keep ID on add." ma:hidden="true" ma:internalName="_dlc_DocIdPersistId" ma:readOnly="true">
+    <xsd:element name="_activity" ma:index="13" nillable="true" ma:displayName="_activity" ma:hidden="true" ma:internalName="_activity">
       <xsd:simpleType>
-        <xsd:restriction base="dms:Boolean"/>
+        <xsd:restriction base="dms:Note"/>
       </xsd:simpleType>
     </xsd:element>
   </xsd:schema>
@@ -10439,85 +16610,38 @@
 </ct:contentTypeSchema>
 </file>
 
-<file path=customXml/item2.xml><?xml version="1.0" encoding="utf-8"?>
-<?mso-contentType ?>
-<spe:Receivers xmlns:spe="http://schemas.microsoft.com/sharepoint/events">
-  <Receiver>
-    <Name>Document ID Generator</Name>
-    <Synchronization>Synchronous</Synchronization>
-    <Type>10001</Type>
-    <SequenceNumber>1000</SequenceNumber>
-    <Url/>
-    <Assembly>Microsoft.Office.DocumentManagement, Version=15.0.0.0, Culture=neutral, PublicKeyToken=71e9bce111e9429c</Assembly>
-    <Class>Microsoft.Office.DocumentManagement.Internal.DocIdHandler</Class>
-    <Data/>
-    <Filter/>
-  </Receiver>
-  <Receiver>
-    <Name>Document ID Generator</Name>
-    <Synchronization>Synchronous</Synchronization>
-    <Type>10002</Type>
-    <SequenceNumber>1001</SequenceNumber>
-    <Url/>
-    <Assembly>Microsoft.Office.DocumentManagement, Version=15.0.0.0, Culture=neutral, PublicKeyToken=71e9bce111e9429c</Assembly>
-    <Class>Microsoft.Office.DocumentManagement.Internal.DocIdHandler</Class>
-    <Data/>
-    <Filter/>
-  </Receiver>
-  <Receiver>
-    <Name>Document ID Generator</Name>
-    <Synchronization>Synchronous</Synchronization>
-    <Type>10004</Type>
-    <SequenceNumber>1002</SequenceNumber>
-    <Url/>
-    <Assembly>Microsoft.Office.DocumentManagement, Version=15.0.0.0, Culture=neutral, PublicKeyToken=71e9bce111e9429c</Assembly>
-    <Class>Microsoft.Office.DocumentManagement.Internal.DocIdHandler</Class>
-    <Data/>
-    <Filter/>
-  </Receiver>
-  <Receiver>
-    <Name>Document ID Generator</Name>
-    <Synchronization>Synchronous</Synchronization>
-    <Type>10006</Type>
-    <SequenceNumber>1003</SequenceNumber>
-    <Url/>
-    <Assembly>Microsoft.Office.DocumentManagement, Version=15.0.0.0, Culture=neutral, PublicKeyToken=71e9bce111e9429c</Assembly>
-    <Class>Microsoft.Office.DocumentManagement.Internal.DocIdHandler</Class>
-    <Data/>
-    <Filter/>
-  </Receiver>
-</spe:Receivers>
+<file path=customXml/itemProps1.xml><?xml version="1.0" encoding="utf-8"?>
+<ds:datastoreItem xmlns:ds="http://schemas.openxmlformats.org/officeDocument/2006/customXml" ds:itemID="{0C9E674A-4883-4338-9B0C-081EEE383D92}">
+  <ds:schemaRefs>
+    <ds:schemaRef ds:uri="http://schemas.microsoft.com/office/2006/metadata/properties"/>
+    <ds:schemaRef ds:uri="http://purl.org/dc/terms/"/>
+    <ds:schemaRef ds:uri="http://purl.org/dc/dcmitype/"/>
+    <ds:schemaRef ds:uri="http://www.w3.org/XML/1998/namespace"/>
+    <ds:schemaRef ds:uri="http://schemas.microsoft.com/office/infopath/2007/PartnerControls"/>
+    <ds:schemaRef ds:uri="http://schemas.microsoft.com/office/2006/documentManagement/types"/>
+    <ds:schemaRef ds:uri="http://schemas.openxmlformats.org/package/2006/metadata/core-properties"/>
+    <ds:schemaRef ds:uri="f048bf54-aa83-4439-b641-98df509ced0a"/>
+    <ds:schemaRef ds:uri="http://purl.org/dc/elements/1.1/"/>
+  </ds:schemaRefs>
+</ds:datastoreItem>
 </file>
 
-<file path=customXml/item3.xml><?xml version="1.0" encoding="utf-8"?>
-<?mso-contentType ?>
-<FormTemplates xmlns="http://schemas.microsoft.com/sharepoint/v3/contenttype/forms">
-  <Display>DocumentLibraryForm</Display>
-  <Edit>DocumentLibraryForm</Edit>
-  <New>DocumentLibraryForm</New>
-</FormTemplates>
+<file path=customXml/itemProps2.xml><?xml version="1.0" encoding="utf-8"?>
+<ds:datastoreItem xmlns:ds="http://schemas.openxmlformats.org/officeDocument/2006/customXml" ds:itemID="{3A3AC79A-8B1C-4BE4-9709-1C5B10B3B3C0}">
+  <ds:schemaRefs>
+    <ds:schemaRef ds:uri="http://schemas.microsoft.com/sharepoint/v3/contenttype/forms"/>
+  </ds:schemaRefs>
+</ds:datastoreItem>
 </file>
 
-<file path=customXml/item4.xml><?xml version="1.0" encoding="utf-8"?>
-<p:properties xmlns:p="http://schemas.microsoft.com/office/2006/metadata/properties" xmlns:xsi="http://www.w3.org/2001/XMLSchema-instance" xmlns:pc="http://schemas.microsoft.com/office/infopath/2007/PartnerControls">
-  <documentManagement>
-    <_dlc_DocId xmlns="51addbf6-cd97-4f3e-bcc7-a2381a20af9f">AKVJQPKRQQH7-3436-8</_dlc_DocId>
-    <_dlc_DocIdUrl xmlns="51addbf6-cd97-4f3e-bcc7-a2381a20af9f">
-      <Url>https://ebilgi.aselsan.com.tr/sstsite/fonkyon/sstkkytm/sekreterlik/_layouts/15/DocIdRedir.aspx?ID=AKVJQPKRQQH7-3436-8</Url>
-      <Description>AKVJQPKRQQH7-3436-8</Description>
-    </_dlc_DocIdUrl>
-  </documentManagement>
-</p:properties>
-</file>
-
-<file path=customXml/itemProps1.xml><?xml version="1.0" encoding="utf-8"?>
-<ds:datastoreItem xmlns:ds="http://schemas.openxmlformats.org/officeDocument/2006/customXml" ds:itemID="{5B5906E5-1A56-420E-AB57-A6D3967B7181}">
+<file path=customXml/itemProps3.xml><?xml version="1.0" encoding="utf-8"?>
+<ds:datastoreItem xmlns:ds="http://schemas.openxmlformats.org/officeDocument/2006/customXml" ds:itemID="{A948BF03-C974-4C7C-817E-45E868855FBF}">
   <ds:schemaRefs>
     <ds:schemaRef ds:uri="http://schemas.microsoft.com/office/2006/metadata/contentType"/>
     <ds:schemaRef ds:uri="http://schemas.microsoft.com/office/2006/metadata/properties/metaAttributes"/>
     <ds:schemaRef ds:uri="http://www.w3.org/2001/XMLSchema"/>
     <ds:schemaRef ds:uri="http://schemas.microsoft.com/office/2006/metadata/properties"/>
-    <ds:schemaRef ds:uri="51addbf6-cd97-4f3e-bcc7-a2381a20af9f"/>
+    <ds:schemaRef ds:uri="f048bf54-aa83-4439-b641-98df509ced0a"/>
     <ds:schemaRef ds:uri="http://schemas.microsoft.com/office/2006/documentManagement/types"/>
     <ds:schemaRef ds:uri="http://schemas.microsoft.com/office/infopath/2007/PartnerControls"/>
     <ds:schemaRef ds:uri="http://schemas.openxmlformats.org/package/2006/metadata/core-properties"/>
@@ -10528,34 +16652,8 @@
 </ds:datastoreItem>
 </file>
 
-<file path=customXml/itemProps2.xml><?xml version="1.0" encoding="utf-8"?>
-<ds:datastoreItem xmlns:ds="http://schemas.openxmlformats.org/officeDocument/2006/customXml" ds:itemID="{8BAB2C71-C44E-4ECA-BCB3-A29394386464}">
-  <ds:schemaRefs>
-    <ds:schemaRef ds:uri="http://schemas.microsoft.com/sharepoint/events"/>
-  </ds:schemaRefs>
-</ds:datastoreItem>
-</file>
-
-<file path=customXml/itemProps3.xml><?xml version="1.0" encoding="utf-8"?>
-<ds:datastoreItem xmlns:ds="http://schemas.openxmlformats.org/officeDocument/2006/customXml" ds:itemID="{3A3AC79A-8B1C-4BE4-9709-1C5B10B3B3C0}">
-  <ds:schemaRefs>
-    <ds:schemaRef ds:uri="http://schemas.microsoft.com/sharepoint/v3/contenttype/forms"/>
-  </ds:schemaRefs>
-</ds:datastoreItem>
-</file>
-
-<file path=customXml/itemProps4.xml><?xml version="1.0" encoding="utf-8"?>
-<ds:datastoreItem xmlns:ds="http://schemas.openxmlformats.org/officeDocument/2006/customXml" ds:itemID="{0C9E674A-4883-4338-9B0C-081EEE383D92}">
-  <ds:schemaRefs>
-    <ds:schemaRef ds:uri="http://purl.org/dc/dcmitype/"/>
-    <ds:schemaRef ds:uri="http://schemas.microsoft.com/office/infopath/2007/PartnerControls"/>
-    <ds:schemaRef ds:uri="51addbf6-cd97-4f3e-bcc7-a2381a20af9f"/>
-    <ds:schemaRef ds:uri="http://schemas.microsoft.com/office/2006/documentManagement/types"/>
-    <ds:schemaRef ds:uri="http://www.w3.org/XML/1998/namespace"/>
-    <ds:schemaRef ds:uri="http://purl.org/dc/elements/1.1/"/>
-    <ds:schemaRef ds:uri="http://schemas.openxmlformats.org/package/2006/metadata/core-properties"/>
-    <ds:schemaRef ds:uri="http://schemas.microsoft.com/office/2006/metadata/properties"/>
-    <ds:schemaRef ds:uri="http://purl.org/dc/terms/"/>
-  </ds:schemaRefs>
-</ds:datastoreItem>
+<file path=docMetadata/LabelInfo.xml><?xml version="1.0" encoding="utf-8"?>
+<clbl:labelList xmlns:clbl="http://schemas.microsoft.com/office/2020/mipLabelMetadata">
+  <clbl:label id="{46415e10-7270-4148-bc02-4fac48fe7ef2}" enabled="0" method="" siteId="{46415e10-7270-4148-bc02-4fac48fe7ef2}" removed="1"/>
+</clbl:labelList>
 </file>
--- a/YusufEmreBayrakcıStajSunum.pptx
+++ b/YusufEmreBayrakcıStajSunum.pptx
@@ -927,7 +927,7 @@
           <a:bodyPr/>
           <a:lstStyle/>
           <a:p>
-            <a:endParaRPr lang="en-US" altLang="tr-TR">
+            <a:endParaRPr lang="en-US" altLang="tr-TR" dirty="0">
               <a:latin typeface="Arial" panose="020B0604020202020204" pitchFamily="34" charset="0"/>
             </a:endParaRPr>
           </a:p>
@@ -1652,7 +1652,7 @@
             </a:r>
             <a:r>
               <a:rPr lang="tr-TR" dirty="0"/>
-              <a:t> </a:t>
+              <a:t> ,</a:t>
             </a:r>
             <a:r>
               <a:rPr lang="tr-TR" dirty="0" err="1"/>
@@ -1669,19 +1669,6 @@
             <a:r>
               <a:rPr lang="tr-TR" dirty="0"/>
               <a:t> gibi servisleri kullanmayı öğrendim.</a:t>
-            </a:r>
-          </a:p>
-          <a:p>
-            <a:r>
-              <a:rPr lang="tr-TR" b="1" dirty="0"/>
-              <a:t>Veriye Dayalı Karar</a:t>
-            </a:r>
-            <a:br>
-              <a:rPr lang="tr-TR" dirty="0"/>
-            </a:br>
-            <a:r>
-              <a:rPr lang="tr-TR" dirty="0"/>
-              <a:t>Test sonuçlarına dayanarak en uygun teknolojiyi belirledim.</a:t>
             </a:r>
           </a:p>
           <a:p>
@@ -11973,20 +11960,20 @@
 </file>
 
 <file path=customXml/item1.xml><?xml version="1.0" encoding="utf-8"?>
+<p:properties xmlns:p="http://schemas.microsoft.com/office/2006/metadata/properties" xmlns:xsi="http://www.w3.org/2001/XMLSchema-instance" xmlns:pc="http://schemas.microsoft.com/office/infopath/2007/PartnerControls">
+  <documentManagement>
+    <_activity xmlns="f048bf54-aa83-4439-b641-98df509ced0a" xsi:nil="true"/>
+  </documentManagement>
+</p:properties>
+</file>
+
+<file path=customXml/item2.xml><?xml version="1.0" encoding="utf-8"?>
 <?mso-contentType ?>
 <FormTemplates xmlns="http://schemas.microsoft.com/sharepoint/v3/contenttype/forms">
   <Display>DocumentLibraryForm</Display>
   <Edit>DocumentLibraryForm</Edit>
   <New>DocumentLibraryForm</New>
 </FormTemplates>
-</file>
-
-<file path=customXml/item2.xml><?xml version="1.0" encoding="utf-8"?>
-<p:properties xmlns:p="http://schemas.microsoft.com/office/2006/metadata/properties" xmlns:xsi="http://www.w3.org/2001/XMLSchema-instance" xmlns:pc="http://schemas.microsoft.com/office/infopath/2007/PartnerControls">
-  <documentManagement>
-    <_activity xmlns="f048bf54-aa83-4439-b641-98df509ced0a" xsi:nil="true"/>
-  </documentManagement>
-</p:properties>
 </file>
 
 <file path=customXml/item3.xml><?xml version="1.0" encoding="utf-8"?>
@@ -12146,14 +12133,6 @@
 </file>
 
 <file path=customXml/itemProps1.xml><?xml version="1.0" encoding="utf-8"?>
-<ds:datastoreItem xmlns:ds="http://schemas.openxmlformats.org/officeDocument/2006/customXml" ds:itemID="{3A3AC79A-8B1C-4BE4-9709-1C5B10B3B3C0}">
-  <ds:schemaRefs>
-    <ds:schemaRef ds:uri="http://schemas.microsoft.com/sharepoint/v3/contenttype/forms"/>
-  </ds:schemaRefs>
-</ds:datastoreItem>
-</file>
-
-<file path=customXml/itemProps2.xml><?xml version="1.0" encoding="utf-8"?>
 <ds:datastoreItem xmlns:ds="http://schemas.openxmlformats.org/officeDocument/2006/customXml" ds:itemID="{0C9E674A-4883-4338-9B0C-081EEE383D92}">
   <ds:schemaRefs>
     <ds:schemaRef ds:uri="http://schemas.microsoft.com/office/infopath/2007/PartnerControls"/>
@@ -12165,6 +12144,14 @@
     <ds:schemaRef ds:uri="http://schemas.microsoft.com/office/2006/metadata/properties"/>
     <ds:schemaRef ds:uri="f048bf54-aa83-4439-b641-98df509ced0a"/>
     <ds:schemaRef ds:uri="http://www.w3.org/XML/1998/namespace"/>
+  </ds:schemaRefs>
+</ds:datastoreItem>
+</file>
+
+<file path=customXml/itemProps2.xml><?xml version="1.0" encoding="utf-8"?>
+<ds:datastoreItem xmlns:ds="http://schemas.openxmlformats.org/officeDocument/2006/customXml" ds:itemID="{3A3AC79A-8B1C-4BE4-9709-1C5B10B3B3C0}">
+  <ds:schemaRefs>
+    <ds:schemaRef ds:uri="http://schemas.microsoft.com/sharepoint/v3/contenttype/forms"/>
   </ds:schemaRefs>
 </ds:datastoreItem>
 </file>

--- a/YusufEmreBayrakcıStajSunum.pptx
+++ b/YusufEmreBayrakcıStajSunum.pptx
@@ -188,14 +188,6 @@
 </p:presentation>
 </file>
 
-<file path=ppt/revisionInfo.xml><?xml version="1.0" encoding="utf-8"?>
-<p1510:revInfo xmlns:a="http://schemas.openxmlformats.org/drawingml/2006/main" xmlns:r="http://schemas.openxmlformats.org/officeDocument/2006/relationships" xmlns:p1510="http://schemas.microsoft.com/office/powerpoint/2015/10/main">
-  <p1510:revLst>
-    <p1510:client id="{7057BA1E-225D-4E0F-8BE4-7B92A437EA01}" v="124" dt="2025-07-09T20:16:05.824"/>
-  </p1510:revLst>
-</p1510:revInfo>
-</file>
-
 <file path=ppt/handoutMasters/handoutMaster1.xml><?xml version="1.0" encoding="utf-8"?>
 <p:handoutMaster xmlns:a="http://schemas.openxmlformats.org/drawingml/2006/main" xmlns:r="http://schemas.openxmlformats.org/officeDocument/2006/relationships" xmlns:p="http://schemas.openxmlformats.org/presentationml/2006/main">
   <p:cSld>
@@ -992,194 +984,10 @@
           <a:p>
             <a:pPr>
               <a:lnSpc>
-                <a:spcPct val="200000"/>
-              </a:lnSpc>
-            </a:pPr>
-            <a:r>
-              <a:rPr lang="tr-TR" b="1" dirty="0"/>
-              <a:t>Test</a:t>
-            </a:r>
-          </a:p>
-          <a:p>
-            <a:pPr marL="285750" indent="-285750">
-              <a:lnSpc>
-                <a:spcPct val="200000"/>
-              </a:lnSpc>
-              <a:buFont typeface="Wingdings" panose="05000000000000000000" pitchFamily="2" charset="2"/>
-              <a:buChar char="v"/>
-            </a:pPr>
-            <a:r>
-              <a:rPr lang="tr-TR" dirty="0"/>
-              <a:t>K6 ile yükleme testi gerçekleştirdik</a:t>
-            </a:r>
-          </a:p>
-          <a:p>
-            <a:pPr marL="285750" indent="-285750">
-              <a:lnSpc>
-                <a:spcPct val="200000"/>
-              </a:lnSpc>
-              <a:buFont typeface="Wingdings" panose="05000000000000000000" pitchFamily="2" charset="2"/>
-              <a:buChar char="v"/>
-            </a:pPr>
-            <a:r>
-              <a:rPr lang="tr-TR" dirty="0"/>
-              <a:t>Testte iki adet metot ölçümü yaptık</a:t>
-            </a:r>
-            <a:br>
-              <a:rPr lang="tr-TR" dirty="0"/>
-            </a:br>
-            <a:r>
-              <a:rPr lang="tr-TR" dirty="0"/>
-              <a:t>Tabloya yazma (Skor artırma)</a:t>
-            </a:r>
-            <a:br>
-              <a:rPr lang="tr-TR" dirty="0"/>
-            </a:br>
-            <a:r>
-              <a:rPr lang="tr-TR" dirty="0"/>
-              <a:t>Tablodan okuma (İlk 100 oyuncu)</a:t>
-            </a:r>
-            <a:br>
-              <a:rPr lang="tr-TR" dirty="0"/>
-            </a:br>
-            <a:r>
-              <a:rPr lang="tr-TR" dirty="0"/>
-              <a:t>Her test başlangıcında 10 000 oyunculu lider tablosu oluşturma.</a:t>
-            </a:r>
-          </a:p>
-          <a:p>
-            <a:pPr>
-              <a:lnSpc>
-                <a:spcPct val="200000"/>
-              </a:lnSpc>
-            </a:pPr>
-            <a:r>
-              <a:rPr lang="tr-TR" b="1" dirty="0"/>
-              <a:t>Ölçülen Metrikler</a:t>
-            </a:r>
-          </a:p>
-          <a:p>
-            <a:pPr marL="285750" indent="-285750">
-              <a:lnSpc>
-                <a:spcPct val="200000"/>
-              </a:lnSpc>
-              <a:buFont typeface="Wingdings" panose="05000000000000000000" pitchFamily="2" charset="2"/>
-              <a:buChar char="v"/>
-            </a:pPr>
-            <a:r>
-              <a:rPr lang="tr-TR" dirty="0"/>
-              <a:t>p50 , p95 , p99 , </a:t>
-            </a:r>
-            <a:r>
-              <a:rPr lang="tr-TR" dirty="0" err="1"/>
-              <a:t>Throughput</a:t>
-            </a:r>
-            <a:r>
-              <a:rPr lang="tr-TR" dirty="0"/>
-              <a:t>(</a:t>
-            </a:r>
-            <a:r>
-              <a:rPr lang="tr-TR" dirty="0" err="1"/>
-              <a:t>ops</a:t>
-            </a:r>
-            <a:r>
-              <a:rPr lang="tr-TR" dirty="0"/>
-              <a:t>/s)</a:t>
-            </a:r>
-          </a:p>
-          <a:p>
-            <a:pPr marL="285750" indent="-285750">
-              <a:lnSpc>
-                <a:spcPct val="200000"/>
-              </a:lnSpc>
-              <a:buFont typeface="Wingdings" panose="05000000000000000000" pitchFamily="2" charset="2"/>
-              <a:buChar char="v"/>
-            </a:pPr>
-            <a:r>
-              <a:rPr lang="tr-TR" dirty="0"/>
-              <a:t>Ortalama , minimum ve maksimum değerleri</a:t>
-            </a:r>
-            <a:br>
-              <a:rPr lang="tr-TR" dirty="0"/>
-            </a:br>
-            <a:br>
-              <a:rPr lang="tr-TR" b="1" dirty="0"/>
-            </a:br>
-            <a:r>
-              <a:rPr lang="tr-TR" b="1" dirty="0"/>
-              <a:t>Test Senaryoları</a:t>
-            </a:r>
-          </a:p>
-          <a:p>
-            <a:pPr marL="285750" indent="-285750">
-              <a:lnSpc>
                 <a:spcPct val="250000"/>
               </a:lnSpc>
-              <a:buFont typeface="Wingdings" panose="05000000000000000000" pitchFamily="2" charset="2"/>
-              <a:buChar char="v"/>
-            </a:pPr>
-            <a:r>
-              <a:rPr lang="tr-TR" dirty="0"/>
-              <a:t>0.5k </a:t>
-            </a:r>
-            <a:r>
-              <a:rPr lang="tr-TR" dirty="0" err="1"/>
-              <a:t>ops</a:t>
-            </a:r>
-            <a:r>
-              <a:rPr lang="tr-TR" dirty="0"/>
-              <a:t>/s Yazma Kayıpsız işlenirken Maksimum Okuma</a:t>
-            </a:r>
-          </a:p>
-          <a:p>
-            <a:pPr marL="285750" indent="-285750">
-              <a:lnSpc>
-                <a:spcPct val="250000"/>
-              </a:lnSpc>
-              <a:buFont typeface="Wingdings" panose="05000000000000000000" pitchFamily="2" charset="2"/>
-              <a:buChar char="v"/>
-            </a:pPr>
-            <a:r>
-              <a:rPr lang="tr-TR" dirty="0"/>
-              <a:t>1k </a:t>
-            </a:r>
-            <a:r>
-              <a:rPr lang="tr-TR" dirty="0" err="1"/>
-              <a:t>ops</a:t>
-            </a:r>
-            <a:r>
-              <a:rPr lang="tr-TR" dirty="0"/>
-              <a:t>/s Yazma Kayıpsız işlenirken Maksimum Okuma</a:t>
-            </a:r>
-          </a:p>
-          <a:p>
-            <a:pPr marL="285750" indent="-285750">
-              <a:lnSpc>
-                <a:spcPct val="250000"/>
-              </a:lnSpc>
-              <a:buFont typeface="Wingdings" panose="05000000000000000000" pitchFamily="2" charset="2"/>
-              <a:buChar char="v"/>
-            </a:pPr>
-            <a:r>
-              <a:rPr lang="tr-TR" dirty="0"/>
-              <a:t>2k </a:t>
-            </a:r>
-            <a:r>
-              <a:rPr lang="tr-TR" dirty="0" err="1"/>
-              <a:t>ops</a:t>
-            </a:r>
-            <a:r>
-              <a:rPr lang="tr-TR" dirty="0"/>
-              <a:t>/s Yazma ve 10k </a:t>
-            </a:r>
-            <a:r>
-              <a:rPr lang="tr-TR" dirty="0" err="1"/>
-              <a:t>ops</a:t>
-            </a:r>
-            <a:r>
-              <a:rPr lang="tr-TR" dirty="0"/>
-              <a:t>/s Okuma isteğinin ne kadarı işlenebildi ?</a:t>
-            </a:r>
+            </a:pPr>
+            <a:endParaRPr lang="tr-TR" dirty="0"/>
           </a:p>
         </p:txBody>
       </p:sp>
@@ -1206,7 +1014,7 @@
               <a:pPr>
                 <a:defRPr/>
               </a:pPr>
-              <a:t>15</a:t>
+              <a:t>14</a:t>
             </a:fld>
             <a:endParaRPr lang="tr-TR" altLang="tr-TR"/>
           </a:p>
@@ -1215,7 +1023,7 @@
     </p:spTree>
     <p:extLst>
       <p:ext uri="{BB962C8B-B14F-4D97-AF65-F5344CB8AC3E}">
-        <p14:creationId xmlns:p14="http://schemas.microsoft.com/office/powerpoint/2010/main" val="579126727"/>
+        <p14:creationId xmlns:p14="http://schemas.microsoft.com/office/powerpoint/2010/main" val="1032311474"/>
       </p:ext>
     </p:extLst>
   </p:cSld>
@@ -1269,116 +1077,196 @@
           <a:bodyPr/>
           <a:lstStyle/>
           <a:p>
+            <a:pPr>
+              <a:lnSpc>
+                <a:spcPct val="200000"/>
+              </a:lnSpc>
+            </a:pPr>
             <a:r>
               <a:rPr lang="tr-TR" b="1" dirty="0"/>
-              <a:t>Sonuç ve Öneriler</a:t>
-            </a:r>
-          </a:p>
-          <a:p>
-            <a:endParaRPr lang="tr-TR" b="1" dirty="0"/>
-          </a:p>
-          <a:p>
+              <a:t>Test</a:t>
+            </a:r>
+          </a:p>
+          <a:p>
+            <a:pPr marL="285750" indent="-285750">
+              <a:lnSpc>
+                <a:spcPct val="200000"/>
+              </a:lnSpc>
+              <a:buFont typeface="Wingdings" panose="05000000000000000000" pitchFamily="2" charset="2"/>
+              <a:buChar char="v"/>
+            </a:pPr>
+            <a:r>
+              <a:rPr lang="tr-TR" dirty="0"/>
+              <a:t>K6 ile yükleme testi gerçekleştirdik</a:t>
+            </a:r>
+          </a:p>
+          <a:p>
+            <a:pPr marL="285750" indent="-285750">
+              <a:lnSpc>
+                <a:spcPct val="200000"/>
+              </a:lnSpc>
+              <a:buFont typeface="Wingdings" panose="05000000000000000000" pitchFamily="2" charset="2"/>
+              <a:buChar char="v"/>
+            </a:pPr>
+            <a:r>
+              <a:rPr lang="tr-TR" dirty="0"/>
+              <a:t>Testte iki adet metot ölçümü yaptık</a:t>
+            </a:r>
+            <a:br>
+              <a:rPr lang="tr-TR" dirty="0"/>
+            </a:br>
+            <a:r>
+              <a:rPr lang="tr-TR" dirty="0"/>
+              <a:t>Tabloya yazma (Skor artırma)</a:t>
+            </a:r>
+            <a:br>
+              <a:rPr lang="tr-TR" dirty="0"/>
+            </a:br>
+            <a:r>
+              <a:rPr lang="tr-TR" dirty="0"/>
+              <a:t>Tablodan okuma (İlk 100 oyuncu)</a:t>
+            </a:r>
+            <a:br>
+              <a:rPr lang="tr-TR" dirty="0"/>
+            </a:br>
+            <a:r>
+              <a:rPr lang="tr-TR" dirty="0"/>
+              <a:t>Her test başlangıcında 10 000 oyunculu lider tablosu oluşturma.</a:t>
+            </a:r>
+          </a:p>
+          <a:p>
+            <a:pPr>
+              <a:lnSpc>
+                <a:spcPct val="200000"/>
+              </a:lnSpc>
+            </a:pPr>
             <a:r>
               <a:rPr lang="tr-TR" b="1" dirty="0"/>
-              <a:t>En yüksek performans önceliğinizse</a:t>
-            </a:r>
-            <a:r>
-              <a:rPr lang="tr-TR" dirty="0"/>
-              <a:t> (</a:t>
+              <a:t>Ölçülen Metrikler</a:t>
+            </a:r>
+          </a:p>
+          <a:p>
+            <a:pPr marL="285750" indent="-285750">
+              <a:lnSpc>
+                <a:spcPct val="200000"/>
+              </a:lnSpc>
+              <a:buFont typeface="Wingdings" panose="05000000000000000000" pitchFamily="2" charset="2"/>
+              <a:buChar char="v"/>
+            </a:pPr>
+            <a:r>
+              <a:rPr lang="tr-TR" dirty="0"/>
+              <a:t>p50 , p95 , p99 , </a:t>
             </a:r>
             <a:r>
               <a:rPr lang="tr-TR" dirty="0" err="1"/>
-              <a:t>low-latency</a:t>
-            </a:r>
-            <a:r>
-              <a:rPr lang="tr-TR" dirty="0"/>
-              <a:t>, yüksek </a:t>
+              <a:t>Throughput</a:t>
+            </a:r>
+            <a:r>
+              <a:rPr lang="tr-TR" dirty="0"/>
+              <a:t>(</a:t>
             </a:r>
             <a:r>
               <a:rPr lang="tr-TR" dirty="0" err="1"/>
-              <a:t>throughput</a:t>
-            </a:r>
-            <a:r>
-              <a:rPr lang="tr-TR" dirty="0"/>
-              <a:t>) ve </a:t>
-            </a:r>
-            <a:r>
+              <a:t>ops</a:t>
+            </a:r>
+            <a:r>
+              <a:rPr lang="tr-TR" dirty="0"/>
+              <a:t>/s)</a:t>
+            </a:r>
+          </a:p>
+          <a:p>
+            <a:pPr marL="285750" indent="-285750">
+              <a:lnSpc>
+                <a:spcPct val="200000"/>
+              </a:lnSpc>
+              <a:buFont typeface="Wingdings" panose="05000000000000000000" pitchFamily="2" charset="2"/>
+              <a:buChar char="v"/>
+            </a:pPr>
+            <a:r>
+              <a:rPr lang="tr-TR" dirty="0"/>
+              <a:t>Ortalama , minimum ve maksimum değerleri</a:t>
+            </a:r>
+            <a:br>
+              <a:rPr lang="tr-TR" dirty="0"/>
+            </a:br>
+            <a:br>
               <a:rPr lang="tr-TR" b="1" dirty="0"/>
-              <a:t>veri kaybı kabul edilebilirse</a:t>
-            </a:r>
-            <a:r>
-              <a:rPr lang="tr-TR" dirty="0"/>
-              <a:t>, </a:t>
-            </a:r>
-            <a:r>
-              <a:rPr lang="tr-TR" b="1" dirty="0" err="1"/>
-              <a:t>Plain</a:t>
-            </a:r>
+            </a:br>
             <a:r>
               <a:rPr lang="tr-TR" b="1" dirty="0"/>
-              <a:t> Java</a:t>
-            </a:r>
-            <a:r>
-              <a:rPr lang="tr-TR" dirty="0"/>
-              <a:t> profili tercih edilmeli.</a:t>
-            </a:r>
-          </a:p>
-          <a:p>
-            <a:endParaRPr lang="tr-TR" dirty="0"/>
-          </a:p>
-          <a:p>
-            <a:r>
-              <a:rPr lang="tr-TR" b="1" dirty="0"/>
-              <a:t>Kısa ömürlü </a:t>
-            </a:r>
-            <a:r>
-              <a:rPr lang="tr-TR" b="1" dirty="0" err="1"/>
-              <a:t>cache</a:t>
-            </a:r>
-            <a:r>
-              <a:rPr lang="tr-TR" dirty="0"/>
-              <a:t> ile bellek yönetimi ve TTL kontrollü hızlı erişim gerekiyorsa, </a:t>
-            </a:r>
-            <a:r>
-              <a:rPr lang="tr-TR" b="1" dirty="0" err="1"/>
-              <a:t>Caffeine</a:t>
-            </a:r>
-            <a:r>
-              <a:rPr lang="tr-TR" dirty="0"/>
-              <a:t> iyi bir ara çözüm sunar.</a:t>
-            </a:r>
-          </a:p>
-          <a:p>
-            <a:endParaRPr lang="tr-TR" dirty="0"/>
-          </a:p>
-          <a:p>
-            <a:r>
-              <a:rPr lang="tr-TR" b="1" dirty="0"/>
-              <a:t>Veri dayanıklılığı, dağıtık mimari</a:t>
-            </a:r>
-            <a:r>
-              <a:rPr lang="tr-TR" dirty="0"/>
-              <a:t> ve </a:t>
-            </a:r>
-            <a:r>
-              <a:rPr lang="tr-TR" b="1" dirty="0"/>
-              <a:t>yüksek kalıcılık</a:t>
-            </a:r>
-            <a:r>
-              <a:rPr lang="tr-TR" dirty="0"/>
-              <a:t> ön plandaysa, performans kaybını göze alarak </a:t>
-            </a:r>
-            <a:r>
-              <a:rPr lang="tr-TR" b="1" dirty="0" err="1"/>
-              <a:t>Redis</a:t>
-            </a:r>
-            <a:r>
-              <a:rPr lang="tr-TR" dirty="0"/>
-              <a:t> kullanmak en uygun stratejidir.</a:t>
-            </a:r>
-          </a:p>
-          <a:p>
-            <a:endParaRPr lang="tr-TR" dirty="0"/>
+              <a:t>Test Senaryoları</a:t>
+            </a:r>
+          </a:p>
+          <a:p>
+            <a:pPr marL="285750" indent="-285750">
+              <a:lnSpc>
+                <a:spcPct val="250000"/>
+              </a:lnSpc>
+              <a:buFont typeface="Wingdings" panose="05000000000000000000" pitchFamily="2" charset="2"/>
+              <a:buChar char="v"/>
+            </a:pPr>
+            <a:r>
+              <a:rPr lang="tr-TR" dirty="0"/>
+              <a:t>0.5k </a:t>
+            </a:r>
+            <a:r>
+              <a:rPr lang="tr-TR" dirty="0" err="1"/>
+              <a:t>ops</a:t>
+            </a:r>
+            <a:r>
+              <a:rPr lang="tr-TR" dirty="0"/>
+              <a:t>/s Yazma Kayıpsız işlenirken Maksimum Okuma</a:t>
+            </a:r>
+          </a:p>
+          <a:p>
+            <a:pPr marL="285750" indent="-285750">
+              <a:lnSpc>
+                <a:spcPct val="250000"/>
+              </a:lnSpc>
+              <a:buFont typeface="Wingdings" panose="05000000000000000000" pitchFamily="2" charset="2"/>
+              <a:buChar char="v"/>
+            </a:pPr>
+            <a:r>
+              <a:rPr lang="tr-TR" dirty="0"/>
+              <a:t>1k </a:t>
+            </a:r>
+            <a:r>
+              <a:rPr lang="tr-TR" dirty="0" err="1"/>
+              <a:t>ops</a:t>
+            </a:r>
+            <a:r>
+              <a:rPr lang="tr-TR" dirty="0"/>
+              <a:t>/s Yazma Kayıpsız işlenirken Maksimum Okuma</a:t>
+            </a:r>
+          </a:p>
+          <a:p>
+            <a:pPr marL="285750" indent="-285750">
+              <a:lnSpc>
+                <a:spcPct val="250000"/>
+              </a:lnSpc>
+              <a:buFont typeface="Wingdings" panose="05000000000000000000" pitchFamily="2" charset="2"/>
+              <a:buChar char="v"/>
+            </a:pPr>
+            <a:r>
+              <a:rPr lang="tr-TR" dirty="0"/>
+              <a:t>2k </a:t>
+            </a:r>
+            <a:r>
+              <a:rPr lang="tr-TR" dirty="0" err="1"/>
+              <a:t>ops</a:t>
+            </a:r>
+            <a:r>
+              <a:rPr lang="tr-TR" dirty="0"/>
+              <a:t>/s Yazma ve 10k </a:t>
+            </a:r>
+            <a:r>
+              <a:rPr lang="tr-TR" dirty="0" err="1"/>
+              <a:t>ops</a:t>
+            </a:r>
+            <a:r>
+              <a:rPr lang="tr-TR" dirty="0"/>
+              <a:t>/s Okuma isteğinin ne kadarı işlenebildi ?</a:t>
+            </a:r>
           </a:p>
         </p:txBody>
       </p:sp>
@@ -1405,6 +1293,205 @@
               <a:pPr>
                 <a:defRPr/>
               </a:pPr>
+              <a:t>15</a:t>
+            </a:fld>
+            <a:endParaRPr lang="tr-TR" altLang="tr-TR"/>
+          </a:p>
+        </p:txBody>
+      </p:sp>
+    </p:spTree>
+    <p:extLst>
+      <p:ext uri="{BB962C8B-B14F-4D97-AF65-F5344CB8AC3E}">
+        <p14:creationId xmlns:p14="http://schemas.microsoft.com/office/powerpoint/2010/main" val="579126727"/>
+      </p:ext>
+    </p:extLst>
+  </p:cSld>
+  <p:clrMapOvr>
+    <a:masterClrMapping/>
+  </p:clrMapOvr>
+</p:notes>
+</file>
+
+<file path=ppt/notesSlides/notesSlide12.xml><?xml version="1.0" encoding="utf-8"?>
+<p:notes xmlns:a="http://schemas.openxmlformats.org/drawingml/2006/main" xmlns:r="http://schemas.openxmlformats.org/officeDocument/2006/relationships" xmlns:p="http://schemas.openxmlformats.org/presentationml/2006/main">
+  <p:cSld>
+    <p:spTree>
+      <p:nvGrpSpPr>
+        <p:cNvPr id="1" name=""/>
+        <p:cNvGrpSpPr/>
+        <p:nvPr/>
+      </p:nvGrpSpPr>
+      <p:grpSpPr>
+        <a:xfrm>
+          <a:off x="0" y="0"/>
+          <a:ext cx="0" cy="0"/>
+          <a:chOff x="0" y="0"/>
+          <a:chExt cx="0" cy="0"/>
+        </a:xfrm>
+      </p:grpSpPr>
+      <p:sp>
+        <p:nvSpPr>
+          <p:cNvPr id="2" name="Slide Image Placeholder 1"/>
+          <p:cNvSpPr>
+            <a:spLocks noGrp="1" noRot="1" noChangeAspect="1"/>
+          </p:cNvSpPr>
+          <p:nvPr>
+            <p:ph type="sldImg"/>
+          </p:nvPr>
+        </p:nvSpPr>
+        <p:spPr/>
+      </p:sp>
+      <p:sp>
+        <p:nvSpPr>
+          <p:cNvPr id="3" name="Notes Placeholder 2"/>
+          <p:cNvSpPr>
+            <a:spLocks noGrp="1"/>
+          </p:cNvSpPr>
+          <p:nvPr>
+            <p:ph type="body" idx="1"/>
+          </p:nvPr>
+        </p:nvSpPr>
+        <p:spPr/>
+        <p:txBody>
+          <a:bodyPr/>
+          <a:lstStyle/>
+          <a:p>
+            <a:r>
+              <a:rPr lang="tr-TR" b="1" dirty="0"/>
+              <a:t>Sonuç ve Öneriler</a:t>
+            </a:r>
+          </a:p>
+          <a:p>
+            <a:endParaRPr lang="tr-TR" b="1" dirty="0"/>
+          </a:p>
+          <a:p>
+            <a:r>
+              <a:rPr lang="tr-TR" b="1" dirty="0"/>
+              <a:t>En yüksek performans önceliğinizse</a:t>
+            </a:r>
+            <a:r>
+              <a:rPr lang="tr-TR" dirty="0"/>
+              <a:t> (</a:t>
+            </a:r>
+            <a:r>
+              <a:rPr lang="tr-TR" dirty="0" err="1"/>
+              <a:t>low-latency</a:t>
+            </a:r>
+            <a:r>
+              <a:rPr lang="tr-TR" dirty="0"/>
+              <a:t>, yüksek </a:t>
+            </a:r>
+            <a:r>
+              <a:rPr lang="tr-TR" dirty="0" err="1"/>
+              <a:t>throughput</a:t>
+            </a:r>
+            <a:r>
+              <a:rPr lang="tr-TR" dirty="0"/>
+              <a:t>) ve </a:t>
+            </a:r>
+            <a:r>
+              <a:rPr lang="tr-TR" b="1" dirty="0"/>
+              <a:t>veri kaybı kabul edilebilirse</a:t>
+            </a:r>
+            <a:r>
+              <a:rPr lang="tr-TR" dirty="0"/>
+              <a:t>, </a:t>
+            </a:r>
+            <a:r>
+              <a:rPr lang="tr-TR" b="1" dirty="0" err="1"/>
+              <a:t>Plain</a:t>
+            </a:r>
+            <a:r>
+              <a:rPr lang="tr-TR" b="1" dirty="0"/>
+              <a:t> Java</a:t>
+            </a:r>
+            <a:r>
+              <a:rPr lang="tr-TR" dirty="0"/>
+              <a:t> profili tercih edilmeli.</a:t>
+            </a:r>
+          </a:p>
+          <a:p>
+            <a:endParaRPr lang="tr-TR" dirty="0"/>
+          </a:p>
+          <a:p>
+            <a:r>
+              <a:rPr lang="tr-TR" b="1" dirty="0"/>
+              <a:t>Kısa ömürlü </a:t>
+            </a:r>
+            <a:r>
+              <a:rPr lang="tr-TR" b="1" dirty="0" err="1"/>
+              <a:t>cache</a:t>
+            </a:r>
+            <a:r>
+              <a:rPr lang="tr-TR" dirty="0"/>
+              <a:t> ile bellek yönetimi ve TTL kontrollü hızlı erişim gerekiyorsa, </a:t>
+            </a:r>
+            <a:r>
+              <a:rPr lang="tr-TR" b="1" dirty="0" err="1"/>
+              <a:t>Caffeine</a:t>
+            </a:r>
+            <a:r>
+              <a:rPr lang="tr-TR" dirty="0"/>
+              <a:t> iyi bir ara çözüm sunar.</a:t>
+            </a:r>
+          </a:p>
+          <a:p>
+            <a:endParaRPr lang="tr-TR" dirty="0"/>
+          </a:p>
+          <a:p>
+            <a:r>
+              <a:rPr lang="tr-TR" b="1" dirty="0"/>
+              <a:t>Veri dayanıklılığı, dağıtık mimari</a:t>
+            </a:r>
+            <a:r>
+              <a:rPr lang="tr-TR" dirty="0"/>
+              <a:t> ve </a:t>
+            </a:r>
+            <a:r>
+              <a:rPr lang="tr-TR" b="1" dirty="0"/>
+              <a:t>yüksek kalıcılık</a:t>
+            </a:r>
+            <a:r>
+              <a:rPr lang="tr-TR" dirty="0"/>
+              <a:t> ön plandaysa, performans kaybını göze alarak </a:t>
+            </a:r>
+            <a:r>
+              <a:rPr lang="tr-TR" b="1" dirty="0" err="1"/>
+              <a:t>Redis</a:t>
+            </a:r>
+            <a:r>
+              <a:rPr lang="tr-TR" dirty="0"/>
+              <a:t> kullanmak en uygun stratejidir.</a:t>
+            </a:r>
+          </a:p>
+          <a:p>
+            <a:endParaRPr lang="tr-TR" dirty="0"/>
+          </a:p>
+        </p:txBody>
+      </p:sp>
+      <p:sp>
+        <p:nvSpPr>
+          <p:cNvPr id="4" name="Slide Number Placeholder 3"/>
+          <p:cNvSpPr>
+            <a:spLocks noGrp="1"/>
+          </p:cNvSpPr>
+          <p:nvPr>
+            <p:ph type="sldNum" sz="quarter" idx="5"/>
+          </p:nvPr>
+        </p:nvSpPr>
+        <p:spPr/>
+        <p:txBody>
+          <a:bodyPr/>
+          <a:lstStyle/>
+          <a:p>
+            <a:pPr>
+              <a:defRPr/>
+            </a:pPr>
+            <a:fld id="{E7FFCD16-4E3C-48BC-9616-C2284B8EC459}" type="slidenum">
+              <a:rPr lang="tr-TR" altLang="tr-TR" smtClean="0"/>
+              <a:pPr>
+                <a:defRPr/>
+              </a:pPr>
               <a:t>25</a:t>
             </a:fld>
             <a:endParaRPr lang="tr-TR" altLang="tr-TR"/>
@@ -1424,7 +1511,7 @@
 </p:notes>
 </file>
 
-<file path=ppt/notesSlides/notesSlide12.xml><?xml version="1.0" encoding="utf-8"?>
+<file path=ppt/notesSlides/notesSlide13.xml><?xml version="1.0" encoding="utf-8"?>
 <p:notes xmlns:a="http://schemas.openxmlformats.org/drawingml/2006/main" xmlns:r="http://schemas.openxmlformats.org/officeDocument/2006/relationships" xmlns:p="http://schemas.openxmlformats.org/presentationml/2006/main">
   <p:cSld>
     <p:spTree>
@@ -1954,7 +2041,7 @@
           <a:p>
             <a:r>
               <a:rPr lang="tr-TR" dirty="0"/>
-              <a:t>Bu görmüş olduğunuz şema projemin nasıl bir yapıya sahip olduğunu gösteriyor.</a:t>
+              <a:t>Projede kullandığım teknolojiler ve nasıl kullandığıma geldiğimizde,…</a:t>
             </a:r>
           </a:p>
         </p:txBody>
@@ -1982,7 +2069,7 @@
               <a:pPr>
                 <a:defRPr/>
               </a:pPr>
-              <a:t>7</a:t>
+              <a:t>6</a:t>
             </a:fld>
             <a:endParaRPr lang="tr-TR" altLang="tr-TR"/>
           </a:p>
@@ -1991,7 +2078,7 @@
     </p:spTree>
     <p:extLst>
       <p:ext uri="{BB962C8B-B14F-4D97-AF65-F5344CB8AC3E}">
-        <p14:creationId xmlns:p14="http://schemas.microsoft.com/office/powerpoint/2010/main" val="3385380111"/>
+        <p14:creationId xmlns:p14="http://schemas.microsoft.com/office/powerpoint/2010/main" val="3967601244"/>
       </p:ext>
     </p:extLst>
   </p:cSld>
@@ -2047,126 +2134,8 @@
           <a:p>
             <a:r>
               <a:rPr lang="tr-TR" dirty="0"/>
-              <a:t>Lider tablosu </a:t>
-            </a:r>
-            <a:r>
-              <a:rPr lang="tr-TR" dirty="0" err="1"/>
-              <a:t>repositorysi</a:t>
-            </a:r>
-            <a:r>
-              <a:rPr lang="tr-TR" dirty="0"/>
-              <a:t> olarak 3 farklı gerçekleştirim yaptık.</a:t>
-            </a:r>
-            <a:br>
-              <a:rPr lang="tr-TR" dirty="0"/>
-            </a:br>
-            <a:r>
-              <a:rPr lang="tr-TR" dirty="0"/>
-              <a:t>Lider tablosu </a:t>
-            </a:r>
-            <a:r>
-              <a:rPr lang="tr-TR" dirty="0" err="1"/>
-              <a:t>arayüzümüzü</a:t>
-            </a:r>
-            <a:r>
-              <a:rPr lang="tr-TR" dirty="0"/>
-              <a:t> gerçekleştiren </a:t>
-            </a:r>
-            <a:r>
-              <a:rPr lang="tr-TR" dirty="0" err="1"/>
-              <a:t>java</a:t>
-            </a:r>
-            <a:r>
-              <a:rPr lang="tr-TR" dirty="0"/>
-              <a:t> </a:t>
-            </a:r>
-            <a:r>
-              <a:rPr lang="tr-TR" dirty="0" err="1"/>
-              <a:t>caffeine</a:t>
-            </a:r>
-            <a:r>
-              <a:rPr lang="tr-TR" dirty="0"/>
-              <a:t> ve </a:t>
-            </a:r>
-            <a:r>
-              <a:rPr lang="tr-TR" dirty="0" err="1"/>
-              <a:t>redis</a:t>
-            </a:r>
-            <a:r>
-              <a:rPr lang="tr-TR" dirty="0"/>
-              <a:t> depolarımız var</a:t>
-            </a:r>
-          </a:p>
-          <a:p>
-            <a:r>
-              <a:rPr lang="tr-TR" dirty="0"/>
-              <a:t>Bu </a:t>
-            </a:r>
-            <a:r>
-              <a:rPr lang="tr-TR" dirty="0" err="1"/>
-              <a:t>arayüzü</a:t>
-            </a:r>
-            <a:r>
-              <a:rPr lang="tr-TR" dirty="0"/>
-              <a:t> </a:t>
-            </a:r>
-            <a:r>
-              <a:rPr lang="tr-TR" dirty="0" err="1"/>
-              <a:t>controller</a:t>
-            </a:r>
-            <a:r>
-              <a:rPr lang="tr-TR" dirty="0"/>
-              <a:t> ve service aracılığıyla erişiyoruz</a:t>
-            </a:r>
-            <a:br>
-              <a:rPr lang="tr-TR" dirty="0"/>
-            </a:br>
-            <a:r>
-              <a:rPr lang="tr-TR" dirty="0"/>
-              <a:t>böylece dışardan </a:t>
-            </a:r>
-            <a:r>
-              <a:rPr lang="tr-TR" dirty="0" err="1"/>
-              <a:t>api</a:t>
-            </a:r>
-            <a:r>
-              <a:rPr lang="tr-TR" dirty="0"/>
-              <a:t> uygulamamız tek parça gözükürken</a:t>
-            </a:r>
-            <a:br>
-              <a:rPr lang="tr-TR" dirty="0"/>
-            </a:br>
-            <a:r>
-              <a:rPr lang="tr-TR" dirty="0"/>
-              <a:t>içeride </a:t>
-            </a:r>
-            <a:r>
-              <a:rPr lang="tr-TR" dirty="0" err="1"/>
-              <a:t>spring</a:t>
-            </a:r>
-            <a:r>
-              <a:rPr lang="tr-TR" dirty="0"/>
-              <a:t> </a:t>
-            </a:r>
-            <a:r>
-              <a:rPr lang="tr-TR" dirty="0" err="1"/>
-              <a:t>boot</a:t>
-            </a:r>
-            <a:r>
-              <a:rPr lang="tr-TR" dirty="0"/>
-              <a:t> </a:t>
-            </a:r>
-            <a:r>
-              <a:rPr lang="tr-TR" dirty="0" err="1"/>
-              <a:t>annotationlarıyla</a:t>
-            </a:r>
-            <a:r>
-              <a:rPr lang="tr-TR" dirty="0"/>
-              <a:t> modülerlik sağlıyoruz</a:t>
-            </a:r>
-          </a:p>
-          <a:p>
-            <a:endParaRPr lang="tr-TR" dirty="0"/>
+              <a:t>Bu görmüş olduğunuz şema projemin nasıl bir yapıya sahip olduğunu gösteriyor.</a:t>
+            </a:r>
           </a:p>
         </p:txBody>
       </p:sp>
@@ -2193,7 +2162,7 @@
               <a:pPr>
                 <a:defRPr/>
               </a:pPr>
-              <a:t>8</a:t>
+              <a:t>7</a:t>
             </a:fld>
             <a:endParaRPr lang="tr-TR" altLang="tr-TR"/>
           </a:p>
@@ -2202,7 +2171,7 @@
     </p:spTree>
     <p:extLst>
       <p:ext uri="{BB962C8B-B14F-4D97-AF65-F5344CB8AC3E}">
-        <p14:creationId xmlns:p14="http://schemas.microsoft.com/office/powerpoint/2010/main" val="4003882620"/>
+        <p14:creationId xmlns:p14="http://schemas.microsoft.com/office/powerpoint/2010/main" val="3385380111"/>
       </p:ext>
     </p:extLst>
   </p:cSld>
@@ -2256,48 +2225,115 @@
           <a:bodyPr/>
           <a:lstStyle/>
           <a:p>
-            <a:pPr marL="0" marR="0" lvl="0" indent="0" algn="l" defTabSz="914400" rtl="0" eaLnBrk="0" fontAlgn="base" latinLnBrk="0" hangingPunct="0">
-              <a:lnSpc>
-                <a:spcPct val="100000"/>
-              </a:lnSpc>
-              <a:spcBef>
-                <a:spcPct val="30000"/>
-              </a:spcBef>
-              <a:spcAft>
-                <a:spcPct val="0"/>
-              </a:spcAft>
-              <a:buClrTx/>
-              <a:buSzTx/>
-              <a:buFontTx/>
-              <a:buNone/>
-              <a:tabLst/>
-              <a:defRPr/>
-            </a:pPr>
-            <a:r>
-              <a:rPr lang="tr-TR" dirty="0"/>
-              <a:t>Burada görmüş olduğunuz şema ise projemin depo </a:t>
-            </a:r>
+            <a:r>
+              <a:rPr lang="tr-TR" dirty="0"/>
+              <a:t>Peki biz bu lider tablosunu nasıl gerçekleştirdik?</a:t>
+            </a:r>
+            <a:br>
+              <a:rPr lang="tr-TR" dirty="0"/>
+            </a:br>
             <a:r>
               <a:rPr lang="tr-TR" dirty="0" err="1"/>
-              <a:t>implementasyonlarıyla</a:t>
-            </a:r>
-            <a:r>
-              <a:rPr lang="tr-TR" dirty="0"/>
-              <a:t> gösterimi</a:t>
+              <a:t>Lider</a:t>
+            </a:r>
+            <a:r>
+              <a:rPr lang="tr-TR" dirty="0"/>
+              <a:t> tablosu </a:t>
+            </a:r>
+            <a:r>
+              <a:rPr lang="tr-TR" dirty="0" err="1"/>
+              <a:t>repositorysi</a:t>
+            </a:r>
+            <a:r>
+              <a:rPr lang="tr-TR" dirty="0"/>
+              <a:t> olarak 3 farklı gerçekleştirim yaptık.</a:t>
             </a:r>
             <a:br>
               <a:rPr lang="tr-TR" dirty="0"/>
             </a:br>
             <a:r>
               <a:rPr lang="tr-TR" dirty="0"/>
-              <a:t>bu depoların aynı anda bir tanesini kullanıyoruz</a:t>
+              <a:t>Lider tablosu </a:t>
+            </a:r>
+            <a:r>
+              <a:rPr lang="tr-TR" dirty="0" err="1"/>
+              <a:t>arayüzümüzü</a:t>
+            </a:r>
+            <a:r>
+              <a:rPr lang="tr-TR" dirty="0"/>
+              <a:t> gerçekleştiren </a:t>
+            </a:r>
+            <a:r>
+              <a:rPr lang="tr-TR" dirty="0" err="1"/>
+              <a:t>java</a:t>
+            </a:r>
+            <a:r>
+              <a:rPr lang="tr-TR" dirty="0"/>
+              <a:t> </a:t>
+            </a:r>
+            <a:r>
+              <a:rPr lang="tr-TR" dirty="0" err="1"/>
+              <a:t>caffeine</a:t>
+            </a:r>
+            <a:r>
+              <a:rPr lang="tr-TR" dirty="0"/>
+              <a:t> ve </a:t>
+            </a:r>
+            <a:r>
+              <a:rPr lang="tr-TR" dirty="0" err="1"/>
+              <a:t>redis</a:t>
+            </a:r>
+            <a:r>
+              <a:rPr lang="tr-TR" dirty="0"/>
+              <a:t> depolarımız var</a:t>
+            </a:r>
+          </a:p>
+          <a:p>
+            <a:r>
+              <a:rPr lang="tr-TR" dirty="0"/>
+              <a:t>Bu </a:t>
+            </a:r>
+            <a:r>
+              <a:rPr lang="tr-TR" dirty="0" err="1"/>
+              <a:t>arayüzü</a:t>
+            </a:r>
+            <a:r>
+              <a:rPr lang="tr-TR" dirty="0"/>
+              <a:t> </a:t>
+            </a:r>
+            <a:r>
+              <a:rPr lang="tr-TR" dirty="0" err="1"/>
+              <a:t>controller</a:t>
+            </a:r>
+            <a:r>
+              <a:rPr lang="tr-TR" dirty="0"/>
+              <a:t> ve service aracılığıyla erişiyoruz</a:t>
             </a:r>
             <a:br>
               <a:rPr lang="tr-TR" dirty="0"/>
             </a:br>
             <a:r>
+              <a:rPr lang="tr-TR" dirty="0"/>
+              <a:t>böylece dışardan </a:t>
+            </a:r>
+            <a:r>
               <a:rPr lang="tr-TR" dirty="0" err="1"/>
-              <a:t>micro</a:t>
+              <a:t>api</a:t>
+            </a:r>
+            <a:r>
+              <a:rPr lang="tr-TR" dirty="0"/>
+              <a:t> uygulamamız tek parça gözükürken</a:t>
+            </a:r>
+            <a:br>
+              <a:rPr lang="tr-TR" dirty="0"/>
+            </a:br>
+            <a:r>
+              <a:rPr lang="tr-TR" dirty="0"/>
+              <a:t>içeride </a:t>
+            </a:r>
+            <a:r>
+              <a:rPr lang="tr-TR" dirty="0" err="1"/>
+              <a:t>spring</a:t>
             </a:r>
             <a:r>
               <a:rPr lang="tr-TR" dirty="0"/>
@@ -2305,83 +2341,20 @@
             </a:r>
             <a:r>
               <a:rPr lang="tr-TR" dirty="0" err="1"/>
-              <a:t>meter</a:t>
-            </a:r>
-            <a:r>
-              <a:rPr lang="tr-TR" dirty="0"/>
-              <a:t> ile metrik topluyoruz</a:t>
-            </a:r>
-          </a:p>
-          <a:p>
-            <a:pPr marL="0" marR="0" lvl="0" indent="0" algn="l" defTabSz="914400" rtl="0" eaLnBrk="0" fontAlgn="base" latinLnBrk="0" hangingPunct="0">
-              <a:lnSpc>
-                <a:spcPct val="100000"/>
-              </a:lnSpc>
-              <a:spcBef>
-                <a:spcPct val="30000"/>
-              </a:spcBef>
-              <a:spcAft>
-                <a:spcPct val="0"/>
-              </a:spcAft>
-              <a:buClrTx/>
-              <a:buSzTx/>
-              <a:buFontTx/>
-              <a:buNone/>
-              <a:tabLst/>
-              <a:defRPr/>
-            </a:pPr>
+              <a:t>boot</a:t>
+            </a:r>
+            <a:r>
+              <a:rPr lang="tr-TR" dirty="0"/>
+              <a:t> </a:t>
+            </a:r>
             <a:r>
               <a:rPr lang="tr-TR" dirty="0" err="1"/>
-              <a:t>Dockerda</a:t>
-            </a:r>
-            <a:r>
-              <a:rPr lang="tr-TR" dirty="0"/>
-              <a:t> çalışan </a:t>
-            </a:r>
-            <a:r>
-              <a:rPr lang="tr-TR" dirty="0" err="1"/>
-              <a:t>prometheus</a:t>
-            </a:r>
-            <a:r>
-              <a:rPr lang="tr-TR" dirty="0"/>
-              <a:t> ve </a:t>
-            </a:r>
-            <a:r>
-              <a:rPr lang="tr-TR" dirty="0" err="1"/>
-              <a:t>grafana</a:t>
-            </a:r>
-            <a:r>
-              <a:rPr lang="tr-TR" dirty="0"/>
-              <a:t> ile tarayıcımızda </a:t>
-            </a:r>
-            <a:r>
-              <a:rPr lang="tr-TR" dirty="0" err="1"/>
-              <a:t>dashboard</a:t>
-            </a:r>
-            <a:r>
-              <a:rPr lang="tr-TR" dirty="0"/>
-              <a:t> aracılığıyla görüntülüyoruz</a:t>
-            </a:r>
-          </a:p>
-          <a:p>
-            <a:pPr marL="0" marR="0" lvl="0" indent="0" algn="l" defTabSz="914400" rtl="0" eaLnBrk="0" fontAlgn="base" latinLnBrk="0" hangingPunct="0">
-              <a:lnSpc>
-                <a:spcPct val="100000"/>
-              </a:lnSpc>
-              <a:spcBef>
-                <a:spcPct val="30000"/>
-              </a:spcBef>
-              <a:spcAft>
-                <a:spcPct val="0"/>
-              </a:spcAft>
-              <a:buClrTx/>
-              <a:buSzTx/>
-              <a:buFontTx/>
-              <a:buNone/>
-              <a:tabLst/>
-              <a:defRPr/>
-            </a:pPr>
-            <a:endParaRPr lang="tr-TR" dirty="0"/>
+              <a:t>annotationlarıyla</a:t>
+            </a:r>
+            <a:r>
+              <a:rPr lang="tr-TR" dirty="0"/>
+              <a:t> modülerlik sağlıyoruz</a:t>
+            </a:r>
           </a:p>
           <a:p>
             <a:endParaRPr lang="tr-TR" dirty="0"/>
@@ -2411,7 +2384,7 @@
               <a:pPr>
                 <a:defRPr/>
               </a:pPr>
-              <a:t>9</a:t>
+              <a:t>8</a:t>
             </a:fld>
             <a:endParaRPr lang="tr-TR" altLang="tr-TR"/>
           </a:p>
@@ -2420,7 +2393,7 @@
     </p:spTree>
     <p:extLst>
       <p:ext uri="{BB962C8B-B14F-4D97-AF65-F5344CB8AC3E}">
-        <p14:creationId xmlns:p14="http://schemas.microsoft.com/office/powerpoint/2010/main" val="3127340155"/>
+        <p14:creationId xmlns:p14="http://schemas.microsoft.com/office/powerpoint/2010/main" val="4003882620"/>
       </p:ext>
     </p:extLst>
   </p:cSld>
@@ -2474,6 +2447,166 @@
           <a:bodyPr/>
           <a:lstStyle/>
           <a:p>
+            <a:pPr marL="0" marR="0" lvl="0" indent="0" algn="l" defTabSz="914400" rtl="0" eaLnBrk="0" fontAlgn="base" latinLnBrk="0" hangingPunct="0">
+              <a:lnSpc>
+                <a:spcPct val="100000"/>
+              </a:lnSpc>
+              <a:spcBef>
+                <a:spcPct val="30000"/>
+              </a:spcBef>
+              <a:spcAft>
+                <a:spcPct val="0"/>
+              </a:spcAft>
+              <a:buClrTx/>
+              <a:buSzTx/>
+              <a:buFontTx/>
+              <a:buNone/>
+              <a:tabLst/>
+              <a:defRPr/>
+            </a:pPr>
+            <a:r>
+              <a:rPr lang="tr-TR" dirty="0"/>
+              <a:t>Burada görmüş olduğunuz şema ise projemin depo </a:t>
+            </a:r>
+            <a:r>
+              <a:rPr lang="tr-TR" dirty="0" err="1"/>
+              <a:t>implementasyonlarıyla</a:t>
+            </a:r>
+            <a:r>
+              <a:rPr lang="tr-TR" dirty="0"/>
+              <a:t> gösterimi</a:t>
+            </a:r>
+            <a:br>
+              <a:rPr lang="tr-TR" dirty="0"/>
+            </a:br>
+            <a:r>
+              <a:rPr lang="tr-TR" dirty="0"/>
+              <a:t>Uygulama bu </a:t>
+            </a:r>
+            <a:r>
+              <a:rPr lang="tr-TR" dirty="0" err="1"/>
+              <a:t>repositorylerden</a:t>
+            </a:r>
+            <a:r>
+              <a:rPr lang="tr-TR" dirty="0"/>
+              <a:t> aynı anda sadece  bir tanesini kullanıyor</a:t>
+            </a:r>
+            <a:br>
+              <a:rPr lang="tr-TR" dirty="0"/>
+            </a:br>
+            <a:r>
+              <a:rPr lang="tr-TR" dirty="0"/>
+              <a:t>Kullanılan </a:t>
+            </a:r>
+            <a:r>
+              <a:rPr lang="tr-TR" dirty="0" err="1"/>
+              <a:t>repositorynin</a:t>
+            </a:r>
+            <a:r>
+              <a:rPr lang="tr-TR" dirty="0"/>
+              <a:t> metriklerini </a:t>
+            </a:r>
+            <a:r>
+              <a:rPr lang="tr-TR" dirty="0" err="1"/>
+              <a:t>micro</a:t>
+            </a:r>
+            <a:r>
+              <a:rPr lang="tr-TR" dirty="0"/>
+              <a:t> </a:t>
+            </a:r>
+            <a:r>
+              <a:rPr lang="tr-TR" dirty="0" err="1"/>
+              <a:t>meter</a:t>
+            </a:r>
+            <a:r>
+              <a:rPr lang="tr-TR" dirty="0"/>
+              <a:t> ile  ölçüyoruz</a:t>
+            </a:r>
+          </a:p>
+          <a:p>
+            <a:pPr marL="0" marR="0" lvl="0" indent="0" algn="l" defTabSz="914400" rtl="0" eaLnBrk="0" fontAlgn="base" latinLnBrk="0" hangingPunct="0">
+              <a:lnSpc>
+                <a:spcPct val="100000"/>
+              </a:lnSpc>
+              <a:spcBef>
+                <a:spcPct val="30000"/>
+              </a:spcBef>
+              <a:spcAft>
+                <a:spcPct val="0"/>
+              </a:spcAft>
+              <a:buClrTx/>
+              <a:buSzTx/>
+              <a:buFontTx/>
+              <a:buNone/>
+              <a:tabLst/>
+              <a:defRPr/>
+            </a:pPr>
+            <a:r>
+              <a:rPr lang="tr-TR" dirty="0"/>
+              <a:t>Ölçtüğümüz bu </a:t>
+            </a:r>
+            <a:r>
+              <a:rPr lang="tr-TR" dirty="0" err="1"/>
+              <a:t>verrileri</a:t>
+            </a:r>
+            <a:r>
+              <a:rPr lang="tr-TR" dirty="0"/>
+              <a:t> </a:t>
+            </a:r>
+            <a:r>
+              <a:rPr lang="tr-TR" dirty="0" err="1"/>
+              <a:t>Dockerda</a:t>
+            </a:r>
+            <a:r>
+              <a:rPr lang="tr-TR" dirty="0"/>
+              <a:t> çalışan </a:t>
+            </a:r>
+            <a:r>
+              <a:rPr lang="tr-TR" dirty="0" err="1"/>
+              <a:t>prometheus</a:t>
+            </a:r>
+            <a:r>
+              <a:rPr lang="tr-TR" dirty="0"/>
+              <a:t> ile depoladıktan sonra  </a:t>
+            </a:r>
+            <a:r>
+              <a:rPr lang="tr-TR" dirty="0" err="1"/>
+              <a:t>grafana</a:t>
+            </a:r>
+            <a:r>
+              <a:rPr lang="tr-TR" dirty="0"/>
+              <a:t> ile görselleştirerek tarayıcımızda </a:t>
+            </a:r>
+            <a:r>
+              <a:rPr lang="tr-TR" dirty="0" err="1"/>
+              <a:t>dashboard</a:t>
+            </a:r>
+            <a:r>
+              <a:rPr lang="tr-TR" dirty="0"/>
+              <a:t> aracılığıyla görüntülüyoruz</a:t>
+            </a:r>
+          </a:p>
+          <a:p>
+            <a:pPr marL="0" marR="0" lvl="0" indent="0" algn="l" defTabSz="914400" rtl="0" eaLnBrk="0" fontAlgn="base" latinLnBrk="0" hangingPunct="0">
+              <a:lnSpc>
+                <a:spcPct val="100000"/>
+              </a:lnSpc>
+              <a:spcBef>
+                <a:spcPct val="30000"/>
+              </a:spcBef>
+              <a:spcAft>
+                <a:spcPct val="0"/>
+              </a:spcAft>
+              <a:buClrTx/>
+              <a:buSzTx/>
+              <a:buFontTx/>
+              <a:buNone/>
+              <a:tabLst/>
+              <a:defRPr/>
+            </a:pPr>
+            <a:endParaRPr lang="tr-TR" dirty="0"/>
+          </a:p>
+          <a:p>
             <a:endParaRPr lang="tr-TR" dirty="0"/>
           </a:p>
         </p:txBody>
@@ -2501,7 +2634,7 @@
               <a:pPr>
                 <a:defRPr/>
               </a:pPr>
-              <a:t>10</a:t>
+              <a:t>9</a:t>
             </a:fld>
             <a:endParaRPr lang="tr-TR" altLang="tr-TR"/>
           </a:p>
@@ -2510,7 +2643,7 @@
     </p:spTree>
     <p:extLst>
       <p:ext uri="{BB962C8B-B14F-4D97-AF65-F5344CB8AC3E}">
-        <p14:creationId xmlns:p14="http://schemas.microsoft.com/office/powerpoint/2010/main" val="3559063812"/>
+        <p14:creationId xmlns:p14="http://schemas.microsoft.com/office/powerpoint/2010/main" val="3127340155"/>
       </p:ext>
     </p:extLst>
   </p:cSld>
@@ -2566,78 +2699,8 @@
           <a:p>
             <a:r>
               <a:rPr lang="tr-TR" dirty="0"/>
-              <a:t>Peki biz bu depoların içinde aslında nasıl bir veri yapısı uyguladık ?</a:t>
-            </a:r>
-            <a:br>
-              <a:rPr lang="tr-TR" dirty="0"/>
-            </a:br>
-            <a:r>
-              <a:rPr lang="tr-TR" dirty="0"/>
-              <a:t>Java için bir </a:t>
-            </a:r>
-            <a:r>
-              <a:rPr lang="tr-TR" dirty="0" err="1"/>
-              <a:t>hashmap</a:t>
-            </a:r>
-            <a:r>
-              <a:rPr lang="tr-TR" dirty="0"/>
-              <a:t> kullandık</a:t>
-            </a:r>
-            <a:br>
-              <a:rPr lang="tr-TR" dirty="0"/>
-            </a:br>
-            <a:r>
-              <a:rPr lang="tr-TR" dirty="0" err="1"/>
-              <a:t>caffeine</a:t>
-            </a:r>
-            <a:r>
-              <a:rPr lang="tr-TR" dirty="0"/>
-              <a:t> ise temelinde </a:t>
-            </a:r>
-            <a:r>
-              <a:rPr lang="tr-TR" dirty="0" err="1"/>
-              <a:t>concurrent</a:t>
-            </a:r>
-            <a:r>
-              <a:rPr lang="tr-TR" dirty="0"/>
-              <a:t> </a:t>
-            </a:r>
-            <a:r>
-              <a:rPr lang="tr-TR" dirty="0" err="1"/>
-              <a:t>hashmap</a:t>
-            </a:r>
-            <a:r>
-              <a:rPr lang="tr-TR" dirty="0"/>
-              <a:t> kullanan </a:t>
-            </a:r>
-            <a:r>
-              <a:rPr lang="tr-TR" dirty="0" err="1"/>
-              <a:t>cache</a:t>
-            </a:r>
-            <a:r>
-              <a:rPr lang="tr-TR" dirty="0"/>
-              <a:t> adında bir yapı kullanıyor.</a:t>
-            </a:r>
-            <a:br>
-              <a:rPr lang="tr-TR" dirty="0"/>
-            </a:br>
-            <a:r>
-              <a:rPr lang="tr-TR" dirty="0"/>
-              <a:t>Bu yapının süre aşımı sonrası bellekten silme gibi özellikleri var</a:t>
-            </a:r>
-          </a:p>
-          <a:p>
-            <a:r>
-              <a:rPr lang="tr-TR" dirty="0" err="1"/>
-              <a:t>Redisde</a:t>
-            </a:r>
-            <a:r>
-              <a:rPr lang="tr-TR" dirty="0"/>
-              <a:t> ise daha atomik bir yapı ve sıralı küme kullanabilme avantajımız var</a:t>
-            </a:r>
-          </a:p>
-          <a:p>
-            <a:endParaRPr lang="tr-TR" dirty="0"/>
+              <a:t>Peki neden böyle bir proje yaptık ?</a:t>
+            </a:r>
           </a:p>
         </p:txBody>
       </p:sp>
@@ -2664,7 +2727,7 @@
               <a:pPr>
                 <a:defRPr/>
               </a:pPr>
-              <a:t>13</a:t>
+              <a:t>10</a:t>
             </a:fld>
             <a:endParaRPr lang="tr-TR" altLang="tr-TR"/>
           </a:p>
@@ -2673,7 +2736,7 @@
     </p:spTree>
     <p:extLst>
       <p:ext uri="{BB962C8B-B14F-4D97-AF65-F5344CB8AC3E}">
-        <p14:creationId xmlns:p14="http://schemas.microsoft.com/office/powerpoint/2010/main" val="2401023945"/>
+        <p14:creationId xmlns:p14="http://schemas.microsoft.com/office/powerpoint/2010/main" val="3559063812"/>
       </p:ext>
     </p:extLst>
   </p:cSld>
@@ -2727,11 +2790,79 @@
           <a:bodyPr/>
           <a:lstStyle/>
           <a:p>
-            <a:pPr>
-              <a:lnSpc>
-                <a:spcPct val="250000"/>
-              </a:lnSpc>
-            </a:pPr>
+            <a:r>
+              <a:rPr lang="tr-TR" dirty="0"/>
+              <a:t>Peki biz bu depoların içinde aslında nasıl bir veri yapısı uyguladık ?</a:t>
+            </a:r>
+            <a:br>
+              <a:rPr lang="tr-TR" dirty="0"/>
+            </a:br>
+            <a:r>
+              <a:rPr lang="tr-TR" dirty="0"/>
+              <a:t>Java için bir </a:t>
+            </a:r>
+            <a:r>
+              <a:rPr lang="tr-TR" dirty="0" err="1"/>
+              <a:t>hashmap</a:t>
+            </a:r>
+            <a:r>
+              <a:rPr lang="tr-TR" dirty="0"/>
+              <a:t> kullandık</a:t>
+            </a:r>
+            <a:br>
+              <a:rPr lang="tr-TR" dirty="0"/>
+            </a:br>
+            <a:r>
+              <a:rPr lang="tr-TR" dirty="0" err="1"/>
+              <a:t>caffeine</a:t>
+            </a:r>
+            <a:r>
+              <a:rPr lang="tr-TR" dirty="0"/>
+              <a:t> ise temelinde </a:t>
+            </a:r>
+            <a:r>
+              <a:rPr lang="tr-TR" dirty="0" err="1"/>
+              <a:t>concurrent</a:t>
+            </a:r>
+            <a:r>
+              <a:rPr lang="tr-TR" dirty="0"/>
+              <a:t> </a:t>
+            </a:r>
+            <a:r>
+              <a:rPr lang="tr-TR" dirty="0" err="1"/>
+              <a:t>hashmap</a:t>
+            </a:r>
+            <a:r>
+              <a:rPr lang="tr-TR" dirty="0"/>
+              <a:t> kullanan </a:t>
+            </a:r>
+            <a:r>
+              <a:rPr lang="tr-TR" dirty="0" err="1"/>
+              <a:t>cache</a:t>
+            </a:r>
+            <a:r>
+              <a:rPr lang="tr-TR" dirty="0"/>
+              <a:t> adında bir yapı kullanıyor.</a:t>
+            </a:r>
+            <a:br>
+              <a:rPr lang="tr-TR" dirty="0"/>
+            </a:br>
+            <a:r>
+              <a:rPr lang="tr-TR" dirty="0"/>
+              <a:t>Bu yapının süre aşımı sonrası bellekten silme gibi özellikleri var</a:t>
+            </a:r>
+          </a:p>
+          <a:p>
+            <a:r>
+              <a:rPr lang="tr-TR" dirty="0" err="1"/>
+              <a:t>Redisde</a:t>
+            </a:r>
+            <a:r>
+              <a:rPr lang="tr-TR" dirty="0"/>
+              <a:t> ise daha atomik bir yapı ve sıralı küme kullanabilme avantajımız var</a:t>
+            </a:r>
+          </a:p>
+          <a:p>
             <a:endParaRPr lang="tr-TR" dirty="0"/>
           </a:p>
         </p:txBody>
@@ -2759,7 +2890,7 @@
               <a:pPr>
                 <a:defRPr/>
               </a:pPr>
-              <a:t>14</a:t>
+              <a:t>13</a:t>
             </a:fld>
             <a:endParaRPr lang="tr-TR" altLang="tr-TR"/>
           </a:p>
@@ -2768,7 +2899,7 @@
     </p:spTree>
     <p:extLst>
       <p:ext uri="{BB962C8B-B14F-4D97-AF65-F5344CB8AC3E}">
-        <p14:creationId xmlns:p14="http://schemas.microsoft.com/office/powerpoint/2010/main" val="1032311474"/>
+        <p14:creationId xmlns:p14="http://schemas.microsoft.com/office/powerpoint/2010/main" val="2401023945"/>
       </p:ext>
     </p:extLst>
   </p:cSld>
@@ -9196,7 +9327,7 @@
             </a:r>
             <a:r>
               <a:rPr lang="tr-TR" dirty="0"/>
-              <a:t> Sırlama desteği (</a:t>
+              <a:t> Sıralama desteği (</a:t>
             </a:r>
             <a:r>
               <a:rPr lang="tr-TR" dirty="0" err="1"/>
@@ -10408,7 +10539,7 @@
             </a:r>
             <a:r>
               <a:rPr lang="tr-TR" dirty="0"/>
-              <a:t> edilen teknolojiler ayağa kaldırıldı.</a:t>
+              <a:t> edilen teknolojiler ayağa kaldırıldık.</a:t>
             </a:r>
           </a:p>
           <a:p>
@@ -10420,8 +10551,12 @@
               <a:buChar char="v"/>
             </a:pPr>
             <a:r>
+              <a:rPr lang="tr-TR" b="1" dirty="0"/>
+              <a:t>Micro-</a:t>
+            </a:r>
+            <a:r>
               <a:rPr lang="tr-TR" b="1" dirty="0" err="1"/>
-              <a:t>Micrometer</a:t>
+              <a:t>meter</a:t>
             </a:r>
             <a:r>
               <a:rPr lang="tr-TR" dirty="0"/>
@@ -10442,7 +10577,7 @@
             </a:r>
             <a:r>
               <a:rPr lang="tr-TR" dirty="0"/>
-              <a:t> bu metrikleri zaman serisi olarak depoladı.</a:t>
+              <a:t> bu metrikleri zaman serisi olarak depoladık.</a:t>
             </a:r>
           </a:p>
           <a:p>
@@ -11960,20 +12095,20 @@
 </file>
 
 <file path=customXml/item1.xml><?xml version="1.0" encoding="utf-8"?>
-<p:properties xmlns:p="http://schemas.microsoft.com/office/2006/metadata/properties" xmlns:xsi="http://www.w3.org/2001/XMLSchema-instance" xmlns:pc="http://schemas.microsoft.com/office/infopath/2007/PartnerControls">
-  <documentManagement>
-    <_activity xmlns="f048bf54-aa83-4439-b641-98df509ced0a" xsi:nil="true"/>
-  </documentManagement>
-</p:properties>
-</file>
-
-<file path=customXml/item2.xml><?xml version="1.0" encoding="utf-8"?>
 <?mso-contentType ?>
 <FormTemplates xmlns="http://schemas.microsoft.com/sharepoint/v3/contenttype/forms">
   <Display>DocumentLibraryForm</Display>
   <Edit>DocumentLibraryForm</Edit>
   <New>DocumentLibraryForm</New>
 </FormTemplates>
+</file>
+
+<file path=customXml/item2.xml><?xml version="1.0" encoding="utf-8"?>
+<p:properties xmlns:p="http://schemas.microsoft.com/office/2006/metadata/properties" xmlns:xsi="http://www.w3.org/2001/XMLSchema-instance" xmlns:pc="http://schemas.microsoft.com/office/infopath/2007/PartnerControls">
+  <documentManagement>
+    <_activity xmlns="f048bf54-aa83-4439-b641-98df509ced0a" xsi:nil="true"/>
+  </documentManagement>
+</p:properties>
 </file>
 
 <file path=customXml/item3.xml><?xml version="1.0" encoding="utf-8"?>
@@ -12133,25 +12268,25 @@
 </file>
 
 <file path=customXml/itemProps1.xml><?xml version="1.0" encoding="utf-8"?>
-<ds:datastoreItem xmlns:ds="http://schemas.openxmlformats.org/officeDocument/2006/customXml" ds:itemID="{0C9E674A-4883-4338-9B0C-081EEE383D92}">
+<ds:datastoreItem xmlns:ds="http://schemas.openxmlformats.org/officeDocument/2006/customXml" ds:itemID="{3A3AC79A-8B1C-4BE4-9709-1C5B10B3B3C0}">
   <ds:schemaRefs>
-    <ds:schemaRef ds:uri="http://schemas.microsoft.com/office/infopath/2007/PartnerControls"/>
-    <ds:schemaRef ds:uri="http://schemas.microsoft.com/office/2006/documentManagement/types"/>
-    <ds:schemaRef ds:uri="http://schemas.openxmlformats.org/package/2006/metadata/core-properties"/>
-    <ds:schemaRef ds:uri="http://purl.org/dc/terms/"/>
-    <ds:schemaRef ds:uri="http://purl.org/dc/dcmitype/"/>
-    <ds:schemaRef ds:uri="http://purl.org/dc/elements/1.1/"/>
-    <ds:schemaRef ds:uri="http://schemas.microsoft.com/office/2006/metadata/properties"/>
-    <ds:schemaRef ds:uri="f048bf54-aa83-4439-b641-98df509ced0a"/>
-    <ds:schemaRef ds:uri="http://www.w3.org/XML/1998/namespace"/>
+    <ds:schemaRef ds:uri="http://schemas.microsoft.com/sharepoint/v3/contenttype/forms"/>
   </ds:schemaRefs>
 </ds:datastoreItem>
 </file>
 
 <file path=customXml/itemProps2.xml><?xml version="1.0" encoding="utf-8"?>
-<ds:datastoreItem xmlns:ds="http://schemas.openxmlformats.org/officeDocument/2006/customXml" ds:itemID="{3A3AC79A-8B1C-4BE4-9709-1C5B10B3B3C0}">
+<ds:datastoreItem xmlns:ds="http://schemas.openxmlformats.org/officeDocument/2006/customXml" ds:itemID="{0C9E674A-4883-4338-9B0C-081EEE383D92}">
   <ds:schemaRefs>
-    <ds:schemaRef ds:uri="http://schemas.microsoft.com/sharepoint/v3/contenttype/forms"/>
+    <ds:schemaRef ds:uri="http://purl.org/dc/terms/"/>
+    <ds:schemaRef ds:uri="http://schemas.microsoft.com/office/2006/documentManagement/types"/>
+    <ds:schemaRef ds:uri="http://purl.org/dc/elements/1.1/"/>
+    <ds:schemaRef ds:uri="http://schemas.openxmlformats.org/package/2006/metadata/core-properties"/>
+    <ds:schemaRef ds:uri="http://www.w3.org/XML/1998/namespace"/>
+    <ds:schemaRef ds:uri="http://schemas.microsoft.com/office/infopath/2007/PartnerControls"/>
+    <ds:schemaRef ds:uri="http://purl.org/dc/dcmitype/"/>
+    <ds:schemaRef ds:uri="f048bf54-aa83-4439-b641-98df509ced0a"/>
+    <ds:schemaRef ds:uri="http://schemas.microsoft.com/office/2006/metadata/properties"/>
   </ds:schemaRefs>
 </ds:datastoreItem>
 </file>

--- a/YusufEmreBayrakcıStajSunum.pptx
+++ b/YusufEmreBayrakcıStajSunum.pptx
@@ -290,7 +290,7 @@
               <a:pPr>
                 <a:defRPr/>
               </a:pPr>
-              <a:t>10.07.2025</a:t>
+              <a:t>1.08.2025</a:t>
             </a:fld>
             <a:endParaRPr lang="tr-TR" altLang="tr-TR"/>
           </a:p>
@@ -12095,20 +12095,20 @@
 </file>
 
 <file path=customXml/item1.xml><?xml version="1.0" encoding="utf-8"?>
+<p:properties xmlns:p="http://schemas.microsoft.com/office/2006/metadata/properties" xmlns:xsi="http://www.w3.org/2001/XMLSchema-instance" xmlns:pc="http://schemas.microsoft.com/office/infopath/2007/PartnerControls">
+  <documentManagement>
+    <_activity xmlns="f048bf54-aa83-4439-b641-98df509ced0a" xsi:nil="true"/>
+  </documentManagement>
+</p:properties>
+</file>
+
+<file path=customXml/item2.xml><?xml version="1.0" encoding="utf-8"?>
 <?mso-contentType ?>
 <FormTemplates xmlns="http://schemas.microsoft.com/sharepoint/v3/contenttype/forms">
   <Display>DocumentLibraryForm</Display>
   <Edit>DocumentLibraryForm</Edit>
   <New>DocumentLibraryForm</New>
 </FormTemplates>
-</file>
-
-<file path=customXml/item2.xml><?xml version="1.0" encoding="utf-8"?>
-<p:properties xmlns:p="http://schemas.microsoft.com/office/2006/metadata/properties" xmlns:xsi="http://www.w3.org/2001/XMLSchema-instance" xmlns:pc="http://schemas.microsoft.com/office/infopath/2007/PartnerControls">
-  <documentManagement>
-    <_activity xmlns="f048bf54-aa83-4439-b641-98df509ced0a" xsi:nil="true"/>
-  </documentManagement>
-</p:properties>
 </file>
 
 <file path=customXml/item3.xml><?xml version="1.0" encoding="utf-8"?>
@@ -12268,14 +12268,6 @@
 </file>
 
 <file path=customXml/itemProps1.xml><?xml version="1.0" encoding="utf-8"?>
-<ds:datastoreItem xmlns:ds="http://schemas.openxmlformats.org/officeDocument/2006/customXml" ds:itemID="{3A3AC79A-8B1C-4BE4-9709-1C5B10B3B3C0}">
-  <ds:schemaRefs>
-    <ds:schemaRef ds:uri="http://schemas.microsoft.com/sharepoint/v3/contenttype/forms"/>
-  </ds:schemaRefs>
-</ds:datastoreItem>
-</file>
-
-<file path=customXml/itemProps2.xml><?xml version="1.0" encoding="utf-8"?>
 <ds:datastoreItem xmlns:ds="http://schemas.openxmlformats.org/officeDocument/2006/customXml" ds:itemID="{0C9E674A-4883-4338-9B0C-081EEE383D92}">
   <ds:schemaRefs>
     <ds:schemaRef ds:uri="http://purl.org/dc/terms/"/>
@@ -12287,6 +12279,14 @@
     <ds:schemaRef ds:uri="http://purl.org/dc/dcmitype/"/>
     <ds:schemaRef ds:uri="f048bf54-aa83-4439-b641-98df509ced0a"/>
     <ds:schemaRef ds:uri="http://schemas.microsoft.com/office/2006/metadata/properties"/>
+  </ds:schemaRefs>
+</ds:datastoreItem>
+</file>
+
+<file path=customXml/itemProps2.xml><?xml version="1.0" encoding="utf-8"?>
+<ds:datastoreItem xmlns:ds="http://schemas.openxmlformats.org/officeDocument/2006/customXml" ds:itemID="{3A3AC79A-8B1C-4BE4-9709-1C5B10B3B3C0}">
+  <ds:schemaRefs>
+    <ds:schemaRef ds:uri="http://schemas.microsoft.com/sharepoint/v3/contenttype/forms"/>
   </ds:schemaRefs>
 </ds:datastoreItem>
 </file>
